--- a/adocs/documentation/src/main/asciidoc/quickstart/_images/project-structure/module-dependencies.pptx
+++ b/adocs/documentation/src/main/asciidoc/quickstart/_images/project-structure/module-dependencies.pptx
@@ -108,7 +108,7 @@
   </p:defaultTextStyle>
   <p:extLst>
     <p:ext uri="{EFAFB233-063F-42B5-8137-9DF3F51BA10A}">
-      <p15:sldGuideLst xmlns="" xmlns:p15="http://schemas.microsoft.com/office/powerpoint/2012/main"/>
+      <p15:sldGuideLst xmlns:p15="http://schemas.microsoft.com/office/powerpoint/2012/main" xmlns=""/>
     </p:ext>
   </p:extLst>
 </p:presentation>
@@ -140,7 +140,7 @@
           <p:cNvPr id="2" name="Title 1">
             <a:extLst>
               <a:ext uri="{FF2B5EF4-FFF2-40B4-BE49-F238E27FC236}">
-                <a16:creationId xmlns="" xmlns:a16="http://schemas.microsoft.com/office/drawing/2014/main" id="{333796B0-4756-43C2-B84B-B5206A784F46}"/>
+                <a16:creationId xmlns:a16="http://schemas.microsoft.com/office/drawing/2014/main" xmlns="" id="{333796B0-4756-43C2-B84B-B5206A784F46}"/>
               </a:ext>
             </a:extLst>
           </p:cNvPr>
@@ -178,7 +178,7 @@
           <p:cNvPr id="3" name="Subtitle 2">
             <a:extLst>
               <a:ext uri="{FF2B5EF4-FFF2-40B4-BE49-F238E27FC236}">
-                <a16:creationId xmlns="" xmlns:a16="http://schemas.microsoft.com/office/drawing/2014/main" id="{D0BD1E34-C780-43EF-9A82-F75715499E4E}"/>
+                <a16:creationId xmlns:a16="http://schemas.microsoft.com/office/drawing/2014/main" xmlns="" id="{D0BD1E34-C780-43EF-9A82-F75715499E4E}"/>
               </a:ext>
             </a:extLst>
           </p:cNvPr>
@@ -249,7 +249,7 @@
           <p:cNvPr id="4" name="Date Placeholder 3">
             <a:extLst>
               <a:ext uri="{FF2B5EF4-FFF2-40B4-BE49-F238E27FC236}">
-                <a16:creationId xmlns="" xmlns:a16="http://schemas.microsoft.com/office/drawing/2014/main" id="{003336FB-4FD3-43EB-A2F5-DCF54B28588D}"/>
+                <a16:creationId xmlns:a16="http://schemas.microsoft.com/office/drawing/2014/main" xmlns="" id="{003336FB-4FD3-43EB-A2F5-DCF54B28588D}"/>
               </a:ext>
             </a:extLst>
           </p:cNvPr>
@@ -267,7 +267,7 @@
           <a:p>
             <a:fld id="{187236F5-8EDD-452F-B2B9-DF6A5B3EA871}" type="datetimeFigureOut">
               <a:rPr lang="en-GB" smtClean="0"/>
-              <a:t>28/08/2017</a:t>
+              <a:t>02/09/2017</a:t>
             </a:fld>
             <a:endParaRPr lang="en-GB"/>
           </a:p>
@@ -278,7 +278,7 @@
           <p:cNvPr id="5" name="Footer Placeholder 4">
             <a:extLst>
               <a:ext uri="{FF2B5EF4-FFF2-40B4-BE49-F238E27FC236}">
-                <a16:creationId xmlns="" xmlns:a16="http://schemas.microsoft.com/office/drawing/2014/main" id="{619E4AFF-A9B2-402C-A489-CE1E840CD16A}"/>
+                <a16:creationId xmlns:a16="http://schemas.microsoft.com/office/drawing/2014/main" xmlns="" id="{619E4AFF-A9B2-402C-A489-CE1E840CD16A}"/>
               </a:ext>
             </a:extLst>
           </p:cNvPr>
@@ -303,7 +303,7 @@
           <p:cNvPr id="6" name="Slide Number Placeholder 5">
             <a:extLst>
               <a:ext uri="{FF2B5EF4-FFF2-40B4-BE49-F238E27FC236}">
-                <a16:creationId xmlns="" xmlns:a16="http://schemas.microsoft.com/office/drawing/2014/main" id="{A5F8AC86-A48B-4313-B050-C481EE147099}"/>
+                <a16:creationId xmlns:a16="http://schemas.microsoft.com/office/drawing/2014/main" xmlns="" id="{A5F8AC86-A48B-4313-B050-C481EE147099}"/>
               </a:ext>
             </a:extLst>
           </p:cNvPr>
@@ -362,7 +362,7 @@
           <p:cNvPr id="2" name="Title 1">
             <a:extLst>
               <a:ext uri="{FF2B5EF4-FFF2-40B4-BE49-F238E27FC236}">
-                <a16:creationId xmlns="" xmlns:a16="http://schemas.microsoft.com/office/drawing/2014/main" id="{1AE8B955-C62C-4777-9F97-0127962D3E2A}"/>
+                <a16:creationId xmlns:a16="http://schemas.microsoft.com/office/drawing/2014/main" xmlns="" id="{1AE8B955-C62C-4777-9F97-0127962D3E2A}"/>
               </a:ext>
             </a:extLst>
           </p:cNvPr>
@@ -391,7 +391,7 @@
           <p:cNvPr id="3" name="Vertical Text Placeholder 2">
             <a:extLst>
               <a:ext uri="{FF2B5EF4-FFF2-40B4-BE49-F238E27FC236}">
-                <a16:creationId xmlns="" xmlns:a16="http://schemas.microsoft.com/office/drawing/2014/main" id="{4E45D8EC-7DC0-41EF-A582-30F76E5A1ED0}"/>
+                <a16:creationId xmlns:a16="http://schemas.microsoft.com/office/drawing/2014/main" xmlns="" id="{4E45D8EC-7DC0-41EF-A582-30F76E5A1ED0}"/>
               </a:ext>
             </a:extLst>
           </p:cNvPr>
@@ -449,7 +449,7 @@
           <p:cNvPr id="4" name="Date Placeholder 3">
             <a:extLst>
               <a:ext uri="{FF2B5EF4-FFF2-40B4-BE49-F238E27FC236}">
-                <a16:creationId xmlns="" xmlns:a16="http://schemas.microsoft.com/office/drawing/2014/main" id="{33F57753-66A2-4897-9647-414660619513}"/>
+                <a16:creationId xmlns:a16="http://schemas.microsoft.com/office/drawing/2014/main" xmlns="" id="{33F57753-66A2-4897-9647-414660619513}"/>
               </a:ext>
             </a:extLst>
           </p:cNvPr>
@@ -467,7 +467,7 @@
           <a:p>
             <a:fld id="{187236F5-8EDD-452F-B2B9-DF6A5B3EA871}" type="datetimeFigureOut">
               <a:rPr lang="en-GB" smtClean="0"/>
-              <a:t>28/08/2017</a:t>
+              <a:t>02/09/2017</a:t>
             </a:fld>
             <a:endParaRPr lang="en-GB"/>
           </a:p>
@@ -478,7 +478,7 @@
           <p:cNvPr id="5" name="Footer Placeholder 4">
             <a:extLst>
               <a:ext uri="{FF2B5EF4-FFF2-40B4-BE49-F238E27FC236}">
-                <a16:creationId xmlns="" xmlns:a16="http://schemas.microsoft.com/office/drawing/2014/main" id="{D68C23A1-3518-4B55-B013-2125BD69DE73}"/>
+                <a16:creationId xmlns:a16="http://schemas.microsoft.com/office/drawing/2014/main" xmlns="" id="{D68C23A1-3518-4B55-B013-2125BD69DE73}"/>
               </a:ext>
             </a:extLst>
           </p:cNvPr>
@@ -503,7 +503,7 @@
           <p:cNvPr id="6" name="Slide Number Placeholder 5">
             <a:extLst>
               <a:ext uri="{FF2B5EF4-FFF2-40B4-BE49-F238E27FC236}">
-                <a16:creationId xmlns="" xmlns:a16="http://schemas.microsoft.com/office/drawing/2014/main" id="{68041DFD-35E5-41DA-A143-1265F9B7858F}"/>
+                <a16:creationId xmlns:a16="http://schemas.microsoft.com/office/drawing/2014/main" xmlns="" id="{68041DFD-35E5-41DA-A143-1265F9B7858F}"/>
               </a:ext>
             </a:extLst>
           </p:cNvPr>
@@ -562,7 +562,7 @@
           <p:cNvPr id="2" name="Vertical Title 1">
             <a:extLst>
               <a:ext uri="{FF2B5EF4-FFF2-40B4-BE49-F238E27FC236}">
-                <a16:creationId xmlns="" xmlns:a16="http://schemas.microsoft.com/office/drawing/2014/main" id="{5A793D99-0113-412B-9563-00E03E81F503}"/>
+                <a16:creationId xmlns:a16="http://schemas.microsoft.com/office/drawing/2014/main" xmlns="" id="{5A793D99-0113-412B-9563-00E03E81F503}"/>
               </a:ext>
             </a:extLst>
           </p:cNvPr>
@@ -596,7 +596,7 @@
           <p:cNvPr id="3" name="Vertical Text Placeholder 2">
             <a:extLst>
               <a:ext uri="{FF2B5EF4-FFF2-40B4-BE49-F238E27FC236}">
-                <a16:creationId xmlns="" xmlns:a16="http://schemas.microsoft.com/office/drawing/2014/main" id="{81885F29-A264-4116-86EA-A5CB428456DC}"/>
+                <a16:creationId xmlns:a16="http://schemas.microsoft.com/office/drawing/2014/main" xmlns="" id="{81885F29-A264-4116-86EA-A5CB428456DC}"/>
               </a:ext>
             </a:extLst>
           </p:cNvPr>
@@ -659,7 +659,7 @@
           <p:cNvPr id="4" name="Date Placeholder 3">
             <a:extLst>
               <a:ext uri="{FF2B5EF4-FFF2-40B4-BE49-F238E27FC236}">
-                <a16:creationId xmlns="" xmlns:a16="http://schemas.microsoft.com/office/drawing/2014/main" id="{DFB85925-CC98-4C16-B730-D3CB7D644310}"/>
+                <a16:creationId xmlns:a16="http://schemas.microsoft.com/office/drawing/2014/main" xmlns="" id="{DFB85925-CC98-4C16-B730-D3CB7D644310}"/>
               </a:ext>
             </a:extLst>
           </p:cNvPr>
@@ -677,7 +677,7 @@
           <a:p>
             <a:fld id="{187236F5-8EDD-452F-B2B9-DF6A5B3EA871}" type="datetimeFigureOut">
               <a:rPr lang="en-GB" smtClean="0"/>
-              <a:t>28/08/2017</a:t>
+              <a:t>02/09/2017</a:t>
             </a:fld>
             <a:endParaRPr lang="en-GB"/>
           </a:p>
@@ -688,7 +688,7 @@
           <p:cNvPr id="5" name="Footer Placeholder 4">
             <a:extLst>
               <a:ext uri="{FF2B5EF4-FFF2-40B4-BE49-F238E27FC236}">
-                <a16:creationId xmlns="" xmlns:a16="http://schemas.microsoft.com/office/drawing/2014/main" id="{A07FD04E-7054-4DF4-94B7-A440CC084BD1}"/>
+                <a16:creationId xmlns:a16="http://schemas.microsoft.com/office/drawing/2014/main" xmlns="" id="{A07FD04E-7054-4DF4-94B7-A440CC084BD1}"/>
               </a:ext>
             </a:extLst>
           </p:cNvPr>
@@ -713,7 +713,7 @@
           <p:cNvPr id="6" name="Slide Number Placeholder 5">
             <a:extLst>
               <a:ext uri="{FF2B5EF4-FFF2-40B4-BE49-F238E27FC236}">
-                <a16:creationId xmlns="" xmlns:a16="http://schemas.microsoft.com/office/drawing/2014/main" id="{42154541-0BA7-4DCA-92EC-A49D0F4DC7CF}"/>
+                <a16:creationId xmlns:a16="http://schemas.microsoft.com/office/drawing/2014/main" xmlns="" id="{42154541-0BA7-4DCA-92EC-A49D0F4DC7CF}"/>
               </a:ext>
             </a:extLst>
           </p:cNvPr>
@@ -772,7 +772,7 @@
           <p:cNvPr id="2" name="Title 1">
             <a:extLst>
               <a:ext uri="{FF2B5EF4-FFF2-40B4-BE49-F238E27FC236}">
-                <a16:creationId xmlns="" xmlns:a16="http://schemas.microsoft.com/office/drawing/2014/main" id="{19E90085-19A7-47C3-BFD0-6C8F86710BEE}"/>
+                <a16:creationId xmlns:a16="http://schemas.microsoft.com/office/drawing/2014/main" xmlns="" id="{19E90085-19A7-47C3-BFD0-6C8F86710BEE}"/>
               </a:ext>
             </a:extLst>
           </p:cNvPr>
@@ -801,7 +801,7 @@
           <p:cNvPr id="3" name="Content Placeholder 2">
             <a:extLst>
               <a:ext uri="{FF2B5EF4-FFF2-40B4-BE49-F238E27FC236}">
-                <a16:creationId xmlns="" xmlns:a16="http://schemas.microsoft.com/office/drawing/2014/main" id="{7DA13392-3E9F-47D2-8078-8465BCB46445}"/>
+                <a16:creationId xmlns:a16="http://schemas.microsoft.com/office/drawing/2014/main" xmlns="" id="{7DA13392-3E9F-47D2-8078-8465BCB46445}"/>
               </a:ext>
             </a:extLst>
           </p:cNvPr>
@@ -859,7 +859,7 @@
           <p:cNvPr id="4" name="Date Placeholder 3">
             <a:extLst>
               <a:ext uri="{FF2B5EF4-FFF2-40B4-BE49-F238E27FC236}">
-                <a16:creationId xmlns="" xmlns:a16="http://schemas.microsoft.com/office/drawing/2014/main" id="{855F4718-B8FE-4BEF-8F04-16A89E8033F2}"/>
+                <a16:creationId xmlns:a16="http://schemas.microsoft.com/office/drawing/2014/main" xmlns="" id="{855F4718-B8FE-4BEF-8F04-16A89E8033F2}"/>
               </a:ext>
             </a:extLst>
           </p:cNvPr>
@@ -877,7 +877,7 @@
           <a:p>
             <a:fld id="{187236F5-8EDD-452F-B2B9-DF6A5B3EA871}" type="datetimeFigureOut">
               <a:rPr lang="en-GB" smtClean="0"/>
-              <a:t>28/08/2017</a:t>
+              <a:t>02/09/2017</a:t>
             </a:fld>
             <a:endParaRPr lang="en-GB"/>
           </a:p>
@@ -888,7 +888,7 @@
           <p:cNvPr id="5" name="Footer Placeholder 4">
             <a:extLst>
               <a:ext uri="{FF2B5EF4-FFF2-40B4-BE49-F238E27FC236}">
-                <a16:creationId xmlns="" xmlns:a16="http://schemas.microsoft.com/office/drawing/2014/main" id="{5721535D-03BD-45EA-9CA3-F6F8AEA59ECB}"/>
+                <a16:creationId xmlns:a16="http://schemas.microsoft.com/office/drawing/2014/main" xmlns="" id="{5721535D-03BD-45EA-9CA3-F6F8AEA59ECB}"/>
               </a:ext>
             </a:extLst>
           </p:cNvPr>
@@ -913,7 +913,7 @@
           <p:cNvPr id="6" name="Slide Number Placeholder 5">
             <a:extLst>
               <a:ext uri="{FF2B5EF4-FFF2-40B4-BE49-F238E27FC236}">
-                <a16:creationId xmlns="" xmlns:a16="http://schemas.microsoft.com/office/drawing/2014/main" id="{DD1A4F9E-F4E9-435C-898B-FA634C97C056}"/>
+                <a16:creationId xmlns:a16="http://schemas.microsoft.com/office/drawing/2014/main" xmlns="" id="{DD1A4F9E-F4E9-435C-898B-FA634C97C056}"/>
               </a:ext>
             </a:extLst>
           </p:cNvPr>
@@ -972,7 +972,7 @@
           <p:cNvPr id="2" name="Title 1">
             <a:extLst>
               <a:ext uri="{FF2B5EF4-FFF2-40B4-BE49-F238E27FC236}">
-                <a16:creationId xmlns="" xmlns:a16="http://schemas.microsoft.com/office/drawing/2014/main" id="{ED0F5AC6-C4FF-46CC-B1B8-E61D8EDDDD7D}"/>
+                <a16:creationId xmlns:a16="http://schemas.microsoft.com/office/drawing/2014/main" xmlns="" id="{ED0F5AC6-C4FF-46CC-B1B8-E61D8EDDDD7D}"/>
               </a:ext>
             </a:extLst>
           </p:cNvPr>
@@ -1010,7 +1010,7 @@
           <p:cNvPr id="3" name="Text Placeholder 2">
             <a:extLst>
               <a:ext uri="{FF2B5EF4-FFF2-40B4-BE49-F238E27FC236}">
-                <a16:creationId xmlns="" xmlns:a16="http://schemas.microsoft.com/office/drawing/2014/main" id="{D1C772F3-B46D-4206-9F83-B9AE137BED7D}"/>
+                <a16:creationId xmlns:a16="http://schemas.microsoft.com/office/drawing/2014/main" xmlns="" id="{D1C772F3-B46D-4206-9F83-B9AE137BED7D}"/>
               </a:ext>
             </a:extLst>
           </p:cNvPr>
@@ -1135,7 +1135,7 @@
           <p:cNvPr id="4" name="Date Placeholder 3">
             <a:extLst>
               <a:ext uri="{FF2B5EF4-FFF2-40B4-BE49-F238E27FC236}">
-                <a16:creationId xmlns="" xmlns:a16="http://schemas.microsoft.com/office/drawing/2014/main" id="{99A4C995-C1D9-4CEE-AFD4-1B202571D3C9}"/>
+                <a16:creationId xmlns:a16="http://schemas.microsoft.com/office/drawing/2014/main" xmlns="" id="{99A4C995-C1D9-4CEE-AFD4-1B202571D3C9}"/>
               </a:ext>
             </a:extLst>
           </p:cNvPr>
@@ -1153,7 +1153,7 @@
           <a:p>
             <a:fld id="{187236F5-8EDD-452F-B2B9-DF6A5B3EA871}" type="datetimeFigureOut">
               <a:rPr lang="en-GB" smtClean="0"/>
-              <a:t>28/08/2017</a:t>
+              <a:t>02/09/2017</a:t>
             </a:fld>
             <a:endParaRPr lang="en-GB"/>
           </a:p>
@@ -1164,7 +1164,7 @@
           <p:cNvPr id="5" name="Footer Placeholder 4">
             <a:extLst>
               <a:ext uri="{FF2B5EF4-FFF2-40B4-BE49-F238E27FC236}">
-                <a16:creationId xmlns="" xmlns:a16="http://schemas.microsoft.com/office/drawing/2014/main" id="{856309E5-9839-4808-8FEF-6C483B2857C5}"/>
+                <a16:creationId xmlns:a16="http://schemas.microsoft.com/office/drawing/2014/main" xmlns="" id="{856309E5-9839-4808-8FEF-6C483B2857C5}"/>
               </a:ext>
             </a:extLst>
           </p:cNvPr>
@@ -1189,7 +1189,7 @@
           <p:cNvPr id="6" name="Slide Number Placeholder 5">
             <a:extLst>
               <a:ext uri="{FF2B5EF4-FFF2-40B4-BE49-F238E27FC236}">
-                <a16:creationId xmlns="" xmlns:a16="http://schemas.microsoft.com/office/drawing/2014/main" id="{A9E28372-FEAC-4C16-BBDB-F86B5E85053C}"/>
+                <a16:creationId xmlns:a16="http://schemas.microsoft.com/office/drawing/2014/main" xmlns="" id="{A9E28372-FEAC-4C16-BBDB-F86B5E85053C}"/>
               </a:ext>
             </a:extLst>
           </p:cNvPr>
@@ -1248,7 +1248,7 @@
           <p:cNvPr id="2" name="Title 1">
             <a:extLst>
               <a:ext uri="{FF2B5EF4-FFF2-40B4-BE49-F238E27FC236}">
-                <a16:creationId xmlns="" xmlns:a16="http://schemas.microsoft.com/office/drawing/2014/main" id="{2BD83234-31EE-45CD-BC6A-BCE2C8F28E4B}"/>
+                <a16:creationId xmlns:a16="http://schemas.microsoft.com/office/drawing/2014/main" xmlns="" id="{2BD83234-31EE-45CD-BC6A-BCE2C8F28E4B}"/>
               </a:ext>
             </a:extLst>
           </p:cNvPr>
@@ -1277,7 +1277,7 @@
           <p:cNvPr id="3" name="Content Placeholder 2">
             <a:extLst>
               <a:ext uri="{FF2B5EF4-FFF2-40B4-BE49-F238E27FC236}">
-                <a16:creationId xmlns="" xmlns:a16="http://schemas.microsoft.com/office/drawing/2014/main" id="{704294B2-B6B1-4995-8F95-299375D04569}"/>
+                <a16:creationId xmlns:a16="http://schemas.microsoft.com/office/drawing/2014/main" xmlns="" id="{704294B2-B6B1-4995-8F95-299375D04569}"/>
               </a:ext>
             </a:extLst>
           </p:cNvPr>
@@ -1340,7 +1340,7 @@
           <p:cNvPr id="4" name="Content Placeholder 3">
             <a:extLst>
               <a:ext uri="{FF2B5EF4-FFF2-40B4-BE49-F238E27FC236}">
-                <a16:creationId xmlns="" xmlns:a16="http://schemas.microsoft.com/office/drawing/2014/main" id="{73D62AEC-F99F-4753-A3CB-C8FE019E48F2}"/>
+                <a16:creationId xmlns:a16="http://schemas.microsoft.com/office/drawing/2014/main" xmlns="" id="{73D62AEC-F99F-4753-A3CB-C8FE019E48F2}"/>
               </a:ext>
             </a:extLst>
           </p:cNvPr>
@@ -1403,7 +1403,7 @@
           <p:cNvPr id="5" name="Date Placeholder 4">
             <a:extLst>
               <a:ext uri="{FF2B5EF4-FFF2-40B4-BE49-F238E27FC236}">
-                <a16:creationId xmlns="" xmlns:a16="http://schemas.microsoft.com/office/drawing/2014/main" id="{54F291EB-50AF-4981-925B-11CCFBF2E6A6}"/>
+                <a16:creationId xmlns:a16="http://schemas.microsoft.com/office/drawing/2014/main" xmlns="" id="{54F291EB-50AF-4981-925B-11CCFBF2E6A6}"/>
               </a:ext>
             </a:extLst>
           </p:cNvPr>
@@ -1421,7 +1421,7 @@
           <a:p>
             <a:fld id="{187236F5-8EDD-452F-B2B9-DF6A5B3EA871}" type="datetimeFigureOut">
               <a:rPr lang="en-GB" smtClean="0"/>
-              <a:t>28/08/2017</a:t>
+              <a:t>02/09/2017</a:t>
             </a:fld>
             <a:endParaRPr lang="en-GB"/>
           </a:p>
@@ -1432,7 +1432,7 @@
           <p:cNvPr id="6" name="Footer Placeholder 5">
             <a:extLst>
               <a:ext uri="{FF2B5EF4-FFF2-40B4-BE49-F238E27FC236}">
-                <a16:creationId xmlns="" xmlns:a16="http://schemas.microsoft.com/office/drawing/2014/main" id="{26C49041-751B-4C4A-932B-FC629AFF02F8}"/>
+                <a16:creationId xmlns:a16="http://schemas.microsoft.com/office/drawing/2014/main" xmlns="" id="{26C49041-751B-4C4A-932B-FC629AFF02F8}"/>
               </a:ext>
             </a:extLst>
           </p:cNvPr>
@@ -1457,7 +1457,7 @@
           <p:cNvPr id="7" name="Slide Number Placeholder 6">
             <a:extLst>
               <a:ext uri="{FF2B5EF4-FFF2-40B4-BE49-F238E27FC236}">
-                <a16:creationId xmlns="" xmlns:a16="http://schemas.microsoft.com/office/drawing/2014/main" id="{76D06E2A-82BF-4265-8526-3BA92AD03026}"/>
+                <a16:creationId xmlns:a16="http://schemas.microsoft.com/office/drawing/2014/main" xmlns="" id="{76D06E2A-82BF-4265-8526-3BA92AD03026}"/>
               </a:ext>
             </a:extLst>
           </p:cNvPr>
@@ -1516,7 +1516,7 @@
           <p:cNvPr id="2" name="Title 1">
             <a:extLst>
               <a:ext uri="{FF2B5EF4-FFF2-40B4-BE49-F238E27FC236}">
-                <a16:creationId xmlns="" xmlns:a16="http://schemas.microsoft.com/office/drawing/2014/main" id="{7BE51EE8-22F4-424B-B58C-735341D5B887}"/>
+                <a16:creationId xmlns:a16="http://schemas.microsoft.com/office/drawing/2014/main" xmlns="" id="{7BE51EE8-22F4-424B-B58C-735341D5B887}"/>
               </a:ext>
             </a:extLst>
           </p:cNvPr>
@@ -1550,7 +1550,7 @@
           <p:cNvPr id="3" name="Text Placeholder 2">
             <a:extLst>
               <a:ext uri="{FF2B5EF4-FFF2-40B4-BE49-F238E27FC236}">
-                <a16:creationId xmlns="" xmlns:a16="http://schemas.microsoft.com/office/drawing/2014/main" id="{8082B8F9-41F9-481F-A886-48B059F07EE4}"/>
+                <a16:creationId xmlns:a16="http://schemas.microsoft.com/office/drawing/2014/main" xmlns="" id="{8082B8F9-41F9-481F-A886-48B059F07EE4}"/>
               </a:ext>
             </a:extLst>
           </p:cNvPr>
@@ -1621,7 +1621,7 @@
           <p:cNvPr id="4" name="Content Placeholder 3">
             <a:extLst>
               <a:ext uri="{FF2B5EF4-FFF2-40B4-BE49-F238E27FC236}">
-                <a16:creationId xmlns="" xmlns:a16="http://schemas.microsoft.com/office/drawing/2014/main" id="{D30C6880-DF51-4BE0-8A8F-0DFFF92D4F3A}"/>
+                <a16:creationId xmlns:a16="http://schemas.microsoft.com/office/drawing/2014/main" xmlns="" id="{D30C6880-DF51-4BE0-8A8F-0DFFF92D4F3A}"/>
               </a:ext>
             </a:extLst>
           </p:cNvPr>
@@ -1684,7 +1684,7 @@
           <p:cNvPr id="5" name="Text Placeholder 4">
             <a:extLst>
               <a:ext uri="{FF2B5EF4-FFF2-40B4-BE49-F238E27FC236}">
-                <a16:creationId xmlns="" xmlns:a16="http://schemas.microsoft.com/office/drawing/2014/main" id="{A844033C-E2F6-4D7E-94DA-3EB8433D2B35}"/>
+                <a16:creationId xmlns:a16="http://schemas.microsoft.com/office/drawing/2014/main" xmlns="" id="{A844033C-E2F6-4D7E-94DA-3EB8433D2B35}"/>
               </a:ext>
             </a:extLst>
           </p:cNvPr>
@@ -1755,7 +1755,7 @@
           <p:cNvPr id="6" name="Content Placeholder 5">
             <a:extLst>
               <a:ext uri="{FF2B5EF4-FFF2-40B4-BE49-F238E27FC236}">
-                <a16:creationId xmlns="" xmlns:a16="http://schemas.microsoft.com/office/drawing/2014/main" id="{7F7D8E16-34FB-4E07-9570-36C12C246BC3}"/>
+                <a16:creationId xmlns:a16="http://schemas.microsoft.com/office/drawing/2014/main" xmlns="" id="{7F7D8E16-34FB-4E07-9570-36C12C246BC3}"/>
               </a:ext>
             </a:extLst>
           </p:cNvPr>
@@ -1818,7 +1818,7 @@
           <p:cNvPr id="7" name="Date Placeholder 6">
             <a:extLst>
               <a:ext uri="{FF2B5EF4-FFF2-40B4-BE49-F238E27FC236}">
-                <a16:creationId xmlns="" xmlns:a16="http://schemas.microsoft.com/office/drawing/2014/main" id="{0C7AF536-A30D-4D69-AD90-6ABD1B00536B}"/>
+                <a16:creationId xmlns:a16="http://schemas.microsoft.com/office/drawing/2014/main" xmlns="" id="{0C7AF536-A30D-4D69-AD90-6ABD1B00536B}"/>
               </a:ext>
             </a:extLst>
           </p:cNvPr>
@@ -1836,7 +1836,7 @@
           <a:p>
             <a:fld id="{187236F5-8EDD-452F-B2B9-DF6A5B3EA871}" type="datetimeFigureOut">
               <a:rPr lang="en-GB" smtClean="0"/>
-              <a:t>28/08/2017</a:t>
+              <a:t>02/09/2017</a:t>
             </a:fld>
             <a:endParaRPr lang="en-GB"/>
           </a:p>
@@ -1847,7 +1847,7 @@
           <p:cNvPr id="8" name="Footer Placeholder 7">
             <a:extLst>
               <a:ext uri="{FF2B5EF4-FFF2-40B4-BE49-F238E27FC236}">
-                <a16:creationId xmlns="" xmlns:a16="http://schemas.microsoft.com/office/drawing/2014/main" id="{2FEB79E3-F7A5-42F9-B500-4ADB2FEF25F0}"/>
+                <a16:creationId xmlns:a16="http://schemas.microsoft.com/office/drawing/2014/main" xmlns="" id="{2FEB79E3-F7A5-42F9-B500-4ADB2FEF25F0}"/>
               </a:ext>
             </a:extLst>
           </p:cNvPr>
@@ -1872,7 +1872,7 @@
           <p:cNvPr id="9" name="Slide Number Placeholder 8">
             <a:extLst>
               <a:ext uri="{FF2B5EF4-FFF2-40B4-BE49-F238E27FC236}">
-                <a16:creationId xmlns="" xmlns:a16="http://schemas.microsoft.com/office/drawing/2014/main" id="{325E87AE-722A-41D2-B3E3-C6A87698A09F}"/>
+                <a16:creationId xmlns:a16="http://schemas.microsoft.com/office/drawing/2014/main" xmlns="" id="{325E87AE-722A-41D2-B3E3-C6A87698A09F}"/>
               </a:ext>
             </a:extLst>
           </p:cNvPr>
@@ -1931,7 +1931,7 @@
           <p:cNvPr id="2" name="Title 1">
             <a:extLst>
               <a:ext uri="{FF2B5EF4-FFF2-40B4-BE49-F238E27FC236}">
-                <a16:creationId xmlns="" xmlns:a16="http://schemas.microsoft.com/office/drawing/2014/main" id="{62B161AB-59B9-4E10-B2AF-7471DC694BBC}"/>
+                <a16:creationId xmlns:a16="http://schemas.microsoft.com/office/drawing/2014/main" xmlns="" id="{62B161AB-59B9-4E10-B2AF-7471DC694BBC}"/>
               </a:ext>
             </a:extLst>
           </p:cNvPr>
@@ -1960,7 +1960,7 @@
           <p:cNvPr id="3" name="Date Placeholder 2">
             <a:extLst>
               <a:ext uri="{FF2B5EF4-FFF2-40B4-BE49-F238E27FC236}">
-                <a16:creationId xmlns="" xmlns:a16="http://schemas.microsoft.com/office/drawing/2014/main" id="{C1E188B7-80F9-46A2-BF25-8AD56A04A992}"/>
+                <a16:creationId xmlns:a16="http://schemas.microsoft.com/office/drawing/2014/main" xmlns="" id="{C1E188B7-80F9-46A2-BF25-8AD56A04A992}"/>
               </a:ext>
             </a:extLst>
           </p:cNvPr>
@@ -1978,7 +1978,7 @@
           <a:p>
             <a:fld id="{187236F5-8EDD-452F-B2B9-DF6A5B3EA871}" type="datetimeFigureOut">
               <a:rPr lang="en-GB" smtClean="0"/>
-              <a:t>28/08/2017</a:t>
+              <a:t>02/09/2017</a:t>
             </a:fld>
             <a:endParaRPr lang="en-GB"/>
           </a:p>
@@ -1989,7 +1989,7 @@
           <p:cNvPr id="4" name="Footer Placeholder 3">
             <a:extLst>
               <a:ext uri="{FF2B5EF4-FFF2-40B4-BE49-F238E27FC236}">
-                <a16:creationId xmlns="" xmlns:a16="http://schemas.microsoft.com/office/drawing/2014/main" id="{8420C53F-A56D-484C-AA74-C64A9DDF9DD7}"/>
+                <a16:creationId xmlns:a16="http://schemas.microsoft.com/office/drawing/2014/main" xmlns="" id="{8420C53F-A56D-484C-AA74-C64A9DDF9DD7}"/>
               </a:ext>
             </a:extLst>
           </p:cNvPr>
@@ -2014,7 +2014,7 @@
           <p:cNvPr id="5" name="Slide Number Placeholder 4">
             <a:extLst>
               <a:ext uri="{FF2B5EF4-FFF2-40B4-BE49-F238E27FC236}">
-                <a16:creationId xmlns="" xmlns:a16="http://schemas.microsoft.com/office/drawing/2014/main" id="{200404F9-7629-400D-9D6E-21AE45D169FC}"/>
+                <a16:creationId xmlns:a16="http://schemas.microsoft.com/office/drawing/2014/main" xmlns="" id="{200404F9-7629-400D-9D6E-21AE45D169FC}"/>
               </a:ext>
             </a:extLst>
           </p:cNvPr>
@@ -2073,7 +2073,7 @@
           <p:cNvPr id="2" name="Date Placeholder 1">
             <a:extLst>
               <a:ext uri="{FF2B5EF4-FFF2-40B4-BE49-F238E27FC236}">
-                <a16:creationId xmlns="" xmlns:a16="http://schemas.microsoft.com/office/drawing/2014/main" id="{A914868B-5396-437F-9E5C-620A8A71A33C}"/>
+                <a16:creationId xmlns:a16="http://schemas.microsoft.com/office/drawing/2014/main" xmlns="" id="{A914868B-5396-437F-9E5C-620A8A71A33C}"/>
               </a:ext>
             </a:extLst>
           </p:cNvPr>
@@ -2091,7 +2091,7 @@
           <a:p>
             <a:fld id="{187236F5-8EDD-452F-B2B9-DF6A5B3EA871}" type="datetimeFigureOut">
               <a:rPr lang="en-GB" smtClean="0"/>
-              <a:t>28/08/2017</a:t>
+              <a:t>02/09/2017</a:t>
             </a:fld>
             <a:endParaRPr lang="en-GB"/>
           </a:p>
@@ -2102,7 +2102,7 @@
           <p:cNvPr id="3" name="Footer Placeholder 2">
             <a:extLst>
               <a:ext uri="{FF2B5EF4-FFF2-40B4-BE49-F238E27FC236}">
-                <a16:creationId xmlns="" xmlns:a16="http://schemas.microsoft.com/office/drawing/2014/main" id="{7F355B25-BA69-4C04-9384-40F392FCC7E1}"/>
+                <a16:creationId xmlns:a16="http://schemas.microsoft.com/office/drawing/2014/main" xmlns="" id="{7F355B25-BA69-4C04-9384-40F392FCC7E1}"/>
               </a:ext>
             </a:extLst>
           </p:cNvPr>
@@ -2127,7 +2127,7 @@
           <p:cNvPr id="4" name="Slide Number Placeholder 3">
             <a:extLst>
               <a:ext uri="{FF2B5EF4-FFF2-40B4-BE49-F238E27FC236}">
-                <a16:creationId xmlns="" xmlns:a16="http://schemas.microsoft.com/office/drawing/2014/main" id="{A98A8500-6DA0-418D-A909-50F51081C706}"/>
+                <a16:creationId xmlns:a16="http://schemas.microsoft.com/office/drawing/2014/main" xmlns="" id="{A98A8500-6DA0-418D-A909-50F51081C706}"/>
               </a:ext>
             </a:extLst>
           </p:cNvPr>
@@ -2186,7 +2186,7 @@
           <p:cNvPr id="2" name="Title 1">
             <a:extLst>
               <a:ext uri="{FF2B5EF4-FFF2-40B4-BE49-F238E27FC236}">
-                <a16:creationId xmlns="" xmlns:a16="http://schemas.microsoft.com/office/drawing/2014/main" id="{3CD011CE-609B-4185-A7B1-E577E44FF559}"/>
+                <a16:creationId xmlns:a16="http://schemas.microsoft.com/office/drawing/2014/main" xmlns="" id="{3CD011CE-609B-4185-A7B1-E577E44FF559}"/>
               </a:ext>
             </a:extLst>
           </p:cNvPr>
@@ -2224,7 +2224,7 @@
           <p:cNvPr id="3" name="Content Placeholder 2">
             <a:extLst>
               <a:ext uri="{FF2B5EF4-FFF2-40B4-BE49-F238E27FC236}">
-                <a16:creationId xmlns="" xmlns:a16="http://schemas.microsoft.com/office/drawing/2014/main" id="{3B30142D-7524-4230-A010-F0E35B94CB8F}"/>
+                <a16:creationId xmlns:a16="http://schemas.microsoft.com/office/drawing/2014/main" xmlns="" id="{3B30142D-7524-4230-A010-F0E35B94CB8F}"/>
               </a:ext>
             </a:extLst>
           </p:cNvPr>
@@ -2315,7 +2315,7 @@
           <p:cNvPr id="4" name="Text Placeholder 3">
             <a:extLst>
               <a:ext uri="{FF2B5EF4-FFF2-40B4-BE49-F238E27FC236}">
-                <a16:creationId xmlns="" xmlns:a16="http://schemas.microsoft.com/office/drawing/2014/main" id="{DE86CA7A-3B8A-413C-8721-14E414AA181C}"/>
+                <a16:creationId xmlns:a16="http://schemas.microsoft.com/office/drawing/2014/main" xmlns="" id="{DE86CA7A-3B8A-413C-8721-14E414AA181C}"/>
               </a:ext>
             </a:extLst>
           </p:cNvPr>
@@ -2386,7 +2386,7 @@
           <p:cNvPr id="5" name="Date Placeholder 4">
             <a:extLst>
               <a:ext uri="{FF2B5EF4-FFF2-40B4-BE49-F238E27FC236}">
-                <a16:creationId xmlns="" xmlns:a16="http://schemas.microsoft.com/office/drawing/2014/main" id="{9C7F2E51-532D-45E3-A2DF-160398ED6E2A}"/>
+                <a16:creationId xmlns:a16="http://schemas.microsoft.com/office/drawing/2014/main" xmlns="" id="{9C7F2E51-532D-45E3-A2DF-160398ED6E2A}"/>
               </a:ext>
             </a:extLst>
           </p:cNvPr>
@@ -2404,7 +2404,7 @@
           <a:p>
             <a:fld id="{187236F5-8EDD-452F-B2B9-DF6A5B3EA871}" type="datetimeFigureOut">
               <a:rPr lang="en-GB" smtClean="0"/>
-              <a:t>28/08/2017</a:t>
+              <a:t>02/09/2017</a:t>
             </a:fld>
             <a:endParaRPr lang="en-GB"/>
           </a:p>
@@ -2415,7 +2415,7 @@
           <p:cNvPr id="6" name="Footer Placeholder 5">
             <a:extLst>
               <a:ext uri="{FF2B5EF4-FFF2-40B4-BE49-F238E27FC236}">
-                <a16:creationId xmlns="" xmlns:a16="http://schemas.microsoft.com/office/drawing/2014/main" id="{B5F8F62C-887C-40C4-BB52-84000EC318AC}"/>
+                <a16:creationId xmlns:a16="http://schemas.microsoft.com/office/drawing/2014/main" xmlns="" id="{B5F8F62C-887C-40C4-BB52-84000EC318AC}"/>
               </a:ext>
             </a:extLst>
           </p:cNvPr>
@@ -2440,7 +2440,7 @@
           <p:cNvPr id="7" name="Slide Number Placeholder 6">
             <a:extLst>
               <a:ext uri="{FF2B5EF4-FFF2-40B4-BE49-F238E27FC236}">
-                <a16:creationId xmlns="" xmlns:a16="http://schemas.microsoft.com/office/drawing/2014/main" id="{4AC46F4A-726D-46E2-AEAC-15C56222193D}"/>
+                <a16:creationId xmlns:a16="http://schemas.microsoft.com/office/drawing/2014/main" xmlns="" id="{4AC46F4A-726D-46E2-AEAC-15C56222193D}"/>
               </a:ext>
             </a:extLst>
           </p:cNvPr>
@@ -2499,7 +2499,7 @@
           <p:cNvPr id="2" name="Title 1">
             <a:extLst>
               <a:ext uri="{FF2B5EF4-FFF2-40B4-BE49-F238E27FC236}">
-                <a16:creationId xmlns="" xmlns:a16="http://schemas.microsoft.com/office/drawing/2014/main" id="{68956579-D66B-4156-B785-8328196D4375}"/>
+                <a16:creationId xmlns:a16="http://schemas.microsoft.com/office/drawing/2014/main" xmlns="" id="{68956579-D66B-4156-B785-8328196D4375}"/>
               </a:ext>
             </a:extLst>
           </p:cNvPr>
@@ -2537,7 +2537,7 @@
           <p:cNvPr id="3" name="Picture Placeholder 2">
             <a:extLst>
               <a:ext uri="{FF2B5EF4-FFF2-40B4-BE49-F238E27FC236}">
-                <a16:creationId xmlns="" xmlns:a16="http://schemas.microsoft.com/office/drawing/2014/main" id="{043FF339-7CBA-4C43-ABF4-957A26C0D6A1}"/>
+                <a16:creationId xmlns:a16="http://schemas.microsoft.com/office/drawing/2014/main" xmlns="" id="{043FF339-7CBA-4C43-ABF4-957A26C0D6A1}"/>
               </a:ext>
             </a:extLst>
           </p:cNvPr>
@@ -2604,7 +2604,7 @@
           <p:cNvPr id="4" name="Text Placeholder 3">
             <a:extLst>
               <a:ext uri="{FF2B5EF4-FFF2-40B4-BE49-F238E27FC236}">
-                <a16:creationId xmlns="" xmlns:a16="http://schemas.microsoft.com/office/drawing/2014/main" id="{B36349AC-9ADB-47A4-8913-EB782668EEA5}"/>
+                <a16:creationId xmlns:a16="http://schemas.microsoft.com/office/drawing/2014/main" xmlns="" id="{B36349AC-9ADB-47A4-8913-EB782668EEA5}"/>
               </a:ext>
             </a:extLst>
           </p:cNvPr>
@@ -2675,7 +2675,7 @@
           <p:cNvPr id="5" name="Date Placeholder 4">
             <a:extLst>
               <a:ext uri="{FF2B5EF4-FFF2-40B4-BE49-F238E27FC236}">
-                <a16:creationId xmlns="" xmlns:a16="http://schemas.microsoft.com/office/drawing/2014/main" id="{0AAD3D7D-E4F0-415C-9543-0D4F47C676A8}"/>
+                <a16:creationId xmlns:a16="http://schemas.microsoft.com/office/drawing/2014/main" xmlns="" id="{0AAD3D7D-E4F0-415C-9543-0D4F47C676A8}"/>
               </a:ext>
             </a:extLst>
           </p:cNvPr>
@@ -2693,7 +2693,7 @@
           <a:p>
             <a:fld id="{187236F5-8EDD-452F-B2B9-DF6A5B3EA871}" type="datetimeFigureOut">
               <a:rPr lang="en-GB" smtClean="0"/>
-              <a:t>28/08/2017</a:t>
+              <a:t>02/09/2017</a:t>
             </a:fld>
             <a:endParaRPr lang="en-GB"/>
           </a:p>
@@ -2704,7 +2704,7 @@
           <p:cNvPr id="6" name="Footer Placeholder 5">
             <a:extLst>
               <a:ext uri="{FF2B5EF4-FFF2-40B4-BE49-F238E27FC236}">
-                <a16:creationId xmlns="" xmlns:a16="http://schemas.microsoft.com/office/drawing/2014/main" id="{E6D0231E-66C7-42D0-BAD7-A99E0373CCD5}"/>
+                <a16:creationId xmlns:a16="http://schemas.microsoft.com/office/drawing/2014/main" xmlns="" id="{E6D0231E-66C7-42D0-BAD7-A99E0373CCD5}"/>
               </a:ext>
             </a:extLst>
           </p:cNvPr>
@@ -2729,7 +2729,7 @@
           <p:cNvPr id="7" name="Slide Number Placeholder 6">
             <a:extLst>
               <a:ext uri="{FF2B5EF4-FFF2-40B4-BE49-F238E27FC236}">
-                <a16:creationId xmlns="" xmlns:a16="http://schemas.microsoft.com/office/drawing/2014/main" id="{33440CCF-D719-4BCE-A229-BB113A53F138}"/>
+                <a16:creationId xmlns:a16="http://schemas.microsoft.com/office/drawing/2014/main" xmlns="" id="{33440CCF-D719-4BCE-A229-BB113A53F138}"/>
               </a:ext>
             </a:extLst>
           </p:cNvPr>
@@ -2793,7 +2793,7 @@
           <p:cNvPr id="2" name="Title Placeholder 1">
             <a:extLst>
               <a:ext uri="{FF2B5EF4-FFF2-40B4-BE49-F238E27FC236}">
-                <a16:creationId xmlns="" xmlns:a16="http://schemas.microsoft.com/office/drawing/2014/main" id="{F41775E8-7264-43D6-80D6-62459F128192}"/>
+                <a16:creationId xmlns:a16="http://schemas.microsoft.com/office/drawing/2014/main" xmlns="" id="{F41775E8-7264-43D6-80D6-62459F128192}"/>
               </a:ext>
             </a:extLst>
           </p:cNvPr>
@@ -2832,7 +2832,7 @@
           <p:cNvPr id="3" name="Text Placeholder 2">
             <a:extLst>
               <a:ext uri="{FF2B5EF4-FFF2-40B4-BE49-F238E27FC236}">
-                <a16:creationId xmlns="" xmlns:a16="http://schemas.microsoft.com/office/drawing/2014/main" id="{3FB8C3AE-0B96-4ACF-8DBF-DB40EEF65213}"/>
+                <a16:creationId xmlns:a16="http://schemas.microsoft.com/office/drawing/2014/main" xmlns="" id="{3FB8C3AE-0B96-4ACF-8DBF-DB40EEF65213}"/>
               </a:ext>
             </a:extLst>
           </p:cNvPr>
@@ -2900,7 +2900,7 @@
           <p:cNvPr id="4" name="Date Placeholder 3">
             <a:extLst>
               <a:ext uri="{FF2B5EF4-FFF2-40B4-BE49-F238E27FC236}">
-                <a16:creationId xmlns="" xmlns:a16="http://schemas.microsoft.com/office/drawing/2014/main" id="{5343DA76-671F-4C9E-8861-85F90B8A448E}"/>
+                <a16:creationId xmlns:a16="http://schemas.microsoft.com/office/drawing/2014/main" xmlns="" id="{5343DA76-671F-4C9E-8861-85F90B8A448E}"/>
               </a:ext>
             </a:extLst>
           </p:cNvPr>
@@ -2936,7 +2936,7 @@
           <a:p>
             <a:fld id="{187236F5-8EDD-452F-B2B9-DF6A5B3EA871}" type="datetimeFigureOut">
               <a:rPr lang="en-GB" smtClean="0"/>
-              <a:t>28/08/2017</a:t>
+              <a:t>02/09/2017</a:t>
             </a:fld>
             <a:endParaRPr lang="en-GB"/>
           </a:p>
@@ -2947,7 +2947,7 @@
           <p:cNvPr id="5" name="Footer Placeholder 4">
             <a:extLst>
               <a:ext uri="{FF2B5EF4-FFF2-40B4-BE49-F238E27FC236}">
-                <a16:creationId xmlns="" xmlns:a16="http://schemas.microsoft.com/office/drawing/2014/main" id="{5D5A8C18-250A-4990-98B3-AAA92754156B}"/>
+                <a16:creationId xmlns:a16="http://schemas.microsoft.com/office/drawing/2014/main" xmlns="" id="{5D5A8C18-250A-4990-98B3-AAA92754156B}"/>
               </a:ext>
             </a:extLst>
           </p:cNvPr>
@@ -2990,7 +2990,7 @@
           <p:cNvPr id="6" name="Slide Number Placeholder 5">
             <a:extLst>
               <a:ext uri="{FF2B5EF4-FFF2-40B4-BE49-F238E27FC236}">
-                <a16:creationId xmlns="" xmlns:a16="http://schemas.microsoft.com/office/drawing/2014/main" id="{B1EB9289-A6E8-4B43-9025-C94546D78925}"/>
+                <a16:creationId xmlns:a16="http://schemas.microsoft.com/office/drawing/2014/main" xmlns="" id="{B1EB9289-A6E8-4B43-9025-C94546D78925}"/>
               </a:ext>
             </a:extLst>
           </p:cNvPr>
@@ -3358,7 +3358,7 @@
           <p:cNvPr id="16" name="Rectangle 15">
             <a:extLst>
               <a:ext uri="{FF2B5EF4-FFF2-40B4-BE49-F238E27FC236}">
-                <a16:creationId xmlns="" xmlns:a16="http://schemas.microsoft.com/office/drawing/2014/main" id="{6AD9D01B-0C3A-4335-8511-9E6E85987F54}"/>
+                <a16:creationId xmlns:a16="http://schemas.microsoft.com/office/drawing/2014/main" xmlns="" id="{6AD9D01B-0C3A-4335-8511-9E6E85987F54}"/>
               </a:ext>
             </a:extLst>
           </p:cNvPr>
@@ -3393,8 +3393,8 @@
           <a:lstStyle/>
           <a:p>
             <a:r>
-              <a:rPr lang="en-GB" dirty="0" err="1"/>
-              <a:t>incode-domainapp</a:t>
+              <a:rPr lang="en-GB" dirty="0" err="1" smtClean="0"/>
+              <a:t>incode-quickstart</a:t>
             </a:r>
             <a:endParaRPr lang="en-GB" dirty="0"/>
           </a:p>
@@ -3405,7 +3405,7 @@
           <p:cNvPr id="4" name="Rectangle 3">
             <a:extLst>
               <a:ext uri="{FF2B5EF4-FFF2-40B4-BE49-F238E27FC236}">
-                <a16:creationId xmlns="" xmlns:a16="http://schemas.microsoft.com/office/drawing/2014/main" id="{69906B7B-9CED-4534-985F-1D44228CFBCA}"/>
+                <a16:creationId xmlns:a16="http://schemas.microsoft.com/office/drawing/2014/main" xmlns="" id="{69906B7B-9CED-4534-985F-1D44228CFBCA}"/>
               </a:ext>
             </a:extLst>
           </p:cNvPr>
@@ -3443,13 +3443,14 @@
           <a:p>
             <a:pPr algn="ctr"/>
             <a:r>
-              <a:rPr lang="en-GB" dirty="0" err="1"/>
-              <a:t>incode-domainapp</a:t>
-            </a:r>
-            <a:r>
-              <a:rPr lang="en-GB" dirty="0"/>
+              <a:rPr lang="en-GB" dirty="0" err="1" smtClean="0"/>
+              <a:t>incode-quickstart</a:t>
+            </a:r>
+            <a:r>
+              <a:rPr lang="en-GB" dirty="0" smtClean="0"/>
               <a:t>-</a:t>
             </a:r>
+            <a:endParaRPr lang="en-GB" dirty="0"/>
           </a:p>
           <a:p>
             <a:pPr algn="ctr"/>
@@ -3466,7 +3467,7 @@
           <p:cNvPr id="14" name="Rectangle 13">
             <a:extLst>
               <a:ext uri="{FF2B5EF4-FFF2-40B4-BE49-F238E27FC236}">
-                <a16:creationId xmlns="" xmlns:a16="http://schemas.microsoft.com/office/drawing/2014/main" id="{960C9FCA-57C7-4E79-891E-523602F7DC61}"/>
+                <a16:creationId xmlns:a16="http://schemas.microsoft.com/office/drawing/2014/main" xmlns="" id="{960C9FCA-57C7-4E79-891E-523602F7DC61}"/>
               </a:ext>
             </a:extLst>
           </p:cNvPr>
@@ -3504,13 +3505,14 @@
           <a:p>
             <a:pPr algn="ctr"/>
             <a:r>
-              <a:rPr lang="en-GB" dirty="0" err="1"/>
-              <a:t>incode-domainapp</a:t>
-            </a:r>
-            <a:r>
-              <a:rPr lang="en-GB" dirty="0"/>
+              <a:rPr lang="en-GB" dirty="0" err="1" smtClean="0"/>
+              <a:t>incode-quickstart</a:t>
+            </a:r>
+            <a:r>
+              <a:rPr lang="en-GB" dirty="0" smtClean="0"/>
               <a:t>-</a:t>
             </a:r>
+            <a:endParaRPr lang="en-GB" dirty="0"/>
           </a:p>
           <a:p>
             <a:pPr algn="ctr"/>
@@ -3526,7 +3528,7 @@
           <p:cNvPr id="15" name="Rectangle 14">
             <a:extLst>
               <a:ext uri="{FF2B5EF4-FFF2-40B4-BE49-F238E27FC236}">
-                <a16:creationId xmlns="" xmlns:a16="http://schemas.microsoft.com/office/drawing/2014/main" id="{6F667E87-8FD6-46A5-A43E-073FA2488E92}"/>
+                <a16:creationId xmlns:a16="http://schemas.microsoft.com/office/drawing/2014/main" xmlns="" id="{6F667E87-8FD6-46A5-A43E-073FA2488E92}"/>
               </a:ext>
             </a:extLst>
           </p:cNvPr>
@@ -3564,13 +3566,14 @@
           <a:p>
             <a:pPr algn="ctr"/>
             <a:r>
-              <a:rPr lang="en-GB" dirty="0" err="1"/>
-              <a:t>incode-domainapp</a:t>
-            </a:r>
-            <a:r>
-              <a:rPr lang="en-GB" dirty="0"/>
+              <a:rPr lang="en-GB" dirty="0" err="1" smtClean="0"/>
+              <a:t>incode-quickstart</a:t>
+            </a:r>
+            <a:r>
+              <a:rPr lang="en-GB" dirty="0" smtClean="0"/>
               <a:t>-</a:t>
             </a:r>
+            <a:endParaRPr lang="en-GB" dirty="0"/>
           </a:p>
           <a:p>
             <a:pPr algn="ctr"/>
@@ -3587,7 +3590,7 @@
           <p:cNvPr id="18" name="Connector: Curved 17">
             <a:extLst>
               <a:ext uri="{FF2B5EF4-FFF2-40B4-BE49-F238E27FC236}">
-                <a16:creationId xmlns="" xmlns:a16="http://schemas.microsoft.com/office/drawing/2014/main" id="{235B6DF2-10F1-4264-944B-DE3DE4342160}"/>
+                <a16:creationId xmlns:a16="http://schemas.microsoft.com/office/drawing/2014/main" xmlns="" id="{235B6DF2-10F1-4264-944B-DE3DE4342160}"/>
               </a:ext>
             </a:extLst>
           </p:cNvPr>
@@ -3633,7 +3636,7 @@
           <p:cNvPr id="45" name="Connector: Curved 44">
             <a:extLst>
               <a:ext uri="{FF2B5EF4-FFF2-40B4-BE49-F238E27FC236}">
-                <a16:creationId xmlns="" xmlns:a16="http://schemas.microsoft.com/office/drawing/2014/main" id="{326FFFD3-29E8-4568-9C85-C59AE4BE9FB7}"/>
+                <a16:creationId xmlns:a16="http://schemas.microsoft.com/office/drawing/2014/main" xmlns="" id="{326FFFD3-29E8-4568-9C85-C59AE4BE9FB7}"/>
               </a:ext>
             </a:extLst>
           </p:cNvPr>
@@ -3679,7 +3682,7 @@
           <p:cNvPr id="48" name="Rectangle 47">
             <a:extLst>
               <a:ext uri="{FF2B5EF4-FFF2-40B4-BE49-F238E27FC236}">
-                <a16:creationId xmlns="" xmlns:a16="http://schemas.microsoft.com/office/drawing/2014/main" id="{EE301681-6BDF-4FD2-9EC5-D20399824C03}"/>
+                <a16:creationId xmlns:a16="http://schemas.microsoft.com/office/drawing/2014/main" xmlns="" id="{EE301681-6BDF-4FD2-9EC5-D20399824C03}"/>
               </a:ext>
             </a:extLst>
           </p:cNvPr>
@@ -3738,7 +3741,7 @@
           <p:cNvPr id="49" name="Rectangle 48">
             <a:extLst>
               <a:ext uri="{FF2B5EF4-FFF2-40B4-BE49-F238E27FC236}">
-                <a16:creationId xmlns="" xmlns:a16="http://schemas.microsoft.com/office/drawing/2014/main" id="{A8AA121E-7888-4A5A-9BBF-0326D03B9E03}"/>
+                <a16:creationId xmlns:a16="http://schemas.microsoft.com/office/drawing/2014/main" xmlns="" id="{A8AA121E-7888-4A5A-9BBF-0326D03B9E03}"/>
               </a:ext>
             </a:extLst>
           </p:cNvPr>
@@ -3798,7 +3801,7 @@
           <p:cNvPr id="51" name="Rectangle 50">
             <a:extLst>
               <a:ext uri="{FF2B5EF4-FFF2-40B4-BE49-F238E27FC236}">
-                <a16:creationId xmlns="" xmlns:a16="http://schemas.microsoft.com/office/drawing/2014/main" id="{F5ADB6AC-2574-45A0-BBF2-72D3981B103D}"/>
+                <a16:creationId xmlns:a16="http://schemas.microsoft.com/office/drawing/2014/main" xmlns="" id="{F5ADB6AC-2574-45A0-BBF2-72D3981B103D}"/>
               </a:ext>
             </a:extLst>
           </p:cNvPr>
@@ -3859,7 +3862,7 @@
           <p:cNvPr id="52" name="Rectangle 51">
             <a:extLst>
               <a:ext uri="{FF2B5EF4-FFF2-40B4-BE49-F238E27FC236}">
-                <a16:creationId xmlns="" xmlns:a16="http://schemas.microsoft.com/office/drawing/2014/main" id="{D362DFB8-D8E0-4F0B-A61A-69A210D62CC7}"/>
+                <a16:creationId xmlns:a16="http://schemas.microsoft.com/office/drawing/2014/main" xmlns="" id="{D362DFB8-D8E0-4F0B-A61A-69A210D62CC7}"/>
               </a:ext>
             </a:extLst>
           </p:cNvPr>
@@ -3920,7 +3923,7 @@
           <p:cNvPr id="95" name="TextBox 94">
             <a:extLst>
               <a:ext uri="{FF2B5EF4-FFF2-40B4-BE49-F238E27FC236}">
-                <a16:creationId xmlns="" xmlns:a16="http://schemas.microsoft.com/office/drawing/2014/main" id="{946AB88C-9410-4E16-910D-9E11D567DD57}"/>
+                <a16:creationId xmlns:a16="http://schemas.microsoft.com/office/drawing/2014/main" xmlns="" id="{946AB88C-9410-4E16-910D-9E11D567DD57}"/>
               </a:ext>
             </a:extLst>
           </p:cNvPr>
@@ -3955,7 +3958,7 @@
           <p:cNvPr id="27" name="Rectangle 26">
             <a:extLst>
               <a:ext uri="{FF2B5EF4-FFF2-40B4-BE49-F238E27FC236}">
-                <a16:creationId xmlns="" xmlns:a16="http://schemas.microsoft.com/office/drawing/2014/main" id="{AAC83E29-BD97-4EEC-9AB8-EF2C15FBAF0B}"/>
+                <a16:creationId xmlns:a16="http://schemas.microsoft.com/office/drawing/2014/main" xmlns="" id="{AAC83E29-BD97-4EEC-9AB8-EF2C15FBAF0B}"/>
               </a:ext>
             </a:extLst>
           </p:cNvPr>
@@ -3993,13 +3996,14 @@
           <a:p>
             <a:pPr algn="ctr"/>
             <a:r>
-              <a:rPr lang="en-GB" dirty="0" err="1"/>
-              <a:t>incode-domainapp</a:t>
-            </a:r>
-            <a:r>
-              <a:rPr lang="en-GB" dirty="0"/>
+              <a:rPr lang="en-GB" dirty="0" err="1" smtClean="0"/>
+              <a:t>incode-quickstart</a:t>
+            </a:r>
+            <a:r>
+              <a:rPr lang="en-GB" dirty="0" smtClean="0"/>
               <a:t>-</a:t>
             </a:r>
+            <a:endParaRPr lang="en-GB" dirty="0"/>
           </a:p>
           <a:p>
             <a:pPr algn="ctr"/>
@@ -4015,7 +4019,7 @@
           <p:cNvPr id="28" name="Connector: Curved 27">
             <a:extLst>
               <a:ext uri="{FF2B5EF4-FFF2-40B4-BE49-F238E27FC236}">
-                <a16:creationId xmlns="" xmlns:a16="http://schemas.microsoft.com/office/drawing/2014/main" id="{007CFC32-577B-44FD-9292-FCE2548F3D68}"/>
+                <a16:creationId xmlns:a16="http://schemas.microsoft.com/office/drawing/2014/main" xmlns="" id="{007CFC32-577B-44FD-9292-FCE2548F3D68}"/>
               </a:ext>
             </a:extLst>
           </p:cNvPr>
@@ -4061,7 +4065,7 @@
           <p:cNvPr id="35" name="Rectangle 34">
             <a:extLst>
               <a:ext uri="{FF2B5EF4-FFF2-40B4-BE49-F238E27FC236}">
-                <a16:creationId xmlns="" xmlns:a16="http://schemas.microsoft.com/office/drawing/2014/main" id="{F054E78D-5EDF-4692-8237-C86FD5FFFDF3}"/>
+                <a16:creationId xmlns:a16="http://schemas.microsoft.com/office/drawing/2014/main" xmlns="" id="{F054E78D-5EDF-4692-8237-C86FD5FFFDF3}"/>
               </a:ext>
             </a:extLst>
           </p:cNvPr>
@@ -4125,7 +4129,7 @@
           <p:cNvPr id="36" name="Connector: Curved 35">
             <a:extLst>
               <a:ext uri="{FF2B5EF4-FFF2-40B4-BE49-F238E27FC236}">
-                <a16:creationId xmlns="" xmlns:a16="http://schemas.microsoft.com/office/drawing/2014/main" id="{B7BC151F-D659-417F-A783-51938BE4BEA8}"/>
+                <a16:creationId xmlns:a16="http://schemas.microsoft.com/office/drawing/2014/main" xmlns="" id="{B7BC151F-D659-417F-A783-51938BE4BEA8}"/>
               </a:ext>
             </a:extLst>
           </p:cNvPr>
@@ -4169,7 +4173,7 @@
           <p:cNvPr id="40" name="TextBox 39">
             <a:extLst>
               <a:ext uri="{FF2B5EF4-FFF2-40B4-BE49-F238E27FC236}">
-                <a16:creationId xmlns="" xmlns:a16="http://schemas.microsoft.com/office/drawing/2014/main" id="{8104B7EB-F2A1-4398-B999-ECC472E7BCF3}"/>
+                <a16:creationId xmlns:a16="http://schemas.microsoft.com/office/drawing/2014/main" xmlns="" id="{8104B7EB-F2A1-4398-B999-ECC472E7BCF3}"/>
               </a:ext>
             </a:extLst>
           </p:cNvPr>
@@ -4211,7 +4215,7 @@
           <p:cNvPr id="17" name="Flowchart: Document 16">
             <a:extLst>
               <a:ext uri="{FF2B5EF4-FFF2-40B4-BE49-F238E27FC236}">
-                <a16:creationId xmlns="" xmlns:a16="http://schemas.microsoft.com/office/drawing/2014/main" id="{1BF166FF-B4DB-41E3-9A74-DC0DAC98390D}"/>
+                <a16:creationId xmlns:a16="http://schemas.microsoft.com/office/drawing/2014/main" xmlns="" id="{1BF166FF-B4DB-41E3-9A74-DC0DAC98390D}"/>
               </a:ext>
             </a:extLst>
           </p:cNvPr>
@@ -4258,7 +4262,7 @@
           <p:cNvPr id="42" name="Connector: Curved 41">
             <a:extLst>
               <a:ext uri="{FF2B5EF4-FFF2-40B4-BE49-F238E27FC236}">
-                <a16:creationId xmlns="" xmlns:a16="http://schemas.microsoft.com/office/drawing/2014/main" id="{71DA3FF6-075C-4197-9416-C83BC0D386E8}"/>
+                <a16:creationId xmlns:a16="http://schemas.microsoft.com/office/drawing/2014/main" xmlns="" id="{71DA3FF6-075C-4197-9416-C83BC0D386E8}"/>
               </a:ext>
             </a:extLst>
           </p:cNvPr>
@@ -4304,7 +4308,7 @@
           <p:cNvPr id="81" name="Connector: Curved 80">
             <a:extLst>
               <a:ext uri="{FF2B5EF4-FFF2-40B4-BE49-F238E27FC236}">
-                <a16:creationId xmlns="" xmlns:a16="http://schemas.microsoft.com/office/drawing/2014/main" id="{E0DBBBB3-E178-4C40-9E51-8AC6789AE499}"/>
+                <a16:creationId xmlns:a16="http://schemas.microsoft.com/office/drawing/2014/main" xmlns="" id="{E0DBBBB3-E178-4C40-9E51-8AC6789AE499}"/>
               </a:ext>
             </a:extLst>
           </p:cNvPr>
@@ -4348,7 +4352,7 @@
           <p:cNvPr id="83" name="TextBox 82">
             <a:extLst>
               <a:ext uri="{FF2B5EF4-FFF2-40B4-BE49-F238E27FC236}">
-                <a16:creationId xmlns="" xmlns:a16="http://schemas.microsoft.com/office/drawing/2014/main" id="{5F7004B3-D2B5-41DE-9626-D8782E719A5C}"/>
+                <a16:creationId xmlns:a16="http://schemas.microsoft.com/office/drawing/2014/main" xmlns="" id="{5F7004B3-D2B5-41DE-9626-D8782E719A5C}"/>
               </a:ext>
             </a:extLst>
           </p:cNvPr>
@@ -4390,7 +4394,7 @@
           <p:cNvPr id="84" name="TextBox 83">
             <a:extLst>
               <a:ext uri="{FF2B5EF4-FFF2-40B4-BE49-F238E27FC236}">
-                <a16:creationId xmlns="" xmlns:a16="http://schemas.microsoft.com/office/drawing/2014/main" id="{46342F55-5205-4C6F-81BD-4A1BFFAFE65C}"/>
+                <a16:creationId xmlns:a16="http://schemas.microsoft.com/office/drawing/2014/main" xmlns="" id="{46342F55-5205-4C6F-81BD-4A1BFFAFE65C}"/>
               </a:ext>
             </a:extLst>
           </p:cNvPr>
@@ -4455,7 +4459,7 @@
           <p:cNvPr id="16" name="Rectangle 15">
             <a:extLst>
               <a:ext uri="{FF2B5EF4-FFF2-40B4-BE49-F238E27FC236}">
-                <a16:creationId xmlns="" xmlns:a16="http://schemas.microsoft.com/office/drawing/2014/main" id="{6AD9D01B-0C3A-4335-8511-9E6E85987F54}"/>
+                <a16:creationId xmlns:a16="http://schemas.microsoft.com/office/drawing/2014/main" xmlns="" id="{6AD9D01B-0C3A-4335-8511-9E6E85987F54}"/>
               </a:ext>
             </a:extLst>
           </p:cNvPr>
@@ -4490,8 +4494,8 @@
           <a:lstStyle/>
           <a:p>
             <a:r>
-              <a:rPr lang="en-GB" dirty="0" err="1"/>
-              <a:t>incode-domainapp</a:t>
+              <a:rPr lang="en-GB" dirty="0" err="1" smtClean="0"/>
+              <a:t>incode-quickstart</a:t>
             </a:r>
             <a:endParaRPr lang="en-GB" dirty="0"/>
           </a:p>
@@ -4502,7 +4506,7 @@
           <p:cNvPr id="112" name="Rectangle 111">
             <a:extLst>
               <a:ext uri="{FF2B5EF4-FFF2-40B4-BE49-F238E27FC236}">
-                <a16:creationId xmlns="" xmlns:a16="http://schemas.microsoft.com/office/drawing/2014/main" id="{0A5AC652-E085-4895-8D11-8178B99CBC13}"/>
+                <a16:creationId xmlns:a16="http://schemas.microsoft.com/office/drawing/2014/main" xmlns="" id="{0A5AC652-E085-4895-8D11-8178B99CBC13}"/>
               </a:ext>
             </a:extLst>
           </p:cNvPr>
@@ -4559,7 +4563,7 @@
           <p:cNvPr id="4" name="Rectangle 3">
             <a:extLst>
               <a:ext uri="{FF2B5EF4-FFF2-40B4-BE49-F238E27FC236}">
-                <a16:creationId xmlns="" xmlns:a16="http://schemas.microsoft.com/office/drawing/2014/main" id="{69906B7B-9CED-4534-985F-1D44228CFBCA}"/>
+                <a16:creationId xmlns:a16="http://schemas.microsoft.com/office/drawing/2014/main" xmlns="" id="{69906B7B-9CED-4534-985F-1D44228CFBCA}"/>
               </a:ext>
             </a:extLst>
           </p:cNvPr>
@@ -4597,13 +4601,14 @@
           <a:p>
             <a:pPr algn="ctr"/>
             <a:r>
-              <a:rPr lang="en-GB" dirty="0" err="1"/>
-              <a:t>incode-domainapp</a:t>
-            </a:r>
-            <a:r>
-              <a:rPr lang="en-GB" dirty="0"/>
+              <a:rPr lang="en-GB" dirty="0" err="1" smtClean="0"/>
+              <a:t>incode-quickstart</a:t>
+            </a:r>
+            <a:r>
+              <a:rPr lang="en-GB" dirty="0" smtClean="0"/>
               <a:t>-</a:t>
             </a:r>
+            <a:endParaRPr lang="en-GB" dirty="0"/>
           </a:p>
           <a:p>
             <a:pPr algn="ctr"/>
@@ -4620,7 +4625,7 @@
           <p:cNvPr id="10" name="Rectangle 9">
             <a:extLst>
               <a:ext uri="{FF2B5EF4-FFF2-40B4-BE49-F238E27FC236}">
-                <a16:creationId xmlns="" xmlns:a16="http://schemas.microsoft.com/office/drawing/2014/main" id="{4169747F-40A6-44FC-808C-7CF9794396D5}"/>
+                <a16:creationId xmlns:a16="http://schemas.microsoft.com/office/drawing/2014/main" xmlns="" id="{4169747F-40A6-44FC-808C-7CF9794396D5}"/>
               </a:ext>
             </a:extLst>
           </p:cNvPr>
@@ -4658,13 +4663,14 @@
           <a:p>
             <a:pPr algn="ctr"/>
             <a:r>
-              <a:rPr lang="en-GB" dirty="0" err="1"/>
-              <a:t>incode-domainapp</a:t>
-            </a:r>
-            <a:r>
-              <a:rPr lang="en-GB" dirty="0"/>
+              <a:rPr lang="en-GB" dirty="0" err="1" smtClean="0"/>
+              <a:t>incode-quickstart</a:t>
+            </a:r>
+            <a:r>
+              <a:rPr lang="en-GB" dirty="0" smtClean="0"/>
               <a:t>-</a:t>
             </a:r>
+            <a:endParaRPr lang="en-GB" dirty="0"/>
           </a:p>
           <a:p>
             <a:pPr algn="ctr"/>
@@ -4680,7 +4686,7 @@
           <p:cNvPr id="12" name="Rectangle 11">
             <a:extLst>
               <a:ext uri="{FF2B5EF4-FFF2-40B4-BE49-F238E27FC236}">
-                <a16:creationId xmlns="" xmlns:a16="http://schemas.microsoft.com/office/drawing/2014/main" id="{38FE1AE1-DE48-4CCB-953B-288605D173C4}"/>
+                <a16:creationId xmlns:a16="http://schemas.microsoft.com/office/drawing/2014/main" xmlns="" id="{38FE1AE1-DE48-4CCB-953B-288605D173C4}"/>
               </a:ext>
             </a:extLst>
           </p:cNvPr>
@@ -4718,13 +4724,14 @@
           <a:p>
             <a:pPr algn="ctr"/>
             <a:r>
-              <a:rPr lang="en-GB" dirty="0" err="1"/>
-              <a:t>incode-domainapp</a:t>
-            </a:r>
-            <a:r>
-              <a:rPr lang="en-GB" dirty="0"/>
+              <a:rPr lang="en-GB" dirty="0" err="1" smtClean="0"/>
+              <a:t>incode-quickstart</a:t>
+            </a:r>
+            <a:r>
+              <a:rPr lang="en-GB" dirty="0" smtClean="0"/>
               <a:t>-</a:t>
             </a:r>
+            <a:endParaRPr lang="en-GB" dirty="0"/>
           </a:p>
           <a:p>
             <a:pPr algn="ctr"/>
@@ -4745,7 +4752,7 @@
           <p:cNvPr id="14" name="Rectangle 13">
             <a:extLst>
               <a:ext uri="{FF2B5EF4-FFF2-40B4-BE49-F238E27FC236}">
-                <a16:creationId xmlns="" xmlns:a16="http://schemas.microsoft.com/office/drawing/2014/main" id="{960C9FCA-57C7-4E79-891E-523602F7DC61}"/>
+                <a16:creationId xmlns:a16="http://schemas.microsoft.com/office/drawing/2014/main" xmlns="" id="{960C9FCA-57C7-4E79-891E-523602F7DC61}"/>
               </a:ext>
             </a:extLst>
           </p:cNvPr>
@@ -4783,13 +4790,14 @@
           <a:p>
             <a:pPr algn="ctr"/>
             <a:r>
-              <a:rPr lang="en-GB" dirty="0" err="1"/>
-              <a:t>incode-domainapp</a:t>
-            </a:r>
-            <a:r>
-              <a:rPr lang="en-GB" dirty="0"/>
+              <a:rPr lang="en-GB" dirty="0" err="1" smtClean="0"/>
+              <a:t>incode-quickstart</a:t>
+            </a:r>
+            <a:r>
+              <a:rPr lang="en-GB" dirty="0" smtClean="0"/>
               <a:t>-</a:t>
             </a:r>
+            <a:endParaRPr lang="en-GB" dirty="0"/>
           </a:p>
           <a:p>
             <a:pPr algn="ctr"/>
@@ -4805,7 +4813,7 @@
           <p:cNvPr id="15" name="Rectangle 14">
             <a:extLst>
               <a:ext uri="{FF2B5EF4-FFF2-40B4-BE49-F238E27FC236}">
-                <a16:creationId xmlns="" xmlns:a16="http://schemas.microsoft.com/office/drawing/2014/main" id="{6F667E87-8FD6-46A5-A43E-073FA2488E92}"/>
+                <a16:creationId xmlns:a16="http://schemas.microsoft.com/office/drawing/2014/main" xmlns="" id="{6F667E87-8FD6-46A5-A43E-073FA2488E92}"/>
               </a:ext>
             </a:extLst>
           </p:cNvPr>
@@ -4843,13 +4851,14 @@
           <a:p>
             <a:pPr algn="ctr"/>
             <a:r>
-              <a:rPr lang="en-GB" dirty="0" err="1"/>
-              <a:t>incode-domainapp</a:t>
-            </a:r>
-            <a:r>
-              <a:rPr lang="en-GB" dirty="0"/>
+              <a:rPr lang="en-GB" dirty="0" err="1" smtClean="0"/>
+              <a:t>incode-quickstart</a:t>
+            </a:r>
+            <a:r>
+              <a:rPr lang="en-GB" dirty="0" smtClean="0"/>
               <a:t>-</a:t>
             </a:r>
+            <a:endParaRPr lang="en-GB" dirty="0"/>
           </a:p>
           <a:p>
             <a:pPr algn="ctr"/>
@@ -4866,7 +4875,7 @@
           <p:cNvPr id="18" name="Connector: Curved 17">
             <a:extLst>
               <a:ext uri="{FF2B5EF4-FFF2-40B4-BE49-F238E27FC236}">
-                <a16:creationId xmlns="" xmlns:a16="http://schemas.microsoft.com/office/drawing/2014/main" id="{235B6DF2-10F1-4264-944B-DE3DE4342160}"/>
+                <a16:creationId xmlns:a16="http://schemas.microsoft.com/office/drawing/2014/main" xmlns="" id="{235B6DF2-10F1-4264-944B-DE3DE4342160}"/>
               </a:ext>
             </a:extLst>
           </p:cNvPr>
@@ -4912,7 +4921,7 @@
           <p:cNvPr id="31" name="Connector: Curved 30">
             <a:extLst>
               <a:ext uri="{FF2B5EF4-FFF2-40B4-BE49-F238E27FC236}">
-                <a16:creationId xmlns="" xmlns:a16="http://schemas.microsoft.com/office/drawing/2014/main" id="{F8EE246A-6C60-4FA3-A5F7-5FD3742399F7}"/>
+                <a16:creationId xmlns:a16="http://schemas.microsoft.com/office/drawing/2014/main" xmlns="" id="{F8EE246A-6C60-4FA3-A5F7-5FD3742399F7}"/>
               </a:ext>
             </a:extLst>
           </p:cNvPr>
@@ -4958,7 +4967,7 @@
           <p:cNvPr id="45" name="Connector: Curved 44">
             <a:extLst>
               <a:ext uri="{FF2B5EF4-FFF2-40B4-BE49-F238E27FC236}">
-                <a16:creationId xmlns="" xmlns:a16="http://schemas.microsoft.com/office/drawing/2014/main" id="{326FFFD3-29E8-4568-9C85-C59AE4BE9FB7}"/>
+                <a16:creationId xmlns:a16="http://schemas.microsoft.com/office/drawing/2014/main" xmlns="" id="{326FFFD3-29E8-4568-9C85-C59AE4BE9FB7}"/>
               </a:ext>
             </a:extLst>
           </p:cNvPr>
@@ -5004,7 +5013,7 @@
           <p:cNvPr id="48" name="Rectangle 47">
             <a:extLst>
               <a:ext uri="{FF2B5EF4-FFF2-40B4-BE49-F238E27FC236}">
-                <a16:creationId xmlns="" xmlns:a16="http://schemas.microsoft.com/office/drawing/2014/main" id="{EE301681-6BDF-4FD2-9EC5-D20399824C03}"/>
+                <a16:creationId xmlns:a16="http://schemas.microsoft.com/office/drawing/2014/main" xmlns="" id="{EE301681-6BDF-4FD2-9EC5-D20399824C03}"/>
               </a:ext>
             </a:extLst>
           </p:cNvPr>
@@ -5063,7 +5072,7 @@
           <p:cNvPr id="49" name="Rectangle 48">
             <a:extLst>
               <a:ext uri="{FF2B5EF4-FFF2-40B4-BE49-F238E27FC236}">
-                <a16:creationId xmlns="" xmlns:a16="http://schemas.microsoft.com/office/drawing/2014/main" id="{A8AA121E-7888-4A5A-9BBF-0326D03B9E03}"/>
+                <a16:creationId xmlns:a16="http://schemas.microsoft.com/office/drawing/2014/main" xmlns="" id="{A8AA121E-7888-4A5A-9BBF-0326D03B9E03}"/>
               </a:ext>
             </a:extLst>
           </p:cNvPr>
@@ -5123,7 +5132,7 @@
           <p:cNvPr id="51" name="Rectangle 50">
             <a:extLst>
               <a:ext uri="{FF2B5EF4-FFF2-40B4-BE49-F238E27FC236}">
-                <a16:creationId xmlns="" xmlns:a16="http://schemas.microsoft.com/office/drawing/2014/main" id="{F5ADB6AC-2574-45A0-BBF2-72D3981B103D}"/>
+                <a16:creationId xmlns:a16="http://schemas.microsoft.com/office/drawing/2014/main" xmlns="" id="{F5ADB6AC-2574-45A0-BBF2-72D3981B103D}"/>
               </a:ext>
             </a:extLst>
           </p:cNvPr>
@@ -5184,7 +5193,7 @@
           <p:cNvPr id="52" name="Rectangle 51">
             <a:extLst>
               <a:ext uri="{FF2B5EF4-FFF2-40B4-BE49-F238E27FC236}">
-                <a16:creationId xmlns="" xmlns:a16="http://schemas.microsoft.com/office/drawing/2014/main" id="{D362DFB8-D8E0-4F0B-A61A-69A210D62CC7}"/>
+                <a16:creationId xmlns:a16="http://schemas.microsoft.com/office/drawing/2014/main" xmlns="" id="{D362DFB8-D8E0-4F0B-A61A-69A210D62CC7}"/>
               </a:ext>
             </a:extLst>
           </p:cNvPr>
@@ -5245,7 +5254,7 @@
           <p:cNvPr id="54" name="Rectangle 53">
             <a:extLst>
               <a:ext uri="{FF2B5EF4-FFF2-40B4-BE49-F238E27FC236}">
-                <a16:creationId xmlns="" xmlns:a16="http://schemas.microsoft.com/office/drawing/2014/main" id="{9E80E87D-1602-437A-BDED-ACE256305F52}"/>
+                <a16:creationId xmlns:a16="http://schemas.microsoft.com/office/drawing/2014/main" xmlns="" id="{9E80E87D-1602-437A-BDED-ACE256305F52}"/>
               </a:ext>
             </a:extLst>
           </p:cNvPr>
@@ -5309,7 +5318,7 @@
           <p:cNvPr id="95" name="TextBox 94">
             <a:extLst>
               <a:ext uri="{FF2B5EF4-FFF2-40B4-BE49-F238E27FC236}">
-                <a16:creationId xmlns="" xmlns:a16="http://schemas.microsoft.com/office/drawing/2014/main" id="{946AB88C-9410-4E16-910D-9E11D567DD57}"/>
+                <a16:creationId xmlns:a16="http://schemas.microsoft.com/office/drawing/2014/main" xmlns="" id="{946AB88C-9410-4E16-910D-9E11D567DD57}"/>
               </a:ext>
             </a:extLst>
           </p:cNvPr>
@@ -5344,7 +5353,7 @@
           <p:cNvPr id="27" name="Rectangle 26">
             <a:extLst>
               <a:ext uri="{FF2B5EF4-FFF2-40B4-BE49-F238E27FC236}">
-                <a16:creationId xmlns="" xmlns:a16="http://schemas.microsoft.com/office/drawing/2014/main" id="{AAC83E29-BD97-4EEC-9AB8-EF2C15FBAF0B}"/>
+                <a16:creationId xmlns:a16="http://schemas.microsoft.com/office/drawing/2014/main" xmlns="" id="{AAC83E29-BD97-4EEC-9AB8-EF2C15FBAF0B}"/>
               </a:ext>
             </a:extLst>
           </p:cNvPr>
@@ -5382,13 +5391,14 @@
           <a:p>
             <a:pPr algn="ctr"/>
             <a:r>
-              <a:rPr lang="en-GB" dirty="0" err="1"/>
-              <a:t>incode-domainapp</a:t>
-            </a:r>
-            <a:r>
-              <a:rPr lang="en-GB" dirty="0"/>
+              <a:rPr lang="en-GB" dirty="0" err="1" smtClean="0"/>
+              <a:t>incode-quickstart</a:t>
+            </a:r>
+            <a:r>
+              <a:rPr lang="en-GB" dirty="0" smtClean="0"/>
               <a:t>-</a:t>
             </a:r>
+            <a:endParaRPr lang="en-GB" dirty="0"/>
           </a:p>
           <a:p>
             <a:pPr algn="ctr"/>
@@ -5404,7 +5414,7 @@
           <p:cNvPr id="28" name="Connector: Curved 27">
             <a:extLst>
               <a:ext uri="{FF2B5EF4-FFF2-40B4-BE49-F238E27FC236}">
-                <a16:creationId xmlns="" xmlns:a16="http://schemas.microsoft.com/office/drawing/2014/main" id="{007CFC32-577B-44FD-9292-FCE2548F3D68}"/>
+                <a16:creationId xmlns:a16="http://schemas.microsoft.com/office/drawing/2014/main" xmlns="" id="{007CFC32-577B-44FD-9292-FCE2548F3D68}"/>
               </a:ext>
             </a:extLst>
           </p:cNvPr>
@@ -5450,7 +5460,7 @@
           <p:cNvPr id="35" name="Rectangle 34">
             <a:extLst>
               <a:ext uri="{FF2B5EF4-FFF2-40B4-BE49-F238E27FC236}">
-                <a16:creationId xmlns="" xmlns:a16="http://schemas.microsoft.com/office/drawing/2014/main" id="{F054E78D-5EDF-4692-8237-C86FD5FFFDF3}"/>
+                <a16:creationId xmlns:a16="http://schemas.microsoft.com/office/drawing/2014/main" xmlns="" id="{F054E78D-5EDF-4692-8237-C86FD5FFFDF3}"/>
               </a:ext>
             </a:extLst>
           </p:cNvPr>
@@ -5514,7 +5524,7 @@
           <p:cNvPr id="36" name="Connector: Curved 35">
             <a:extLst>
               <a:ext uri="{FF2B5EF4-FFF2-40B4-BE49-F238E27FC236}">
-                <a16:creationId xmlns="" xmlns:a16="http://schemas.microsoft.com/office/drawing/2014/main" id="{B7BC151F-D659-417F-A783-51938BE4BEA8}"/>
+                <a16:creationId xmlns:a16="http://schemas.microsoft.com/office/drawing/2014/main" xmlns="" id="{B7BC151F-D659-417F-A783-51938BE4BEA8}"/>
               </a:ext>
             </a:extLst>
           </p:cNvPr>
@@ -5558,7 +5568,7 @@
           <p:cNvPr id="40" name="TextBox 39">
             <a:extLst>
               <a:ext uri="{FF2B5EF4-FFF2-40B4-BE49-F238E27FC236}">
-                <a16:creationId xmlns="" xmlns:a16="http://schemas.microsoft.com/office/drawing/2014/main" id="{8104B7EB-F2A1-4398-B999-ECC472E7BCF3}"/>
+                <a16:creationId xmlns:a16="http://schemas.microsoft.com/office/drawing/2014/main" xmlns="" id="{8104B7EB-F2A1-4398-B999-ECC472E7BCF3}"/>
               </a:ext>
             </a:extLst>
           </p:cNvPr>
@@ -5600,7 +5610,7 @@
           <p:cNvPr id="17" name="Flowchart: Document 16">
             <a:extLst>
               <a:ext uri="{FF2B5EF4-FFF2-40B4-BE49-F238E27FC236}">
-                <a16:creationId xmlns="" xmlns:a16="http://schemas.microsoft.com/office/drawing/2014/main" id="{1BF166FF-B4DB-41E3-9A74-DC0DAC98390D}"/>
+                <a16:creationId xmlns:a16="http://schemas.microsoft.com/office/drawing/2014/main" xmlns="" id="{1BF166FF-B4DB-41E3-9A74-DC0DAC98390D}"/>
               </a:ext>
             </a:extLst>
           </p:cNvPr>
@@ -5647,7 +5657,7 @@
           <p:cNvPr id="42" name="Connector: Curved 41">
             <a:extLst>
               <a:ext uri="{FF2B5EF4-FFF2-40B4-BE49-F238E27FC236}">
-                <a16:creationId xmlns="" xmlns:a16="http://schemas.microsoft.com/office/drawing/2014/main" id="{71DA3FF6-075C-4197-9416-C83BC0D386E8}"/>
+                <a16:creationId xmlns:a16="http://schemas.microsoft.com/office/drawing/2014/main" xmlns="" id="{71DA3FF6-075C-4197-9416-C83BC0D386E8}"/>
               </a:ext>
             </a:extLst>
           </p:cNvPr>
@@ -5691,7 +5701,7 @@
           <p:cNvPr id="73" name="Connector: Curved 72">
             <a:extLst>
               <a:ext uri="{FF2B5EF4-FFF2-40B4-BE49-F238E27FC236}">
-                <a16:creationId xmlns="" xmlns:a16="http://schemas.microsoft.com/office/drawing/2014/main" id="{BDCFE337-ECA9-4F4B-894B-5B9210753B6A}"/>
+                <a16:creationId xmlns:a16="http://schemas.microsoft.com/office/drawing/2014/main" xmlns="" id="{BDCFE337-ECA9-4F4B-894B-5B9210753B6A}"/>
               </a:ext>
             </a:extLst>
           </p:cNvPr>
@@ -5735,7 +5745,7 @@
           <p:cNvPr id="81" name="Connector: Curved 80">
             <a:extLst>
               <a:ext uri="{FF2B5EF4-FFF2-40B4-BE49-F238E27FC236}">
-                <a16:creationId xmlns="" xmlns:a16="http://schemas.microsoft.com/office/drawing/2014/main" id="{E0DBBBB3-E178-4C40-9E51-8AC6789AE499}"/>
+                <a16:creationId xmlns:a16="http://schemas.microsoft.com/office/drawing/2014/main" xmlns="" id="{E0DBBBB3-E178-4C40-9E51-8AC6789AE499}"/>
               </a:ext>
             </a:extLst>
           </p:cNvPr>
@@ -5779,7 +5789,7 @@
           <p:cNvPr id="83" name="TextBox 82">
             <a:extLst>
               <a:ext uri="{FF2B5EF4-FFF2-40B4-BE49-F238E27FC236}">
-                <a16:creationId xmlns="" xmlns:a16="http://schemas.microsoft.com/office/drawing/2014/main" id="{5F7004B3-D2B5-41DE-9626-D8782E719A5C}"/>
+                <a16:creationId xmlns:a16="http://schemas.microsoft.com/office/drawing/2014/main" xmlns="" id="{5F7004B3-D2B5-41DE-9626-D8782E719A5C}"/>
               </a:ext>
             </a:extLst>
           </p:cNvPr>
@@ -5821,7 +5831,7 @@
           <p:cNvPr id="84" name="TextBox 83">
             <a:extLst>
               <a:ext uri="{FF2B5EF4-FFF2-40B4-BE49-F238E27FC236}">
-                <a16:creationId xmlns="" xmlns:a16="http://schemas.microsoft.com/office/drawing/2014/main" id="{46342F55-5205-4C6F-81BD-4A1BFFAFE65C}"/>
+                <a16:creationId xmlns:a16="http://schemas.microsoft.com/office/drawing/2014/main" xmlns="" id="{46342F55-5205-4C6F-81BD-4A1BFFAFE65C}"/>
               </a:ext>
             </a:extLst>
           </p:cNvPr>
@@ -5856,7 +5866,7 @@
           <p:cNvPr id="86" name="TextBox 85">
             <a:extLst>
               <a:ext uri="{FF2B5EF4-FFF2-40B4-BE49-F238E27FC236}">
-                <a16:creationId xmlns="" xmlns:a16="http://schemas.microsoft.com/office/drawing/2014/main" id="{3F73D5FF-B89C-4BF6-9D26-63687EA8AE9D}"/>
+                <a16:creationId xmlns:a16="http://schemas.microsoft.com/office/drawing/2014/main" xmlns="" id="{3F73D5FF-B89C-4BF6-9D26-63687EA8AE9D}"/>
               </a:ext>
             </a:extLst>
           </p:cNvPr>
@@ -5906,7 +5916,7 @@
           <p:cNvPr id="41" name="Connector: Curved 40">
             <a:extLst>
               <a:ext uri="{FF2B5EF4-FFF2-40B4-BE49-F238E27FC236}">
-                <a16:creationId xmlns="" xmlns:a16="http://schemas.microsoft.com/office/drawing/2014/main" id="{69136D57-9160-416D-B3F9-878F1C369BCD}"/>
+                <a16:creationId xmlns:a16="http://schemas.microsoft.com/office/drawing/2014/main" xmlns="" id="{69136D57-9160-416D-B3F9-878F1C369BCD}"/>
               </a:ext>
             </a:extLst>
           </p:cNvPr>
@@ -5950,7 +5960,7 @@
           <p:cNvPr id="106" name="Connector: Curved 105">
             <a:extLst>
               <a:ext uri="{FF2B5EF4-FFF2-40B4-BE49-F238E27FC236}">
-                <a16:creationId xmlns="" xmlns:a16="http://schemas.microsoft.com/office/drawing/2014/main" id="{38519E07-9814-45DE-8F54-B74E8EFEB8F7}"/>
+                <a16:creationId xmlns:a16="http://schemas.microsoft.com/office/drawing/2014/main" xmlns="" id="{38519E07-9814-45DE-8F54-B74E8EFEB8F7}"/>
               </a:ext>
             </a:extLst>
           </p:cNvPr>
@@ -5994,7 +6004,7 @@
           <p:cNvPr id="46" name="TextBox 45">
             <a:extLst>
               <a:ext uri="{FF2B5EF4-FFF2-40B4-BE49-F238E27FC236}">
-                <a16:creationId xmlns="" xmlns:a16="http://schemas.microsoft.com/office/drawing/2014/main" id="{D7630F3E-F103-4873-9F6A-6A9F01A8DE6C}"/>
+                <a16:creationId xmlns:a16="http://schemas.microsoft.com/office/drawing/2014/main" xmlns="" id="{D7630F3E-F103-4873-9F6A-6A9F01A8DE6C}"/>
               </a:ext>
             </a:extLst>
           </p:cNvPr>
@@ -6059,7 +6069,7 @@
           <p:cNvPr id="16" name="Rectangle 15">
             <a:extLst>
               <a:ext uri="{FF2B5EF4-FFF2-40B4-BE49-F238E27FC236}">
-                <a16:creationId xmlns="" xmlns:a16="http://schemas.microsoft.com/office/drawing/2014/main" id="{6AD9D01B-0C3A-4335-8511-9E6E85987F54}"/>
+                <a16:creationId xmlns:a16="http://schemas.microsoft.com/office/drawing/2014/main" xmlns="" id="{6AD9D01B-0C3A-4335-8511-9E6E85987F54}"/>
               </a:ext>
             </a:extLst>
           </p:cNvPr>
@@ -6094,8 +6104,8 @@
           <a:lstStyle/>
           <a:p>
             <a:r>
-              <a:rPr lang="en-GB" dirty="0" err="1"/>
-              <a:t>incode-domainapp</a:t>
+              <a:rPr lang="en-GB" dirty="0" err="1" smtClean="0"/>
+              <a:t>incode-quickstart</a:t>
             </a:r>
             <a:endParaRPr lang="en-GB" dirty="0"/>
           </a:p>
@@ -6106,7 +6116,7 @@
           <p:cNvPr id="112" name="Rectangle 111">
             <a:extLst>
               <a:ext uri="{FF2B5EF4-FFF2-40B4-BE49-F238E27FC236}">
-                <a16:creationId xmlns="" xmlns:a16="http://schemas.microsoft.com/office/drawing/2014/main" id="{0A5AC652-E085-4895-8D11-8178B99CBC13}"/>
+                <a16:creationId xmlns:a16="http://schemas.microsoft.com/office/drawing/2014/main" xmlns="" id="{0A5AC652-E085-4895-8D11-8178B99CBC13}"/>
               </a:ext>
             </a:extLst>
           </p:cNvPr>
@@ -6163,7 +6173,7 @@
           <p:cNvPr id="4" name="Rectangle 3">
             <a:extLst>
               <a:ext uri="{FF2B5EF4-FFF2-40B4-BE49-F238E27FC236}">
-                <a16:creationId xmlns="" xmlns:a16="http://schemas.microsoft.com/office/drawing/2014/main" id="{69906B7B-9CED-4534-985F-1D44228CFBCA}"/>
+                <a16:creationId xmlns:a16="http://schemas.microsoft.com/office/drawing/2014/main" xmlns="" id="{69906B7B-9CED-4534-985F-1D44228CFBCA}"/>
               </a:ext>
             </a:extLst>
           </p:cNvPr>
@@ -6201,13 +6211,14 @@
           <a:p>
             <a:pPr algn="ctr"/>
             <a:r>
-              <a:rPr lang="en-GB" dirty="0" err="1"/>
-              <a:t>incode-domainapp</a:t>
-            </a:r>
-            <a:r>
-              <a:rPr lang="en-GB" dirty="0"/>
+              <a:rPr lang="en-GB" dirty="0" err="1" smtClean="0"/>
+              <a:t>incode-quickstart</a:t>
+            </a:r>
+            <a:r>
+              <a:rPr lang="en-GB" dirty="0" smtClean="0"/>
               <a:t>-</a:t>
             </a:r>
+            <a:endParaRPr lang="en-GB" dirty="0"/>
           </a:p>
           <a:p>
             <a:pPr algn="ctr"/>
@@ -6224,7 +6235,7 @@
           <p:cNvPr id="7" name="Rectangle 6">
             <a:extLst>
               <a:ext uri="{FF2B5EF4-FFF2-40B4-BE49-F238E27FC236}">
-                <a16:creationId xmlns="" xmlns:a16="http://schemas.microsoft.com/office/drawing/2014/main" id="{21A9F216-A1BF-4F01-B06E-3451A3FA6115}"/>
+                <a16:creationId xmlns:a16="http://schemas.microsoft.com/office/drawing/2014/main" xmlns="" id="{21A9F216-A1BF-4F01-B06E-3451A3FA6115}"/>
               </a:ext>
             </a:extLst>
           </p:cNvPr>
@@ -6281,7 +6292,7 @@
           <p:cNvPr id="9" name="Rectangle 8">
             <a:extLst>
               <a:ext uri="{FF2B5EF4-FFF2-40B4-BE49-F238E27FC236}">
-                <a16:creationId xmlns="" xmlns:a16="http://schemas.microsoft.com/office/drawing/2014/main" id="{422E47CE-443D-45D5-93D0-68C19F813735}"/>
+                <a16:creationId xmlns:a16="http://schemas.microsoft.com/office/drawing/2014/main" xmlns="" id="{422E47CE-443D-45D5-93D0-68C19F813735}"/>
               </a:ext>
             </a:extLst>
           </p:cNvPr>
@@ -6319,13 +6330,14 @@
           <a:p>
             <a:pPr algn="ctr"/>
             <a:r>
-              <a:rPr lang="en-GB" dirty="0" err="1"/>
-              <a:t>incode-domainapp</a:t>
-            </a:r>
-            <a:r>
-              <a:rPr lang="en-GB" dirty="0"/>
+              <a:rPr lang="en-GB" dirty="0" err="1" smtClean="0"/>
+              <a:t>incode-quickstart</a:t>
+            </a:r>
+            <a:r>
+              <a:rPr lang="en-GB" dirty="0" smtClean="0"/>
               <a:t>-</a:t>
             </a:r>
+            <a:endParaRPr lang="en-GB" dirty="0"/>
           </a:p>
           <a:p>
             <a:pPr algn="ctr"/>
@@ -6346,7 +6358,7 @@
           <p:cNvPr id="10" name="Rectangle 9">
             <a:extLst>
               <a:ext uri="{FF2B5EF4-FFF2-40B4-BE49-F238E27FC236}">
-                <a16:creationId xmlns="" xmlns:a16="http://schemas.microsoft.com/office/drawing/2014/main" id="{4169747F-40A6-44FC-808C-7CF9794396D5}"/>
+                <a16:creationId xmlns:a16="http://schemas.microsoft.com/office/drawing/2014/main" xmlns="" id="{4169747F-40A6-44FC-808C-7CF9794396D5}"/>
               </a:ext>
             </a:extLst>
           </p:cNvPr>
@@ -6384,13 +6396,14 @@
           <a:p>
             <a:pPr algn="ctr"/>
             <a:r>
-              <a:rPr lang="en-GB" dirty="0" err="1"/>
-              <a:t>incode-domainapp</a:t>
-            </a:r>
-            <a:r>
-              <a:rPr lang="en-GB" dirty="0"/>
+              <a:rPr lang="en-GB" dirty="0" err="1" smtClean="0"/>
+              <a:t>incode-quickstart</a:t>
+            </a:r>
+            <a:r>
+              <a:rPr lang="en-GB" dirty="0" smtClean="0"/>
               <a:t>-</a:t>
             </a:r>
+            <a:endParaRPr lang="en-GB" dirty="0"/>
           </a:p>
           <a:p>
             <a:pPr algn="ctr"/>
@@ -6406,7 +6419,7 @@
           <p:cNvPr id="11" name="Rectangle 10">
             <a:extLst>
               <a:ext uri="{FF2B5EF4-FFF2-40B4-BE49-F238E27FC236}">
-                <a16:creationId xmlns="" xmlns:a16="http://schemas.microsoft.com/office/drawing/2014/main" id="{68D4EC8E-C04A-4C4B-85A1-8B6796BB3F5B}"/>
+                <a16:creationId xmlns:a16="http://schemas.microsoft.com/office/drawing/2014/main" xmlns="" id="{68D4EC8E-C04A-4C4B-85A1-8B6796BB3F5B}"/>
               </a:ext>
             </a:extLst>
           </p:cNvPr>
@@ -6444,13 +6457,14 @@
           <a:p>
             <a:pPr algn="ctr"/>
             <a:r>
-              <a:rPr lang="en-GB" dirty="0" err="1"/>
-              <a:t>incode-domainapp</a:t>
-            </a:r>
-            <a:r>
-              <a:rPr lang="en-GB" dirty="0"/>
+              <a:rPr lang="en-GB" dirty="0" err="1" smtClean="0"/>
+              <a:t>incode-quickstart</a:t>
+            </a:r>
+            <a:r>
+              <a:rPr lang="en-GB" dirty="0" smtClean="0"/>
               <a:t>-</a:t>
             </a:r>
+            <a:endParaRPr lang="en-GB" dirty="0"/>
           </a:p>
           <a:p>
             <a:pPr algn="ctr"/>
@@ -6471,7 +6485,7 @@
           <p:cNvPr id="12" name="Rectangle 11">
             <a:extLst>
               <a:ext uri="{FF2B5EF4-FFF2-40B4-BE49-F238E27FC236}">
-                <a16:creationId xmlns="" xmlns:a16="http://schemas.microsoft.com/office/drawing/2014/main" id="{38FE1AE1-DE48-4CCB-953B-288605D173C4}"/>
+                <a16:creationId xmlns:a16="http://schemas.microsoft.com/office/drawing/2014/main" xmlns="" id="{38FE1AE1-DE48-4CCB-953B-288605D173C4}"/>
               </a:ext>
             </a:extLst>
           </p:cNvPr>
@@ -6509,13 +6523,14 @@
           <a:p>
             <a:pPr algn="ctr"/>
             <a:r>
-              <a:rPr lang="en-GB" dirty="0" err="1"/>
-              <a:t>incode-domainapp</a:t>
-            </a:r>
-            <a:r>
-              <a:rPr lang="en-GB" dirty="0"/>
+              <a:rPr lang="en-GB" dirty="0" err="1" smtClean="0"/>
+              <a:t>incode-quickstart</a:t>
+            </a:r>
+            <a:r>
+              <a:rPr lang="en-GB" dirty="0" smtClean="0"/>
               <a:t>-</a:t>
             </a:r>
+            <a:endParaRPr lang="en-GB" dirty="0"/>
           </a:p>
           <a:p>
             <a:pPr algn="ctr"/>
@@ -6536,7 +6551,7 @@
           <p:cNvPr id="14" name="Rectangle 13">
             <a:extLst>
               <a:ext uri="{FF2B5EF4-FFF2-40B4-BE49-F238E27FC236}">
-                <a16:creationId xmlns="" xmlns:a16="http://schemas.microsoft.com/office/drawing/2014/main" id="{960C9FCA-57C7-4E79-891E-523602F7DC61}"/>
+                <a16:creationId xmlns:a16="http://schemas.microsoft.com/office/drawing/2014/main" xmlns="" id="{960C9FCA-57C7-4E79-891E-523602F7DC61}"/>
               </a:ext>
             </a:extLst>
           </p:cNvPr>
@@ -6574,13 +6589,14 @@
           <a:p>
             <a:pPr algn="ctr"/>
             <a:r>
-              <a:rPr lang="en-GB" dirty="0" err="1"/>
-              <a:t>incode-domainapp</a:t>
-            </a:r>
-            <a:r>
-              <a:rPr lang="en-GB" dirty="0"/>
+              <a:rPr lang="en-GB" dirty="0" err="1" smtClean="0"/>
+              <a:t>incode-quickstart</a:t>
+            </a:r>
+            <a:r>
+              <a:rPr lang="en-GB" dirty="0" smtClean="0"/>
               <a:t>-</a:t>
             </a:r>
+            <a:endParaRPr lang="en-GB" dirty="0"/>
           </a:p>
           <a:p>
             <a:pPr algn="ctr"/>
@@ -6596,7 +6612,7 @@
           <p:cNvPr id="15" name="Rectangle 14">
             <a:extLst>
               <a:ext uri="{FF2B5EF4-FFF2-40B4-BE49-F238E27FC236}">
-                <a16:creationId xmlns="" xmlns:a16="http://schemas.microsoft.com/office/drawing/2014/main" id="{6F667E87-8FD6-46A5-A43E-073FA2488E92}"/>
+                <a16:creationId xmlns:a16="http://schemas.microsoft.com/office/drawing/2014/main" xmlns="" id="{6F667E87-8FD6-46A5-A43E-073FA2488E92}"/>
               </a:ext>
             </a:extLst>
           </p:cNvPr>
@@ -6634,13 +6650,14 @@
           <a:p>
             <a:pPr algn="ctr"/>
             <a:r>
-              <a:rPr lang="en-GB" dirty="0" err="1"/>
-              <a:t>incode-domainapp</a:t>
-            </a:r>
-            <a:r>
-              <a:rPr lang="en-GB" dirty="0"/>
+              <a:rPr lang="en-GB" dirty="0" err="1" smtClean="0"/>
+              <a:t>incode-quickstart</a:t>
+            </a:r>
+            <a:r>
+              <a:rPr lang="en-GB" dirty="0" smtClean="0"/>
               <a:t>-</a:t>
             </a:r>
+            <a:endParaRPr lang="en-GB" dirty="0"/>
           </a:p>
           <a:p>
             <a:pPr algn="ctr"/>
@@ -6657,7 +6674,7 @@
           <p:cNvPr id="18" name="Connector: Curved 17">
             <a:extLst>
               <a:ext uri="{FF2B5EF4-FFF2-40B4-BE49-F238E27FC236}">
-                <a16:creationId xmlns="" xmlns:a16="http://schemas.microsoft.com/office/drawing/2014/main" id="{235B6DF2-10F1-4264-944B-DE3DE4342160}"/>
+                <a16:creationId xmlns:a16="http://schemas.microsoft.com/office/drawing/2014/main" xmlns="" id="{235B6DF2-10F1-4264-944B-DE3DE4342160}"/>
               </a:ext>
             </a:extLst>
           </p:cNvPr>
@@ -6703,7 +6720,7 @@
           <p:cNvPr id="19" name="Connector: Curved 18">
             <a:extLst>
               <a:ext uri="{FF2B5EF4-FFF2-40B4-BE49-F238E27FC236}">
-                <a16:creationId xmlns="" xmlns:a16="http://schemas.microsoft.com/office/drawing/2014/main" id="{2FBC79EF-5E35-4E05-8803-3AF73A28C92F}"/>
+                <a16:creationId xmlns:a16="http://schemas.microsoft.com/office/drawing/2014/main" xmlns="" id="{2FBC79EF-5E35-4E05-8803-3AF73A28C92F}"/>
               </a:ext>
             </a:extLst>
           </p:cNvPr>
@@ -6747,7 +6764,7 @@
           <p:cNvPr id="24" name="Connector: Curved 23">
             <a:extLst>
               <a:ext uri="{FF2B5EF4-FFF2-40B4-BE49-F238E27FC236}">
-                <a16:creationId xmlns="" xmlns:a16="http://schemas.microsoft.com/office/drawing/2014/main" id="{BE6E8495-EAF9-47A3-977B-5D2C8D412DD5}"/>
+                <a16:creationId xmlns:a16="http://schemas.microsoft.com/office/drawing/2014/main" xmlns="" id="{BE6E8495-EAF9-47A3-977B-5D2C8D412DD5}"/>
               </a:ext>
             </a:extLst>
           </p:cNvPr>
@@ -6791,7 +6808,7 @@
           <p:cNvPr id="31" name="Connector: Curved 30">
             <a:extLst>
               <a:ext uri="{FF2B5EF4-FFF2-40B4-BE49-F238E27FC236}">
-                <a16:creationId xmlns="" xmlns:a16="http://schemas.microsoft.com/office/drawing/2014/main" id="{F8EE246A-6C60-4FA3-A5F7-5FD3742399F7}"/>
+                <a16:creationId xmlns:a16="http://schemas.microsoft.com/office/drawing/2014/main" xmlns="" id="{F8EE246A-6C60-4FA3-A5F7-5FD3742399F7}"/>
               </a:ext>
             </a:extLst>
           </p:cNvPr>
@@ -6837,7 +6854,7 @@
           <p:cNvPr id="34" name="Connector: Curved 33">
             <a:extLst>
               <a:ext uri="{FF2B5EF4-FFF2-40B4-BE49-F238E27FC236}">
-                <a16:creationId xmlns="" xmlns:a16="http://schemas.microsoft.com/office/drawing/2014/main" id="{18F2C29F-2227-4AA4-8F29-568F54DCAE2B}"/>
+                <a16:creationId xmlns:a16="http://schemas.microsoft.com/office/drawing/2014/main" xmlns="" id="{18F2C29F-2227-4AA4-8F29-568F54DCAE2B}"/>
               </a:ext>
             </a:extLst>
           </p:cNvPr>
@@ -6883,7 +6900,7 @@
           <p:cNvPr id="38" name="Connector: Curved 37">
             <a:extLst>
               <a:ext uri="{FF2B5EF4-FFF2-40B4-BE49-F238E27FC236}">
-                <a16:creationId xmlns="" xmlns:a16="http://schemas.microsoft.com/office/drawing/2014/main" id="{B7ACC004-2CE9-4C14-9EB0-56CB05770D71}"/>
+                <a16:creationId xmlns:a16="http://schemas.microsoft.com/office/drawing/2014/main" xmlns="" id="{B7ACC004-2CE9-4C14-9EB0-56CB05770D71}"/>
               </a:ext>
             </a:extLst>
           </p:cNvPr>
@@ -6927,7 +6944,7 @@
           <p:cNvPr id="45" name="Connector: Curved 44">
             <a:extLst>
               <a:ext uri="{FF2B5EF4-FFF2-40B4-BE49-F238E27FC236}">
-                <a16:creationId xmlns="" xmlns:a16="http://schemas.microsoft.com/office/drawing/2014/main" id="{326FFFD3-29E8-4568-9C85-C59AE4BE9FB7}"/>
+                <a16:creationId xmlns:a16="http://schemas.microsoft.com/office/drawing/2014/main" xmlns="" id="{326FFFD3-29E8-4568-9C85-C59AE4BE9FB7}"/>
               </a:ext>
             </a:extLst>
           </p:cNvPr>
@@ -6973,7 +6990,7 @@
           <p:cNvPr id="48" name="Rectangle 47">
             <a:extLst>
               <a:ext uri="{FF2B5EF4-FFF2-40B4-BE49-F238E27FC236}">
-                <a16:creationId xmlns="" xmlns:a16="http://schemas.microsoft.com/office/drawing/2014/main" id="{EE301681-6BDF-4FD2-9EC5-D20399824C03}"/>
+                <a16:creationId xmlns:a16="http://schemas.microsoft.com/office/drawing/2014/main" xmlns="" id="{EE301681-6BDF-4FD2-9EC5-D20399824C03}"/>
               </a:ext>
             </a:extLst>
           </p:cNvPr>
@@ -7032,7 +7049,7 @@
           <p:cNvPr id="49" name="Rectangle 48">
             <a:extLst>
               <a:ext uri="{FF2B5EF4-FFF2-40B4-BE49-F238E27FC236}">
-                <a16:creationId xmlns="" xmlns:a16="http://schemas.microsoft.com/office/drawing/2014/main" id="{A8AA121E-7888-4A5A-9BBF-0326D03B9E03}"/>
+                <a16:creationId xmlns:a16="http://schemas.microsoft.com/office/drawing/2014/main" xmlns="" id="{A8AA121E-7888-4A5A-9BBF-0326D03B9E03}"/>
               </a:ext>
             </a:extLst>
           </p:cNvPr>
@@ -7092,7 +7109,7 @@
           <p:cNvPr id="51" name="Rectangle 50">
             <a:extLst>
               <a:ext uri="{FF2B5EF4-FFF2-40B4-BE49-F238E27FC236}">
-                <a16:creationId xmlns="" xmlns:a16="http://schemas.microsoft.com/office/drawing/2014/main" id="{F5ADB6AC-2574-45A0-BBF2-72D3981B103D}"/>
+                <a16:creationId xmlns:a16="http://schemas.microsoft.com/office/drawing/2014/main" xmlns="" id="{F5ADB6AC-2574-45A0-BBF2-72D3981B103D}"/>
               </a:ext>
             </a:extLst>
           </p:cNvPr>
@@ -7153,7 +7170,7 @@
           <p:cNvPr id="52" name="Rectangle 51">
             <a:extLst>
               <a:ext uri="{FF2B5EF4-FFF2-40B4-BE49-F238E27FC236}">
-                <a16:creationId xmlns="" xmlns:a16="http://schemas.microsoft.com/office/drawing/2014/main" id="{D362DFB8-D8E0-4F0B-A61A-69A210D62CC7}"/>
+                <a16:creationId xmlns:a16="http://schemas.microsoft.com/office/drawing/2014/main" xmlns="" id="{D362DFB8-D8E0-4F0B-A61A-69A210D62CC7}"/>
               </a:ext>
             </a:extLst>
           </p:cNvPr>
@@ -7214,7 +7231,7 @@
           <p:cNvPr id="54" name="Rectangle 53">
             <a:extLst>
               <a:ext uri="{FF2B5EF4-FFF2-40B4-BE49-F238E27FC236}">
-                <a16:creationId xmlns="" xmlns:a16="http://schemas.microsoft.com/office/drawing/2014/main" id="{9E80E87D-1602-437A-BDED-ACE256305F52}"/>
+                <a16:creationId xmlns:a16="http://schemas.microsoft.com/office/drawing/2014/main" xmlns="" id="{9E80E87D-1602-437A-BDED-ACE256305F52}"/>
               </a:ext>
             </a:extLst>
           </p:cNvPr>
@@ -7278,7 +7295,7 @@
           <p:cNvPr id="66" name="TextBox 65">
             <a:extLst>
               <a:ext uri="{FF2B5EF4-FFF2-40B4-BE49-F238E27FC236}">
-                <a16:creationId xmlns="" xmlns:a16="http://schemas.microsoft.com/office/drawing/2014/main" id="{DC55C7B9-8370-4BA5-8D4E-4632D29BB355}"/>
+                <a16:creationId xmlns:a16="http://schemas.microsoft.com/office/drawing/2014/main" xmlns="" id="{DC55C7B9-8370-4BA5-8D4E-4632D29BB355}"/>
               </a:ext>
             </a:extLst>
           </p:cNvPr>
@@ -7313,7 +7330,7 @@
           <p:cNvPr id="95" name="TextBox 94">
             <a:extLst>
               <a:ext uri="{FF2B5EF4-FFF2-40B4-BE49-F238E27FC236}">
-                <a16:creationId xmlns="" xmlns:a16="http://schemas.microsoft.com/office/drawing/2014/main" id="{946AB88C-9410-4E16-910D-9E11D567DD57}"/>
+                <a16:creationId xmlns:a16="http://schemas.microsoft.com/office/drawing/2014/main" xmlns="" id="{946AB88C-9410-4E16-910D-9E11D567DD57}"/>
               </a:ext>
             </a:extLst>
           </p:cNvPr>
@@ -7348,7 +7365,7 @@
           <p:cNvPr id="27" name="Rectangle 26">
             <a:extLst>
               <a:ext uri="{FF2B5EF4-FFF2-40B4-BE49-F238E27FC236}">
-                <a16:creationId xmlns="" xmlns:a16="http://schemas.microsoft.com/office/drawing/2014/main" id="{AAC83E29-BD97-4EEC-9AB8-EF2C15FBAF0B}"/>
+                <a16:creationId xmlns:a16="http://schemas.microsoft.com/office/drawing/2014/main" xmlns="" id="{AAC83E29-BD97-4EEC-9AB8-EF2C15FBAF0B}"/>
               </a:ext>
             </a:extLst>
           </p:cNvPr>
@@ -7386,13 +7403,14 @@
           <a:p>
             <a:pPr algn="ctr"/>
             <a:r>
-              <a:rPr lang="en-GB" dirty="0" err="1"/>
-              <a:t>incode-domainapp</a:t>
-            </a:r>
-            <a:r>
-              <a:rPr lang="en-GB" dirty="0"/>
+              <a:rPr lang="en-GB" dirty="0" err="1" smtClean="0"/>
+              <a:t>incode-quickstart</a:t>
+            </a:r>
+            <a:r>
+              <a:rPr lang="en-GB" dirty="0" smtClean="0"/>
               <a:t>-</a:t>
             </a:r>
+            <a:endParaRPr lang="en-GB" dirty="0"/>
           </a:p>
           <a:p>
             <a:pPr algn="ctr"/>
@@ -7408,7 +7426,7 @@
           <p:cNvPr id="28" name="Connector: Curved 27">
             <a:extLst>
               <a:ext uri="{FF2B5EF4-FFF2-40B4-BE49-F238E27FC236}">
-                <a16:creationId xmlns="" xmlns:a16="http://schemas.microsoft.com/office/drawing/2014/main" id="{007CFC32-577B-44FD-9292-FCE2548F3D68}"/>
+                <a16:creationId xmlns:a16="http://schemas.microsoft.com/office/drawing/2014/main" xmlns="" id="{007CFC32-577B-44FD-9292-FCE2548F3D68}"/>
               </a:ext>
             </a:extLst>
           </p:cNvPr>
@@ -7454,7 +7472,7 @@
           <p:cNvPr id="32" name="Connector: Curved 31">
             <a:extLst>
               <a:ext uri="{FF2B5EF4-FFF2-40B4-BE49-F238E27FC236}">
-                <a16:creationId xmlns="" xmlns:a16="http://schemas.microsoft.com/office/drawing/2014/main" id="{49133326-9AF8-4286-8C9B-2EB5BA79270C}"/>
+                <a16:creationId xmlns:a16="http://schemas.microsoft.com/office/drawing/2014/main" xmlns="" id="{49133326-9AF8-4286-8C9B-2EB5BA79270C}"/>
               </a:ext>
             </a:extLst>
           </p:cNvPr>
@@ -7498,7 +7516,7 @@
           <p:cNvPr id="35" name="Rectangle 34">
             <a:extLst>
               <a:ext uri="{FF2B5EF4-FFF2-40B4-BE49-F238E27FC236}">
-                <a16:creationId xmlns="" xmlns:a16="http://schemas.microsoft.com/office/drawing/2014/main" id="{F054E78D-5EDF-4692-8237-C86FD5FFFDF3}"/>
+                <a16:creationId xmlns:a16="http://schemas.microsoft.com/office/drawing/2014/main" xmlns="" id="{F054E78D-5EDF-4692-8237-C86FD5FFFDF3}"/>
               </a:ext>
             </a:extLst>
           </p:cNvPr>
@@ -7562,7 +7580,7 @@
           <p:cNvPr id="36" name="Connector: Curved 35">
             <a:extLst>
               <a:ext uri="{FF2B5EF4-FFF2-40B4-BE49-F238E27FC236}">
-                <a16:creationId xmlns="" xmlns:a16="http://schemas.microsoft.com/office/drawing/2014/main" id="{B7BC151F-D659-417F-A783-51938BE4BEA8}"/>
+                <a16:creationId xmlns:a16="http://schemas.microsoft.com/office/drawing/2014/main" xmlns="" id="{B7BC151F-D659-417F-A783-51938BE4BEA8}"/>
               </a:ext>
             </a:extLst>
           </p:cNvPr>
@@ -7606,7 +7624,7 @@
           <p:cNvPr id="40" name="TextBox 39">
             <a:extLst>
               <a:ext uri="{FF2B5EF4-FFF2-40B4-BE49-F238E27FC236}">
-                <a16:creationId xmlns="" xmlns:a16="http://schemas.microsoft.com/office/drawing/2014/main" id="{8104B7EB-F2A1-4398-B999-ECC472E7BCF3}"/>
+                <a16:creationId xmlns:a16="http://schemas.microsoft.com/office/drawing/2014/main" xmlns="" id="{8104B7EB-F2A1-4398-B999-ECC472E7BCF3}"/>
               </a:ext>
             </a:extLst>
           </p:cNvPr>
@@ -7648,7 +7666,7 @@
           <p:cNvPr id="17" name="Flowchart: Document 16">
             <a:extLst>
               <a:ext uri="{FF2B5EF4-FFF2-40B4-BE49-F238E27FC236}">
-                <a16:creationId xmlns="" xmlns:a16="http://schemas.microsoft.com/office/drawing/2014/main" id="{1BF166FF-B4DB-41E3-9A74-DC0DAC98390D}"/>
+                <a16:creationId xmlns:a16="http://schemas.microsoft.com/office/drawing/2014/main" xmlns="" id="{1BF166FF-B4DB-41E3-9A74-DC0DAC98390D}"/>
               </a:ext>
             </a:extLst>
           </p:cNvPr>
@@ -7695,7 +7713,7 @@
           <p:cNvPr id="42" name="Connector: Curved 41">
             <a:extLst>
               <a:ext uri="{FF2B5EF4-FFF2-40B4-BE49-F238E27FC236}">
-                <a16:creationId xmlns="" xmlns:a16="http://schemas.microsoft.com/office/drawing/2014/main" id="{71DA3FF6-075C-4197-9416-C83BC0D386E8}"/>
+                <a16:creationId xmlns:a16="http://schemas.microsoft.com/office/drawing/2014/main" xmlns="" id="{71DA3FF6-075C-4197-9416-C83BC0D386E8}"/>
               </a:ext>
             </a:extLst>
           </p:cNvPr>
@@ -7739,7 +7757,7 @@
           <p:cNvPr id="73" name="Connector: Curved 72">
             <a:extLst>
               <a:ext uri="{FF2B5EF4-FFF2-40B4-BE49-F238E27FC236}">
-                <a16:creationId xmlns="" xmlns:a16="http://schemas.microsoft.com/office/drawing/2014/main" id="{BDCFE337-ECA9-4F4B-894B-5B9210753B6A}"/>
+                <a16:creationId xmlns:a16="http://schemas.microsoft.com/office/drawing/2014/main" xmlns="" id="{BDCFE337-ECA9-4F4B-894B-5B9210753B6A}"/>
               </a:ext>
             </a:extLst>
           </p:cNvPr>
@@ -7783,7 +7801,7 @@
           <p:cNvPr id="81" name="Connector: Curved 80">
             <a:extLst>
               <a:ext uri="{FF2B5EF4-FFF2-40B4-BE49-F238E27FC236}">
-                <a16:creationId xmlns="" xmlns:a16="http://schemas.microsoft.com/office/drawing/2014/main" id="{E0DBBBB3-E178-4C40-9E51-8AC6789AE499}"/>
+                <a16:creationId xmlns:a16="http://schemas.microsoft.com/office/drawing/2014/main" xmlns="" id="{E0DBBBB3-E178-4C40-9E51-8AC6789AE499}"/>
               </a:ext>
             </a:extLst>
           </p:cNvPr>
@@ -7827,7 +7845,7 @@
           <p:cNvPr id="83" name="TextBox 82">
             <a:extLst>
               <a:ext uri="{FF2B5EF4-FFF2-40B4-BE49-F238E27FC236}">
-                <a16:creationId xmlns="" xmlns:a16="http://schemas.microsoft.com/office/drawing/2014/main" id="{5F7004B3-D2B5-41DE-9626-D8782E719A5C}"/>
+                <a16:creationId xmlns:a16="http://schemas.microsoft.com/office/drawing/2014/main" xmlns="" id="{5F7004B3-D2B5-41DE-9626-D8782E719A5C}"/>
               </a:ext>
             </a:extLst>
           </p:cNvPr>
@@ -7869,7 +7887,7 @@
           <p:cNvPr id="84" name="TextBox 83">
             <a:extLst>
               <a:ext uri="{FF2B5EF4-FFF2-40B4-BE49-F238E27FC236}">
-                <a16:creationId xmlns="" xmlns:a16="http://schemas.microsoft.com/office/drawing/2014/main" id="{46342F55-5205-4C6F-81BD-4A1BFFAFE65C}"/>
+                <a16:creationId xmlns:a16="http://schemas.microsoft.com/office/drawing/2014/main" xmlns="" id="{46342F55-5205-4C6F-81BD-4A1BFFAFE65C}"/>
               </a:ext>
             </a:extLst>
           </p:cNvPr>
@@ -7904,7 +7922,7 @@
           <p:cNvPr id="86" name="TextBox 85">
             <a:extLst>
               <a:ext uri="{FF2B5EF4-FFF2-40B4-BE49-F238E27FC236}">
-                <a16:creationId xmlns="" xmlns:a16="http://schemas.microsoft.com/office/drawing/2014/main" id="{3F73D5FF-B89C-4BF6-9D26-63687EA8AE9D}"/>
+                <a16:creationId xmlns:a16="http://schemas.microsoft.com/office/drawing/2014/main" xmlns="" id="{3F73D5FF-B89C-4BF6-9D26-63687EA8AE9D}"/>
               </a:ext>
             </a:extLst>
           </p:cNvPr>
@@ -7954,7 +7972,7 @@
           <p:cNvPr id="41" name="Connector: Curved 40">
             <a:extLst>
               <a:ext uri="{FF2B5EF4-FFF2-40B4-BE49-F238E27FC236}">
-                <a16:creationId xmlns="" xmlns:a16="http://schemas.microsoft.com/office/drawing/2014/main" id="{69136D57-9160-416D-B3F9-878F1C369BCD}"/>
+                <a16:creationId xmlns:a16="http://schemas.microsoft.com/office/drawing/2014/main" xmlns="" id="{69136D57-9160-416D-B3F9-878F1C369BCD}"/>
               </a:ext>
             </a:extLst>
           </p:cNvPr>
@@ -7998,7 +8016,7 @@
           <p:cNvPr id="106" name="Connector: Curved 105">
             <a:extLst>
               <a:ext uri="{FF2B5EF4-FFF2-40B4-BE49-F238E27FC236}">
-                <a16:creationId xmlns="" xmlns:a16="http://schemas.microsoft.com/office/drawing/2014/main" id="{38519E07-9814-45DE-8F54-B74E8EFEB8F7}"/>
+                <a16:creationId xmlns:a16="http://schemas.microsoft.com/office/drawing/2014/main" xmlns="" id="{38519E07-9814-45DE-8F54-B74E8EFEB8F7}"/>
               </a:ext>
             </a:extLst>
           </p:cNvPr>
@@ -8042,7 +8060,7 @@
           <p:cNvPr id="110" name="TextBox 109">
             <a:extLst>
               <a:ext uri="{FF2B5EF4-FFF2-40B4-BE49-F238E27FC236}">
-                <a16:creationId xmlns="" xmlns:a16="http://schemas.microsoft.com/office/drawing/2014/main" id="{8856B0F9-F83E-45D3-8CAF-995CA4A37218}"/>
+                <a16:creationId xmlns:a16="http://schemas.microsoft.com/office/drawing/2014/main" xmlns="" id="{8856B0F9-F83E-45D3-8CAF-995CA4A37218}"/>
               </a:ext>
             </a:extLst>
           </p:cNvPr>
@@ -8077,7 +8095,7 @@
           <p:cNvPr id="46" name="TextBox 45">
             <a:extLst>
               <a:ext uri="{FF2B5EF4-FFF2-40B4-BE49-F238E27FC236}">
-                <a16:creationId xmlns="" xmlns:a16="http://schemas.microsoft.com/office/drawing/2014/main" id="{D7630F3E-F103-4873-9F6A-6A9F01A8DE6C}"/>
+                <a16:creationId xmlns:a16="http://schemas.microsoft.com/office/drawing/2014/main" xmlns="" id="{D7630F3E-F103-4873-9F6A-6A9F01A8DE6C}"/>
               </a:ext>
             </a:extLst>
           </p:cNvPr>
@@ -8409,7 +8427,7 @@
   <a:extraClrSchemeLst/>
   <a:extLst>
     <a:ext uri="{05A4C25C-085E-4340-85A3-A5531E510DB2}">
-      <thm15:themeFamily xmlns="" xmlns:thm15="http://schemas.microsoft.com/office/thememl/2012/main" name="Office Theme" id="{62F939B6-93AF-4DB8-9C6B-D6C7DFDC589F}" vid="{4A3C46E8-61CC-4603-A589-7422A47A8E4A}"/>
+      <thm15:themeFamily xmlns:thm15="http://schemas.microsoft.com/office/thememl/2012/main" xmlns="" name="Office Theme" id="{62F939B6-93AF-4DB8-9C6B-D6C7DFDC589F}" vid="{4A3C46E8-61CC-4603-A589-7422A47A8E4A}"/>
     </a:ext>
   </a:extLst>
 </a:theme>

--- a/adocs/documentation/src/main/asciidoc/quickstart/_images/project-structure/module-dependencies.pptx
+++ b/adocs/documentation/src/main/asciidoc/quickstart/_images/project-structure/module-dependencies.pptx
@@ -108,7 +108,7 @@
   </p:defaultTextStyle>
   <p:extLst>
     <p:ext uri="{EFAFB233-063F-42B5-8137-9DF3F51BA10A}">
-      <p15:sldGuideLst xmlns:p15="http://schemas.microsoft.com/office/powerpoint/2012/main" xmlns=""/>
+      <p15:sldGuideLst xmlns="" xmlns:p15="http://schemas.microsoft.com/office/powerpoint/2012/main"/>
     </p:ext>
   </p:extLst>
 </p:presentation>
@@ -140,7 +140,7 @@
           <p:cNvPr id="2" name="Title 1">
             <a:extLst>
               <a:ext uri="{FF2B5EF4-FFF2-40B4-BE49-F238E27FC236}">
-                <a16:creationId xmlns:a16="http://schemas.microsoft.com/office/drawing/2014/main" xmlns="" id="{333796B0-4756-43C2-B84B-B5206A784F46}"/>
+                <a16:creationId xmlns="" xmlns:a16="http://schemas.microsoft.com/office/drawing/2014/main" id="{333796B0-4756-43C2-B84B-B5206A784F46}"/>
               </a:ext>
             </a:extLst>
           </p:cNvPr>
@@ -178,7 +178,7 @@
           <p:cNvPr id="3" name="Subtitle 2">
             <a:extLst>
               <a:ext uri="{FF2B5EF4-FFF2-40B4-BE49-F238E27FC236}">
-                <a16:creationId xmlns:a16="http://schemas.microsoft.com/office/drawing/2014/main" xmlns="" id="{D0BD1E34-C780-43EF-9A82-F75715499E4E}"/>
+                <a16:creationId xmlns="" xmlns:a16="http://schemas.microsoft.com/office/drawing/2014/main" id="{D0BD1E34-C780-43EF-9A82-F75715499E4E}"/>
               </a:ext>
             </a:extLst>
           </p:cNvPr>
@@ -249,7 +249,7 @@
           <p:cNvPr id="4" name="Date Placeholder 3">
             <a:extLst>
               <a:ext uri="{FF2B5EF4-FFF2-40B4-BE49-F238E27FC236}">
-                <a16:creationId xmlns:a16="http://schemas.microsoft.com/office/drawing/2014/main" xmlns="" id="{003336FB-4FD3-43EB-A2F5-DCF54B28588D}"/>
+                <a16:creationId xmlns="" xmlns:a16="http://schemas.microsoft.com/office/drawing/2014/main" id="{003336FB-4FD3-43EB-A2F5-DCF54B28588D}"/>
               </a:ext>
             </a:extLst>
           </p:cNvPr>
@@ -267,7 +267,7 @@
           <a:p>
             <a:fld id="{187236F5-8EDD-452F-B2B9-DF6A5B3EA871}" type="datetimeFigureOut">
               <a:rPr lang="en-GB" smtClean="0"/>
-              <a:t>02/09/2017</a:t>
+              <a:t>04/09/2017</a:t>
             </a:fld>
             <a:endParaRPr lang="en-GB"/>
           </a:p>
@@ -278,7 +278,7 @@
           <p:cNvPr id="5" name="Footer Placeholder 4">
             <a:extLst>
               <a:ext uri="{FF2B5EF4-FFF2-40B4-BE49-F238E27FC236}">
-                <a16:creationId xmlns:a16="http://schemas.microsoft.com/office/drawing/2014/main" xmlns="" id="{619E4AFF-A9B2-402C-A489-CE1E840CD16A}"/>
+                <a16:creationId xmlns="" xmlns:a16="http://schemas.microsoft.com/office/drawing/2014/main" id="{619E4AFF-A9B2-402C-A489-CE1E840CD16A}"/>
               </a:ext>
             </a:extLst>
           </p:cNvPr>
@@ -303,7 +303,7 @@
           <p:cNvPr id="6" name="Slide Number Placeholder 5">
             <a:extLst>
               <a:ext uri="{FF2B5EF4-FFF2-40B4-BE49-F238E27FC236}">
-                <a16:creationId xmlns:a16="http://schemas.microsoft.com/office/drawing/2014/main" xmlns="" id="{A5F8AC86-A48B-4313-B050-C481EE147099}"/>
+                <a16:creationId xmlns="" xmlns:a16="http://schemas.microsoft.com/office/drawing/2014/main" id="{A5F8AC86-A48B-4313-B050-C481EE147099}"/>
               </a:ext>
             </a:extLst>
           </p:cNvPr>
@@ -362,7 +362,7 @@
           <p:cNvPr id="2" name="Title 1">
             <a:extLst>
               <a:ext uri="{FF2B5EF4-FFF2-40B4-BE49-F238E27FC236}">
-                <a16:creationId xmlns:a16="http://schemas.microsoft.com/office/drawing/2014/main" xmlns="" id="{1AE8B955-C62C-4777-9F97-0127962D3E2A}"/>
+                <a16:creationId xmlns="" xmlns:a16="http://schemas.microsoft.com/office/drawing/2014/main" id="{1AE8B955-C62C-4777-9F97-0127962D3E2A}"/>
               </a:ext>
             </a:extLst>
           </p:cNvPr>
@@ -391,7 +391,7 @@
           <p:cNvPr id="3" name="Vertical Text Placeholder 2">
             <a:extLst>
               <a:ext uri="{FF2B5EF4-FFF2-40B4-BE49-F238E27FC236}">
-                <a16:creationId xmlns:a16="http://schemas.microsoft.com/office/drawing/2014/main" xmlns="" id="{4E45D8EC-7DC0-41EF-A582-30F76E5A1ED0}"/>
+                <a16:creationId xmlns="" xmlns:a16="http://schemas.microsoft.com/office/drawing/2014/main" id="{4E45D8EC-7DC0-41EF-A582-30F76E5A1ED0}"/>
               </a:ext>
             </a:extLst>
           </p:cNvPr>
@@ -449,7 +449,7 @@
           <p:cNvPr id="4" name="Date Placeholder 3">
             <a:extLst>
               <a:ext uri="{FF2B5EF4-FFF2-40B4-BE49-F238E27FC236}">
-                <a16:creationId xmlns:a16="http://schemas.microsoft.com/office/drawing/2014/main" xmlns="" id="{33F57753-66A2-4897-9647-414660619513}"/>
+                <a16:creationId xmlns="" xmlns:a16="http://schemas.microsoft.com/office/drawing/2014/main" id="{33F57753-66A2-4897-9647-414660619513}"/>
               </a:ext>
             </a:extLst>
           </p:cNvPr>
@@ -467,7 +467,7 @@
           <a:p>
             <a:fld id="{187236F5-8EDD-452F-B2B9-DF6A5B3EA871}" type="datetimeFigureOut">
               <a:rPr lang="en-GB" smtClean="0"/>
-              <a:t>02/09/2017</a:t>
+              <a:t>04/09/2017</a:t>
             </a:fld>
             <a:endParaRPr lang="en-GB"/>
           </a:p>
@@ -478,7 +478,7 @@
           <p:cNvPr id="5" name="Footer Placeholder 4">
             <a:extLst>
               <a:ext uri="{FF2B5EF4-FFF2-40B4-BE49-F238E27FC236}">
-                <a16:creationId xmlns:a16="http://schemas.microsoft.com/office/drawing/2014/main" xmlns="" id="{D68C23A1-3518-4B55-B013-2125BD69DE73}"/>
+                <a16:creationId xmlns="" xmlns:a16="http://schemas.microsoft.com/office/drawing/2014/main" id="{D68C23A1-3518-4B55-B013-2125BD69DE73}"/>
               </a:ext>
             </a:extLst>
           </p:cNvPr>
@@ -503,7 +503,7 @@
           <p:cNvPr id="6" name="Slide Number Placeholder 5">
             <a:extLst>
               <a:ext uri="{FF2B5EF4-FFF2-40B4-BE49-F238E27FC236}">
-                <a16:creationId xmlns:a16="http://schemas.microsoft.com/office/drawing/2014/main" xmlns="" id="{68041DFD-35E5-41DA-A143-1265F9B7858F}"/>
+                <a16:creationId xmlns="" xmlns:a16="http://schemas.microsoft.com/office/drawing/2014/main" id="{68041DFD-35E5-41DA-A143-1265F9B7858F}"/>
               </a:ext>
             </a:extLst>
           </p:cNvPr>
@@ -562,7 +562,7 @@
           <p:cNvPr id="2" name="Vertical Title 1">
             <a:extLst>
               <a:ext uri="{FF2B5EF4-FFF2-40B4-BE49-F238E27FC236}">
-                <a16:creationId xmlns:a16="http://schemas.microsoft.com/office/drawing/2014/main" xmlns="" id="{5A793D99-0113-412B-9563-00E03E81F503}"/>
+                <a16:creationId xmlns="" xmlns:a16="http://schemas.microsoft.com/office/drawing/2014/main" id="{5A793D99-0113-412B-9563-00E03E81F503}"/>
               </a:ext>
             </a:extLst>
           </p:cNvPr>
@@ -596,7 +596,7 @@
           <p:cNvPr id="3" name="Vertical Text Placeholder 2">
             <a:extLst>
               <a:ext uri="{FF2B5EF4-FFF2-40B4-BE49-F238E27FC236}">
-                <a16:creationId xmlns:a16="http://schemas.microsoft.com/office/drawing/2014/main" xmlns="" id="{81885F29-A264-4116-86EA-A5CB428456DC}"/>
+                <a16:creationId xmlns="" xmlns:a16="http://schemas.microsoft.com/office/drawing/2014/main" id="{81885F29-A264-4116-86EA-A5CB428456DC}"/>
               </a:ext>
             </a:extLst>
           </p:cNvPr>
@@ -659,7 +659,7 @@
           <p:cNvPr id="4" name="Date Placeholder 3">
             <a:extLst>
               <a:ext uri="{FF2B5EF4-FFF2-40B4-BE49-F238E27FC236}">
-                <a16:creationId xmlns:a16="http://schemas.microsoft.com/office/drawing/2014/main" xmlns="" id="{DFB85925-CC98-4C16-B730-D3CB7D644310}"/>
+                <a16:creationId xmlns="" xmlns:a16="http://schemas.microsoft.com/office/drawing/2014/main" id="{DFB85925-CC98-4C16-B730-D3CB7D644310}"/>
               </a:ext>
             </a:extLst>
           </p:cNvPr>
@@ -677,7 +677,7 @@
           <a:p>
             <a:fld id="{187236F5-8EDD-452F-B2B9-DF6A5B3EA871}" type="datetimeFigureOut">
               <a:rPr lang="en-GB" smtClean="0"/>
-              <a:t>02/09/2017</a:t>
+              <a:t>04/09/2017</a:t>
             </a:fld>
             <a:endParaRPr lang="en-GB"/>
           </a:p>
@@ -688,7 +688,7 @@
           <p:cNvPr id="5" name="Footer Placeholder 4">
             <a:extLst>
               <a:ext uri="{FF2B5EF4-FFF2-40B4-BE49-F238E27FC236}">
-                <a16:creationId xmlns:a16="http://schemas.microsoft.com/office/drawing/2014/main" xmlns="" id="{A07FD04E-7054-4DF4-94B7-A440CC084BD1}"/>
+                <a16:creationId xmlns="" xmlns:a16="http://schemas.microsoft.com/office/drawing/2014/main" id="{A07FD04E-7054-4DF4-94B7-A440CC084BD1}"/>
               </a:ext>
             </a:extLst>
           </p:cNvPr>
@@ -713,7 +713,7 @@
           <p:cNvPr id="6" name="Slide Number Placeholder 5">
             <a:extLst>
               <a:ext uri="{FF2B5EF4-FFF2-40B4-BE49-F238E27FC236}">
-                <a16:creationId xmlns:a16="http://schemas.microsoft.com/office/drawing/2014/main" xmlns="" id="{42154541-0BA7-4DCA-92EC-A49D0F4DC7CF}"/>
+                <a16:creationId xmlns="" xmlns:a16="http://schemas.microsoft.com/office/drawing/2014/main" id="{42154541-0BA7-4DCA-92EC-A49D0F4DC7CF}"/>
               </a:ext>
             </a:extLst>
           </p:cNvPr>
@@ -772,7 +772,7 @@
           <p:cNvPr id="2" name="Title 1">
             <a:extLst>
               <a:ext uri="{FF2B5EF4-FFF2-40B4-BE49-F238E27FC236}">
-                <a16:creationId xmlns:a16="http://schemas.microsoft.com/office/drawing/2014/main" xmlns="" id="{19E90085-19A7-47C3-BFD0-6C8F86710BEE}"/>
+                <a16:creationId xmlns="" xmlns:a16="http://schemas.microsoft.com/office/drawing/2014/main" id="{19E90085-19A7-47C3-BFD0-6C8F86710BEE}"/>
               </a:ext>
             </a:extLst>
           </p:cNvPr>
@@ -801,7 +801,7 @@
           <p:cNvPr id="3" name="Content Placeholder 2">
             <a:extLst>
               <a:ext uri="{FF2B5EF4-FFF2-40B4-BE49-F238E27FC236}">
-                <a16:creationId xmlns:a16="http://schemas.microsoft.com/office/drawing/2014/main" xmlns="" id="{7DA13392-3E9F-47D2-8078-8465BCB46445}"/>
+                <a16:creationId xmlns="" xmlns:a16="http://schemas.microsoft.com/office/drawing/2014/main" id="{7DA13392-3E9F-47D2-8078-8465BCB46445}"/>
               </a:ext>
             </a:extLst>
           </p:cNvPr>
@@ -859,7 +859,7 @@
           <p:cNvPr id="4" name="Date Placeholder 3">
             <a:extLst>
               <a:ext uri="{FF2B5EF4-FFF2-40B4-BE49-F238E27FC236}">
-                <a16:creationId xmlns:a16="http://schemas.microsoft.com/office/drawing/2014/main" xmlns="" id="{855F4718-B8FE-4BEF-8F04-16A89E8033F2}"/>
+                <a16:creationId xmlns="" xmlns:a16="http://schemas.microsoft.com/office/drawing/2014/main" id="{855F4718-B8FE-4BEF-8F04-16A89E8033F2}"/>
               </a:ext>
             </a:extLst>
           </p:cNvPr>
@@ -877,7 +877,7 @@
           <a:p>
             <a:fld id="{187236F5-8EDD-452F-B2B9-DF6A5B3EA871}" type="datetimeFigureOut">
               <a:rPr lang="en-GB" smtClean="0"/>
-              <a:t>02/09/2017</a:t>
+              <a:t>04/09/2017</a:t>
             </a:fld>
             <a:endParaRPr lang="en-GB"/>
           </a:p>
@@ -888,7 +888,7 @@
           <p:cNvPr id="5" name="Footer Placeholder 4">
             <a:extLst>
               <a:ext uri="{FF2B5EF4-FFF2-40B4-BE49-F238E27FC236}">
-                <a16:creationId xmlns:a16="http://schemas.microsoft.com/office/drawing/2014/main" xmlns="" id="{5721535D-03BD-45EA-9CA3-F6F8AEA59ECB}"/>
+                <a16:creationId xmlns="" xmlns:a16="http://schemas.microsoft.com/office/drawing/2014/main" id="{5721535D-03BD-45EA-9CA3-F6F8AEA59ECB}"/>
               </a:ext>
             </a:extLst>
           </p:cNvPr>
@@ -913,7 +913,7 @@
           <p:cNvPr id="6" name="Slide Number Placeholder 5">
             <a:extLst>
               <a:ext uri="{FF2B5EF4-FFF2-40B4-BE49-F238E27FC236}">
-                <a16:creationId xmlns:a16="http://schemas.microsoft.com/office/drawing/2014/main" xmlns="" id="{DD1A4F9E-F4E9-435C-898B-FA634C97C056}"/>
+                <a16:creationId xmlns="" xmlns:a16="http://schemas.microsoft.com/office/drawing/2014/main" id="{DD1A4F9E-F4E9-435C-898B-FA634C97C056}"/>
               </a:ext>
             </a:extLst>
           </p:cNvPr>
@@ -972,7 +972,7 @@
           <p:cNvPr id="2" name="Title 1">
             <a:extLst>
               <a:ext uri="{FF2B5EF4-FFF2-40B4-BE49-F238E27FC236}">
-                <a16:creationId xmlns:a16="http://schemas.microsoft.com/office/drawing/2014/main" xmlns="" id="{ED0F5AC6-C4FF-46CC-B1B8-E61D8EDDDD7D}"/>
+                <a16:creationId xmlns="" xmlns:a16="http://schemas.microsoft.com/office/drawing/2014/main" id="{ED0F5AC6-C4FF-46CC-B1B8-E61D8EDDDD7D}"/>
               </a:ext>
             </a:extLst>
           </p:cNvPr>
@@ -1010,7 +1010,7 @@
           <p:cNvPr id="3" name="Text Placeholder 2">
             <a:extLst>
               <a:ext uri="{FF2B5EF4-FFF2-40B4-BE49-F238E27FC236}">
-                <a16:creationId xmlns:a16="http://schemas.microsoft.com/office/drawing/2014/main" xmlns="" id="{D1C772F3-B46D-4206-9F83-B9AE137BED7D}"/>
+                <a16:creationId xmlns="" xmlns:a16="http://schemas.microsoft.com/office/drawing/2014/main" id="{D1C772F3-B46D-4206-9F83-B9AE137BED7D}"/>
               </a:ext>
             </a:extLst>
           </p:cNvPr>
@@ -1135,7 +1135,7 @@
           <p:cNvPr id="4" name="Date Placeholder 3">
             <a:extLst>
               <a:ext uri="{FF2B5EF4-FFF2-40B4-BE49-F238E27FC236}">
-                <a16:creationId xmlns:a16="http://schemas.microsoft.com/office/drawing/2014/main" xmlns="" id="{99A4C995-C1D9-4CEE-AFD4-1B202571D3C9}"/>
+                <a16:creationId xmlns="" xmlns:a16="http://schemas.microsoft.com/office/drawing/2014/main" id="{99A4C995-C1D9-4CEE-AFD4-1B202571D3C9}"/>
               </a:ext>
             </a:extLst>
           </p:cNvPr>
@@ -1153,7 +1153,7 @@
           <a:p>
             <a:fld id="{187236F5-8EDD-452F-B2B9-DF6A5B3EA871}" type="datetimeFigureOut">
               <a:rPr lang="en-GB" smtClean="0"/>
-              <a:t>02/09/2017</a:t>
+              <a:t>04/09/2017</a:t>
             </a:fld>
             <a:endParaRPr lang="en-GB"/>
           </a:p>
@@ -1164,7 +1164,7 @@
           <p:cNvPr id="5" name="Footer Placeholder 4">
             <a:extLst>
               <a:ext uri="{FF2B5EF4-FFF2-40B4-BE49-F238E27FC236}">
-                <a16:creationId xmlns:a16="http://schemas.microsoft.com/office/drawing/2014/main" xmlns="" id="{856309E5-9839-4808-8FEF-6C483B2857C5}"/>
+                <a16:creationId xmlns="" xmlns:a16="http://schemas.microsoft.com/office/drawing/2014/main" id="{856309E5-9839-4808-8FEF-6C483B2857C5}"/>
               </a:ext>
             </a:extLst>
           </p:cNvPr>
@@ -1189,7 +1189,7 @@
           <p:cNvPr id="6" name="Slide Number Placeholder 5">
             <a:extLst>
               <a:ext uri="{FF2B5EF4-FFF2-40B4-BE49-F238E27FC236}">
-                <a16:creationId xmlns:a16="http://schemas.microsoft.com/office/drawing/2014/main" xmlns="" id="{A9E28372-FEAC-4C16-BBDB-F86B5E85053C}"/>
+                <a16:creationId xmlns="" xmlns:a16="http://schemas.microsoft.com/office/drawing/2014/main" id="{A9E28372-FEAC-4C16-BBDB-F86B5E85053C}"/>
               </a:ext>
             </a:extLst>
           </p:cNvPr>
@@ -1248,7 +1248,7 @@
           <p:cNvPr id="2" name="Title 1">
             <a:extLst>
               <a:ext uri="{FF2B5EF4-FFF2-40B4-BE49-F238E27FC236}">
-                <a16:creationId xmlns:a16="http://schemas.microsoft.com/office/drawing/2014/main" xmlns="" id="{2BD83234-31EE-45CD-BC6A-BCE2C8F28E4B}"/>
+                <a16:creationId xmlns="" xmlns:a16="http://schemas.microsoft.com/office/drawing/2014/main" id="{2BD83234-31EE-45CD-BC6A-BCE2C8F28E4B}"/>
               </a:ext>
             </a:extLst>
           </p:cNvPr>
@@ -1277,7 +1277,7 @@
           <p:cNvPr id="3" name="Content Placeholder 2">
             <a:extLst>
               <a:ext uri="{FF2B5EF4-FFF2-40B4-BE49-F238E27FC236}">
-                <a16:creationId xmlns:a16="http://schemas.microsoft.com/office/drawing/2014/main" xmlns="" id="{704294B2-B6B1-4995-8F95-299375D04569}"/>
+                <a16:creationId xmlns="" xmlns:a16="http://schemas.microsoft.com/office/drawing/2014/main" id="{704294B2-B6B1-4995-8F95-299375D04569}"/>
               </a:ext>
             </a:extLst>
           </p:cNvPr>
@@ -1340,7 +1340,7 @@
           <p:cNvPr id="4" name="Content Placeholder 3">
             <a:extLst>
               <a:ext uri="{FF2B5EF4-FFF2-40B4-BE49-F238E27FC236}">
-                <a16:creationId xmlns:a16="http://schemas.microsoft.com/office/drawing/2014/main" xmlns="" id="{73D62AEC-F99F-4753-A3CB-C8FE019E48F2}"/>
+                <a16:creationId xmlns="" xmlns:a16="http://schemas.microsoft.com/office/drawing/2014/main" id="{73D62AEC-F99F-4753-A3CB-C8FE019E48F2}"/>
               </a:ext>
             </a:extLst>
           </p:cNvPr>
@@ -1403,7 +1403,7 @@
           <p:cNvPr id="5" name="Date Placeholder 4">
             <a:extLst>
               <a:ext uri="{FF2B5EF4-FFF2-40B4-BE49-F238E27FC236}">
-                <a16:creationId xmlns:a16="http://schemas.microsoft.com/office/drawing/2014/main" xmlns="" id="{54F291EB-50AF-4981-925B-11CCFBF2E6A6}"/>
+                <a16:creationId xmlns="" xmlns:a16="http://schemas.microsoft.com/office/drawing/2014/main" id="{54F291EB-50AF-4981-925B-11CCFBF2E6A6}"/>
               </a:ext>
             </a:extLst>
           </p:cNvPr>
@@ -1421,7 +1421,7 @@
           <a:p>
             <a:fld id="{187236F5-8EDD-452F-B2B9-DF6A5B3EA871}" type="datetimeFigureOut">
               <a:rPr lang="en-GB" smtClean="0"/>
-              <a:t>02/09/2017</a:t>
+              <a:t>04/09/2017</a:t>
             </a:fld>
             <a:endParaRPr lang="en-GB"/>
           </a:p>
@@ -1432,7 +1432,7 @@
           <p:cNvPr id="6" name="Footer Placeholder 5">
             <a:extLst>
               <a:ext uri="{FF2B5EF4-FFF2-40B4-BE49-F238E27FC236}">
-                <a16:creationId xmlns:a16="http://schemas.microsoft.com/office/drawing/2014/main" xmlns="" id="{26C49041-751B-4C4A-932B-FC629AFF02F8}"/>
+                <a16:creationId xmlns="" xmlns:a16="http://schemas.microsoft.com/office/drawing/2014/main" id="{26C49041-751B-4C4A-932B-FC629AFF02F8}"/>
               </a:ext>
             </a:extLst>
           </p:cNvPr>
@@ -1457,7 +1457,7 @@
           <p:cNvPr id="7" name="Slide Number Placeholder 6">
             <a:extLst>
               <a:ext uri="{FF2B5EF4-FFF2-40B4-BE49-F238E27FC236}">
-                <a16:creationId xmlns:a16="http://schemas.microsoft.com/office/drawing/2014/main" xmlns="" id="{76D06E2A-82BF-4265-8526-3BA92AD03026}"/>
+                <a16:creationId xmlns="" xmlns:a16="http://schemas.microsoft.com/office/drawing/2014/main" id="{76D06E2A-82BF-4265-8526-3BA92AD03026}"/>
               </a:ext>
             </a:extLst>
           </p:cNvPr>
@@ -1516,7 +1516,7 @@
           <p:cNvPr id="2" name="Title 1">
             <a:extLst>
               <a:ext uri="{FF2B5EF4-FFF2-40B4-BE49-F238E27FC236}">
-                <a16:creationId xmlns:a16="http://schemas.microsoft.com/office/drawing/2014/main" xmlns="" id="{7BE51EE8-22F4-424B-B58C-735341D5B887}"/>
+                <a16:creationId xmlns="" xmlns:a16="http://schemas.microsoft.com/office/drawing/2014/main" id="{7BE51EE8-22F4-424B-B58C-735341D5B887}"/>
               </a:ext>
             </a:extLst>
           </p:cNvPr>
@@ -1550,7 +1550,7 @@
           <p:cNvPr id="3" name="Text Placeholder 2">
             <a:extLst>
               <a:ext uri="{FF2B5EF4-FFF2-40B4-BE49-F238E27FC236}">
-                <a16:creationId xmlns:a16="http://schemas.microsoft.com/office/drawing/2014/main" xmlns="" id="{8082B8F9-41F9-481F-A886-48B059F07EE4}"/>
+                <a16:creationId xmlns="" xmlns:a16="http://schemas.microsoft.com/office/drawing/2014/main" id="{8082B8F9-41F9-481F-A886-48B059F07EE4}"/>
               </a:ext>
             </a:extLst>
           </p:cNvPr>
@@ -1621,7 +1621,7 @@
           <p:cNvPr id="4" name="Content Placeholder 3">
             <a:extLst>
               <a:ext uri="{FF2B5EF4-FFF2-40B4-BE49-F238E27FC236}">
-                <a16:creationId xmlns:a16="http://schemas.microsoft.com/office/drawing/2014/main" xmlns="" id="{D30C6880-DF51-4BE0-8A8F-0DFFF92D4F3A}"/>
+                <a16:creationId xmlns="" xmlns:a16="http://schemas.microsoft.com/office/drawing/2014/main" id="{D30C6880-DF51-4BE0-8A8F-0DFFF92D4F3A}"/>
               </a:ext>
             </a:extLst>
           </p:cNvPr>
@@ -1684,7 +1684,7 @@
           <p:cNvPr id="5" name="Text Placeholder 4">
             <a:extLst>
               <a:ext uri="{FF2B5EF4-FFF2-40B4-BE49-F238E27FC236}">
-                <a16:creationId xmlns:a16="http://schemas.microsoft.com/office/drawing/2014/main" xmlns="" id="{A844033C-E2F6-4D7E-94DA-3EB8433D2B35}"/>
+                <a16:creationId xmlns="" xmlns:a16="http://schemas.microsoft.com/office/drawing/2014/main" id="{A844033C-E2F6-4D7E-94DA-3EB8433D2B35}"/>
               </a:ext>
             </a:extLst>
           </p:cNvPr>
@@ -1755,7 +1755,7 @@
           <p:cNvPr id="6" name="Content Placeholder 5">
             <a:extLst>
               <a:ext uri="{FF2B5EF4-FFF2-40B4-BE49-F238E27FC236}">
-                <a16:creationId xmlns:a16="http://schemas.microsoft.com/office/drawing/2014/main" xmlns="" id="{7F7D8E16-34FB-4E07-9570-36C12C246BC3}"/>
+                <a16:creationId xmlns="" xmlns:a16="http://schemas.microsoft.com/office/drawing/2014/main" id="{7F7D8E16-34FB-4E07-9570-36C12C246BC3}"/>
               </a:ext>
             </a:extLst>
           </p:cNvPr>
@@ -1818,7 +1818,7 @@
           <p:cNvPr id="7" name="Date Placeholder 6">
             <a:extLst>
               <a:ext uri="{FF2B5EF4-FFF2-40B4-BE49-F238E27FC236}">
-                <a16:creationId xmlns:a16="http://schemas.microsoft.com/office/drawing/2014/main" xmlns="" id="{0C7AF536-A30D-4D69-AD90-6ABD1B00536B}"/>
+                <a16:creationId xmlns="" xmlns:a16="http://schemas.microsoft.com/office/drawing/2014/main" id="{0C7AF536-A30D-4D69-AD90-6ABD1B00536B}"/>
               </a:ext>
             </a:extLst>
           </p:cNvPr>
@@ -1836,7 +1836,7 @@
           <a:p>
             <a:fld id="{187236F5-8EDD-452F-B2B9-DF6A5B3EA871}" type="datetimeFigureOut">
               <a:rPr lang="en-GB" smtClean="0"/>
-              <a:t>02/09/2017</a:t>
+              <a:t>04/09/2017</a:t>
             </a:fld>
             <a:endParaRPr lang="en-GB"/>
           </a:p>
@@ -1847,7 +1847,7 @@
           <p:cNvPr id="8" name="Footer Placeholder 7">
             <a:extLst>
               <a:ext uri="{FF2B5EF4-FFF2-40B4-BE49-F238E27FC236}">
-                <a16:creationId xmlns:a16="http://schemas.microsoft.com/office/drawing/2014/main" xmlns="" id="{2FEB79E3-F7A5-42F9-B500-4ADB2FEF25F0}"/>
+                <a16:creationId xmlns="" xmlns:a16="http://schemas.microsoft.com/office/drawing/2014/main" id="{2FEB79E3-F7A5-42F9-B500-4ADB2FEF25F0}"/>
               </a:ext>
             </a:extLst>
           </p:cNvPr>
@@ -1872,7 +1872,7 @@
           <p:cNvPr id="9" name="Slide Number Placeholder 8">
             <a:extLst>
               <a:ext uri="{FF2B5EF4-FFF2-40B4-BE49-F238E27FC236}">
-                <a16:creationId xmlns:a16="http://schemas.microsoft.com/office/drawing/2014/main" xmlns="" id="{325E87AE-722A-41D2-B3E3-C6A87698A09F}"/>
+                <a16:creationId xmlns="" xmlns:a16="http://schemas.microsoft.com/office/drawing/2014/main" id="{325E87AE-722A-41D2-B3E3-C6A87698A09F}"/>
               </a:ext>
             </a:extLst>
           </p:cNvPr>
@@ -1931,7 +1931,7 @@
           <p:cNvPr id="2" name="Title 1">
             <a:extLst>
               <a:ext uri="{FF2B5EF4-FFF2-40B4-BE49-F238E27FC236}">
-                <a16:creationId xmlns:a16="http://schemas.microsoft.com/office/drawing/2014/main" xmlns="" id="{62B161AB-59B9-4E10-B2AF-7471DC694BBC}"/>
+                <a16:creationId xmlns="" xmlns:a16="http://schemas.microsoft.com/office/drawing/2014/main" id="{62B161AB-59B9-4E10-B2AF-7471DC694BBC}"/>
               </a:ext>
             </a:extLst>
           </p:cNvPr>
@@ -1960,7 +1960,7 @@
           <p:cNvPr id="3" name="Date Placeholder 2">
             <a:extLst>
               <a:ext uri="{FF2B5EF4-FFF2-40B4-BE49-F238E27FC236}">
-                <a16:creationId xmlns:a16="http://schemas.microsoft.com/office/drawing/2014/main" xmlns="" id="{C1E188B7-80F9-46A2-BF25-8AD56A04A992}"/>
+                <a16:creationId xmlns="" xmlns:a16="http://schemas.microsoft.com/office/drawing/2014/main" id="{C1E188B7-80F9-46A2-BF25-8AD56A04A992}"/>
               </a:ext>
             </a:extLst>
           </p:cNvPr>
@@ -1978,7 +1978,7 @@
           <a:p>
             <a:fld id="{187236F5-8EDD-452F-B2B9-DF6A5B3EA871}" type="datetimeFigureOut">
               <a:rPr lang="en-GB" smtClean="0"/>
-              <a:t>02/09/2017</a:t>
+              <a:t>04/09/2017</a:t>
             </a:fld>
             <a:endParaRPr lang="en-GB"/>
           </a:p>
@@ -1989,7 +1989,7 @@
           <p:cNvPr id="4" name="Footer Placeholder 3">
             <a:extLst>
               <a:ext uri="{FF2B5EF4-FFF2-40B4-BE49-F238E27FC236}">
-                <a16:creationId xmlns:a16="http://schemas.microsoft.com/office/drawing/2014/main" xmlns="" id="{8420C53F-A56D-484C-AA74-C64A9DDF9DD7}"/>
+                <a16:creationId xmlns="" xmlns:a16="http://schemas.microsoft.com/office/drawing/2014/main" id="{8420C53F-A56D-484C-AA74-C64A9DDF9DD7}"/>
               </a:ext>
             </a:extLst>
           </p:cNvPr>
@@ -2014,7 +2014,7 @@
           <p:cNvPr id="5" name="Slide Number Placeholder 4">
             <a:extLst>
               <a:ext uri="{FF2B5EF4-FFF2-40B4-BE49-F238E27FC236}">
-                <a16:creationId xmlns:a16="http://schemas.microsoft.com/office/drawing/2014/main" xmlns="" id="{200404F9-7629-400D-9D6E-21AE45D169FC}"/>
+                <a16:creationId xmlns="" xmlns:a16="http://schemas.microsoft.com/office/drawing/2014/main" id="{200404F9-7629-400D-9D6E-21AE45D169FC}"/>
               </a:ext>
             </a:extLst>
           </p:cNvPr>
@@ -2073,7 +2073,7 @@
           <p:cNvPr id="2" name="Date Placeholder 1">
             <a:extLst>
               <a:ext uri="{FF2B5EF4-FFF2-40B4-BE49-F238E27FC236}">
-                <a16:creationId xmlns:a16="http://schemas.microsoft.com/office/drawing/2014/main" xmlns="" id="{A914868B-5396-437F-9E5C-620A8A71A33C}"/>
+                <a16:creationId xmlns="" xmlns:a16="http://schemas.microsoft.com/office/drawing/2014/main" id="{A914868B-5396-437F-9E5C-620A8A71A33C}"/>
               </a:ext>
             </a:extLst>
           </p:cNvPr>
@@ -2091,7 +2091,7 @@
           <a:p>
             <a:fld id="{187236F5-8EDD-452F-B2B9-DF6A5B3EA871}" type="datetimeFigureOut">
               <a:rPr lang="en-GB" smtClean="0"/>
-              <a:t>02/09/2017</a:t>
+              <a:t>04/09/2017</a:t>
             </a:fld>
             <a:endParaRPr lang="en-GB"/>
           </a:p>
@@ -2102,7 +2102,7 @@
           <p:cNvPr id="3" name="Footer Placeholder 2">
             <a:extLst>
               <a:ext uri="{FF2B5EF4-FFF2-40B4-BE49-F238E27FC236}">
-                <a16:creationId xmlns:a16="http://schemas.microsoft.com/office/drawing/2014/main" xmlns="" id="{7F355B25-BA69-4C04-9384-40F392FCC7E1}"/>
+                <a16:creationId xmlns="" xmlns:a16="http://schemas.microsoft.com/office/drawing/2014/main" id="{7F355B25-BA69-4C04-9384-40F392FCC7E1}"/>
               </a:ext>
             </a:extLst>
           </p:cNvPr>
@@ -2127,7 +2127,7 @@
           <p:cNvPr id="4" name="Slide Number Placeholder 3">
             <a:extLst>
               <a:ext uri="{FF2B5EF4-FFF2-40B4-BE49-F238E27FC236}">
-                <a16:creationId xmlns:a16="http://schemas.microsoft.com/office/drawing/2014/main" xmlns="" id="{A98A8500-6DA0-418D-A909-50F51081C706}"/>
+                <a16:creationId xmlns="" xmlns:a16="http://schemas.microsoft.com/office/drawing/2014/main" id="{A98A8500-6DA0-418D-A909-50F51081C706}"/>
               </a:ext>
             </a:extLst>
           </p:cNvPr>
@@ -2186,7 +2186,7 @@
           <p:cNvPr id="2" name="Title 1">
             <a:extLst>
               <a:ext uri="{FF2B5EF4-FFF2-40B4-BE49-F238E27FC236}">
-                <a16:creationId xmlns:a16="http://schemas.microsoft.com/office/drawing/2014/main" xmlns="" id="{3CD011CE-609B-4185-A7B1-E577E44FF559}"/>
+                <a16:creationId xmlns="" xmlns:a16="http://schemas.microsoft.com/office/drawing/2014/main" id="{3CD011CE-609B-4185-A7B1-E577E44FF559}"/>
               </a:ext>
             </a:extLst>
           </p:cNvPr>
@@ -2224,7 +2224,7 @@
           <p:cNvPr id="3" name="Content Placeholder 2">
             <a:extLst>
               <a:ext uri="{FF2B5EF4-FFF2-40B4-BE49-F238E27FC236}">
-                <a16:creationId xmlns:a16="http://schemas.microsoft.com/office/drawing/2014/main" xmlns="" id="{3B30142D-7524-4230-A010-F0E35B94CB8F}"/>
+                <a16:creationId xmlns="" xmlns:a16="http://schemas.microsoft.com/office/drawing/2014/main" id="{3B30142D-7524-4230-A010-F0E35B94CB8F}"/>
               </a:ext>
             </a:extLst>
           </p:cNvPr>
@@ -2315,7 +2315,7 @@
           <p:cNvPr id="4" name="Text Placeholder 3">
             <a:extLst>
               <a:ext uri="{FF2B5EF4-FFF2-40B4-BE49-F238E27FC236}">
-                <a16:creationId xmlns:a16="http://schemas.microsoft.com/office/drawing/2014/main" xmlns="" id="{DE86CA7A-3B8A-413C-8721-14E414AA181C}"/>
+                <a16:creationId xmlns="" xmlns:a16="http://schemas.microsoft.com/office/drawing/2014/main" id="{DE86CA7A-3B8A-413C-8721-14E414AA181C}"/>
               </a:ext>
             </a:extLst>
           </p:cNvPr>
@@ -2386,7 +2386,7 @@
           <p:cNvPr id="5" name="Date Placeholder 4">
             <a:extLst>
               <a:ext uri="{FF2B5EF4-FFF2-40B4-BE49-F238E27FC236}">
-                <a16:creationId xmlns:a16="http://schemas.microsoft.com/office/drawing/2014/main" xmlns="" id="{9C7F2E51-532D-45E3-A2DF-160398ED6E2A}"/>
+                <a16:creationId xmlns="" xmlns:a16="http://schemas.microsoft.com/office/drawing/2014/main" id="{9C7F2E51-532D-45E3-A2DF-160398ED6E2A}"/>
               </a:ext>
             </a:extLst>
           </p:cNvPr>
@@ -2404,7 +2404,7 @@
           <a:p>
             <a:fld id="{187236F5-8EDD-452F-B2B9-DF6A5B3EA871}" type="datetimeFigureOut">
               <a:rPr lang="en-GB" smtClean="0"/>
-              <a:t>02/09/2017</a:t>
+              <a:t>04/09/2017</a:t>
             </a:fld>
             <a:endParaRPr lang="en-GB"/>
           </a:p>
@@ -2415,7 +2415,7 @@
           <p:cNvPr id="6" name="Footer Placeholder 5">
             <a:extLst>
               <a:ext uri="{FF2B5EF4-FFF2-40B4-BE49-F238E27FC236}">
-                <a16:creationId xmlns:a16="http://schemas.microsoft.com/office/drawing/2014/main" xmlns="" id="{B5F8F62C-887C-40C4-BB52-84000EC318AC}"/>
+                <a16:creationId xmlns="" xmlns:a16="http://schemas.microsoft.com/office/drawing/2014/main" id="{B5F8F62C-887C-40C4-BB52-84000EC318AC}"/>
               </a:ext>
             </a:extLst>
           </p:cNvPr>
@@ -2440,7 +2440,7 @@
           <p:cNvPr id="7" name="Slide Number Placeholder 6">
             <a:extLst>
               <a:ext uri="{FF2B5EF4-FFF2-40B4-BE49-F238E27FC236}">
-                <a16:creationId xmlns:a16="http://schemas.microsoft.com/office/drawing/2014/main" xmlns="" id="{4AC46F4A-726D-46E2-AEAC-15C56222193D}"/>
+                <a16:creationId xmlns="" xmlns:a16="http://schemas.microsoft.com/office/drawing/2014/main" id="{4AC46F4A-726D-46E2-AEAC-15C56222193D}"/>
               </a:ext>
             </a:extLst>
           </p:cNvPr>
@@ -2499,7 +2499,7 @@
           <p:cNvPr id="2" name="Title 1">
             <a:extLst>
               <a:ext uri="{FF2B5EF4-FFF2-40B4-BE49-F238E27FC236}">
-                <a16:creationId xmlns:a16="http://schemas.microsoft.com/office/drawing/2014/main" xmlns="" id="{68956579-D66B-4156-B785-8328196D4375}"/>
+                <a16:creationId xmlns="" xmlns:a16="http://schemas.microsoft.com/office/drawing/2014/main" id="{68956579-D66B-4156-B785-8328196D4375}"/>
               </a:ext>
             </a:extLst>
           </p:cNvPr>
@@ -2537,7 +2537,7 @@
           <p:cNvPr id="3" name="Picture Placeholder 2">
             <a:extLst>
               <a:ext uri="{FF2B5EF4-FFF2-40B4-BE49-F238E27FC236}">
-                <a16:creationId xmlns:a16="http://schemas.microsoft.com/office/drawing/2014/main" xmlns="" id="{043FF339-7CBA-4C43-ABF4-957A26C0D6A1}"/>
+                <a16:creationId xmlns="" xmlns:a16="http://schemas.microsoft.com/office/drawing/2014/main" id="{043FF339-7CBA-4C43-ABF4-957A26C0D6A1}"/>
               </a:ext>
             </a:extLst>
           </p:cNvPr>
@@ -2604,7 +2604,7 @@
           <p:cNvPr id="4" name="Text Placeholder 3">
             <a:extLst>
               <a:ext uri="{FF2B5EF4-FFF2-40B4-BE49-F238E27FC236}">
-                <a16:creationId xmlns:a16="http://schemas.microsoft.com/office/drawing/2014/main" xmlns="" id="{B36349AC-9ADB-47A4-8913-EB782668EEA5}"/>
+                <a16:creationId xmlns="" xmlns:a16="http://schemas.microsoft.com/office/drawing/2014/main" id="{B36349AC-9ADB-47A4-8913-EB782668EEA5}"/>
               </a:ext>
             </a:extLst>
           </p:cNvPr>
@@ -2675,7 +2675,7 @@
           <p:cNvPr id="5" name="Date Placeholder 4">
             <a:extLst>
               <a:ext uri="{FF2B5EF4-FFF2-40B4-BE49-F238E27FC236}">
-                <a16:creationId xmlns:a16="http://schemas.microsoft.com/office/drawing/2014/main" xmlns="" id="{0AAD3D7D-E4F0-415C-9543-0D4F47C676A8}"/>
+                <a16:creationId xmlns="" xmlns:a16="http://schemas.microsoft.com/office/drawing/2014/main" id="{0AAD3D7D-E4F0-415C-9543-0D4F47C676A8}"/>
               </a:ext>
             </a:extLst>
           </p:cNvPr>
@@ -2693,7 +2693,7 @@
           <a:p>
             <a:fld id="{187236F5-8EDD-452F-B2B9-DF6A5B3EA871}" type="datetimeFigureOut">
               <a:rPr lang="en-GB" smtClean="0"/>
-              <a:t>02/09/2017</a:t>
+              <a:t>04/09/2017</a:t>
             </a:fld>
             <a:endParaRPr lang="en-GB"/>
           </a:p>
@@ -2704,7 +2704,7 @@
           <p:cNvPr id="6" name="Footer Placeholder 5">
             <a:extLst>
               <a:ext uri="{FF2B5EF4-FFF2-40B4-BE49-F238E27FC236}">
-                <a16:creationId xmlns:a16="http://schemas.microsoft.com/office/drawing/2014/main" xmlns="" id="{E6D0231E-66C7-42D0-BAD7-A99E0373CCD5}"/>
+                <a16:creationId xmlns="" xmlns:a16="http://schemas.microsoft.com/office/drawing/2014/main" id="{E6D0231E-66C7-42D0-BAD7-A99E0373CCD5}"/>
               </a:ext>
             </a:extLst>
           </p:cNvPr>
@@ -2729,7 +2729,7 @@
           <p:cNvPr id="7" name="Slide Number Placeholder 6">
             <a:extLst>
               <a:ext uri="{FF2B5EF4-FFF2-40B4-BE49-F238E27FC236}">
-                <a16:creationId xmlns:a16="http://schemas.microsoft.com/office/drawing/2014/main" xmlns="" id="{33440CCF-D719-4BCE-A229-BB113A53F138}"/>
+                <a16:creationId xmlns="" xmlns:a16="http://schemas.microsoft.com/office/drawing/2014/main" id="{33440CCF-D719-4BCE-A229-BB113A53F138}"/>
               </a:ext>
             </a:extLst>
           </p:cNvPr>
@@ -2793,7 +2793,7 @@
           <p:cNvPr id="2" name="Title Placeholder 1">
             <a:extLst>
               <a:ext uri="{FF2B5EF4-FFF2-40B4-BE49-F238E27FC236}">
-                <a16:creationId xmlns:a16="http://schemas.microsoft.com/office/drawing/2014/main" xmlns="" id="{F41775E8-7264-43D6-80D6-62459F128192}"/>
+                <a16:creationId xmlns="" xmlns:a16="http://schemas.microsoft.com/office/drawing/2014/main" id="{F41775E8-7264-43D6-80D6-62459F128192}"/>
               </a:ext>
             </a:extLst>
           </p:cNvPr>
@@ -2832,7 +2832,7 @@
           <p:cNvPr id="3" name="Text Placeholder 2">
             <a:extLst>
               <a:ext uri="{FF2B5EF4-FFF2-40B4-BE49-F238E27FC236}">
-                <a16:creationId xmlns:a16="http://schemas.microsoft.com/office/drawing/2014/main" xmlns="" id="{3FB8C3AE-0B96-4ACF-8DBF-DB40EEF65213}"/>
+                <a16:creationId xmlns="" xmlns:a16="http://schemas.microsoft.com/office/drawing/2014/main" id="{3FB8C3AE-0B96-4ACF-8DBF-DB40EEF65213}"/>
               </a:ext>
             </a:extLst>
           </p:cNvPr>
@@ -2900,7 +2900,7 @@
           <p:cNvPr id="4" name="Date Placeholder 3">
             <a:extLst>
               <a:ext uri="{FF2B5EF4-FFF2-40B4-BE49-F238E27FC236}">
-                <a16:creationId xmlns:a16="http://schemas.microsoft.com/office/drawing/2014/main" xmlns="" id="{5343DA76-671F-4C9E-8861-85F90B8A448E}"/>
+                <a16:creationId xmlns="" xmlns:a16="http://schemas.microsoft.com/office/drawing/2014/main" id="{5343DA76-671F-4C9E-8861-85F90B8A448E}"/>
               </a:ext>
             </a:extLst>
           </p:cNvPr>
@@ -2936,7 +2936,7 @@
           <a:p>
             <a:fld id="{187236F5-8EDD-452F-B2B9-DF6A5B3EA871}" type="datetimeFigureOut">
               <a:rPr lang="en-GB" smtClean="0"/>
-              <a:t>02/09/2017</a:t>
+              <a:t>04/09/2017</a:t>
             </a:fld>
             <a:endParaRPr lang="en-GB"/>
           </a:p>
@@ -2947,7 +2947,7 @@
           <p:cNvPr id="5" name="Footer Placeholder 4">
             <a:extLst>
               <a:ext uri="{FF2B5EF4-FFF2-40B4-BE49-F238E27FC236}">
-                <a16:creationId xmlns:a16="http://schemas.microsoft.com/office/drawing/2014/main" xmlns="" id="{5D5A8C18-250A-4990-98B3-AAA92754156B}"/>
+                <a16:creationId xmlns="" xmlns:a16="http://schemas.microsoft.com/office/drawing/2014/main" id="{5D5A8C18-250A-4990-98B3-AAA92754156B}"/>
               </a:ext>
             </a:extLst>
           </p:cNvPr>
@@ -2990,7 +2990,7 @@
           <p:cNvPr id="6" name="Slide Number Placeholder 5">
             <a:extLst>
               <a:ext uri="{FF2B5EF4-FFF2-40B4-BE49-F238E27FC236}">
-                <a16:creationId xmlns:a16="http://schemas.microsoft.com/office/drawing/2014/main" xmlns="" id="{B1EB9289-A6E8-4B43-9025-C94546D78925}"/>
+                <a16:creationId xmlns="" xmlns:a16="http://schemas.microsoft.com/office/drawing/2014/main" id="{B1EB9289-A6E8-4B43-9025-C94546D78925}"/>
               </a:ext>
             </a:extLst>
           </p:cNvPr>
@@ -3358,7 +3358,7 @@
           <p:cNvPr id="16" name="Rectangle 15">
             <a:extLst>
               <a:ext uri="{FF2B5EF4-FFF2-40B4-BE49-F238E27FC236}">
-                <a16:creationId xmlns:a16="http://schemas.microsoft.com/office/drawing/2014/main" xmlns="" id="{6AD9D01B-0C3A-4335-8511-9E6E85987F54}"/>
+                <a16:creationId xmlns="" xmlns:a16="http://schemas.microsoft.com/office/drawing/2014/main" id="{6AD9D01B-0C3A-4335-8511-9E6E85987F54}"/>
               </a:ext>
             </a:extLst>
           </p:cNvPr>
@@ -3394,7 +3394,7 @@
           <a:p>
             <a:r>
               <a:rPr lang="en-GB" dirty="0" err="1" smtClean="0"/>
-              <a:t>incode-quickstart</a:t>
+              <a:t>quickstart</a:t>
             </a:r>
             <a:endParaRPr lang="en-GB" dirty="0"/>
           </a:p>
@@ -3405,7 +3405,7 @@
           <p:cNvPr id="4" name="Rectangle 3">
             <a:extLst>
               <a:ext uri="{FF2B5EF4-FFF2-40B4-BE49-F238E27FC236}">
-                <a16:creationId xmlns:a16="http://schemas.microsoft.com/office/drawing/2014/main" xmlns="" id="{69906B7B-9CED-4534-985F-1D44228CFBCA}"/>
+                <a16:creationId xmlns="" xmlns:a16="http://schemas.microsoft.com/office/drawing/2014/main" id="{69906B7B-9CED-4534-985F-1D44228CFBCA}"/>
               </a:ext>
             </a:extLst>
           </p:cNvPr>
@@ -3444,22 +3444,21 @@
             <a:pPr algn="ctr"/>
             <a:r>
               <a:rPr lang="en-GB" dirty="0" err="1" smtClean="0"/>
-              <a:t>incode-quickstart</a:t>
+              <a:t>quickstart</a:t>
             </a:r>
             <a:r>
               <a:rPr lang="en-GB" dirty="0" smtClean="0"/>
               <a:t>-</a:t>
             </a:r>
+            <a:br>
+              <a:rPr lang="en-GB" dirty="0" smtClean="0"/>
+            </a:br>
+            <a:r>
+              <a:rPr lang="en-GB" dirty="0" err="1" smtClean="0"/>
+              <a:t>appdefn</a:t>
+            </a:r>
             <a:endParaRPr lang="en-GB" dirty="0"/>
           </a:p>
-          <a:p>
-            <a:pPr algn="ctr"/>
-            <a:r>
-              <a:rPr lang="en-GB" dirty="0" err="1"/>
-              <a:t>appdefn</a:t>
-            </a:r>
-            <a:endParaRPr lang="en-GB" dirty="0"/>
-          </a:p>
         </p:txBody>
       </p:sp>
       <p:sp>
@@ -3467,7 +3466,7 @@
           <p:cNvPr id="14" name="Rectangle 13">
             <a:extLst>
               <a:ext uri="{FF2B5EF4-FFF2-40B4-BE49-F238E27FC236}">
-                <a16:creationId xmlns:a16="http://schemas.microsoft.com/office/drawing/2014/main" xmlns="" id="{960C9FCA-57C7-4E79-891E-523602F7DC61}"/>
+                <a16:creationId xmlns="" xmlns:a16="http://schemas.microsoft.com/office/drawing/2014/main" id="{960C9FCA-57C7-4E79-891E-523602F7DC61}"/>
               </a:ext>
             </a:extLst>
           </p:cNvPr>
@@ -3506,21 +3505,21 @@
             <a:pPr algn="ctr"/>
             <a:r>
               <a:rPr lang="en-GB" dirty="0" err="1" smtClean="0"/>
-              <a:t>incode-quickstart</a:t>
+              <a:t>quickstart</a:t>
             </a:r>
             <a:r>
               <a:rPr lang="en-GB" dirty="0" smtClean="0"/>
               <a:t>-</a:t>
             </a:r>
+            <a:br>
+              <a:rPr lang="en-GB" dirty="0" smtClean="0"/>
+            </a:br>
+            <a:r>
+              <a:rPr lang="en-GB" dirty="0" smtClean="0"/>
+              <a:t>module-simple</a:t>
+            </a:r>
             <a:endParaRPr lang="en-GB" dirty="0"/>
           </a:p>
-          <a:p>
-            <a:pPr algn="ctr"/>
-            <a:r>
-              <a:rPr lang="en-GB" dirty="0"/>
-              <a:t>module-simple</a:t>
-            </a:r>
-          </a:p>
         </p:txBody>
       </p:sp>
       <p:sp>
@@ -3528,7 +3527,7 @@
           <p:cNvPr id="15" name="Rectangle 14">
             <a:extLst>
               <a:ext uri="{FF2B5EF4-FFF2-40B4-BE49-F238E27FC236}">
-                <a16:creationId xmlns:a16="http://schemas.microsoft.com/office/drawing/2014/main" xmlns="" id="{6F667E87-8FD6-46A5-A43E-073FA2488E92}"/>
+                <a16:creationId xmlns="" xmlns:a16="http://schemas.microsoft.com/office/drawing/2014/main" id="{6F667E87-8FD6-46A5-A43E-073FA2488E92}"/>
               </a:ext>
             </a:extLst>
           </p:cNvPr>
@@ -3567,18 +3566,17 @@
             <a:pPr algn="ctr"/>
             <a:r>
               <a:rPr lang="en-GB" dirty="0" err="1" smtClean="0"/>
-              <a:t>incode-quickstart</a:t>
+              <a:t>quickstart</a:t>
             </a:r>
             <a:r>
               <a:rPr lang="en-GB" dirty="0" smtClean="0"/>
               <a:t>-</a:t>
             </a:r>
-            <a:endParaRPr lang="en-GB" dirty="0"/>
-          </a:p>
-          <a:p>
-            <a:pPr algn="ctr"/>
-            <a:r>
-              <a:rPr lang="en-GB" dirty="0" err="1"/>
+            <a:br>
+              <a:rPr lang="en-GB" dirty="0" smtClean="0"/>
+            </a:br>
+            <a:r>
+              <a:rPr lang="en-GB" dirty="0" smtClean="0"/>
               <a:t>webapp</a:t>
             </a:r>
             <a:endParaRPr lang="en-GB" dirty="0"/>
@@ -3590,7 +3588,7 @@
           <p:cNvPr id="18" name="Connector: Curved 17">
             <a:extLst>
               <a:ext uri="{FF2B5EF4-FFF2-40B4-BE49-F238E27FC236}">
-                <a16:creationId xmlns:a16="http://schemas.microsoft.com/office/drawing/2014/main" xmlns="" id="{235B6DF2-10F1-4264-944B-DE3DE4342160}"/>
+                <a16:creationId xmlns="" xmlns:a16="http://schemas.microsoft.com/office/drawing/2014/main" id="{235B6DF2-10F1-4264-944B-DE3DE4342160}"/>
               </a:ext>
             </a:extLst>
           </p:cNvPr>
@@ -3636,7 +3634,7 @@
           <p:cNvPr id="45" name="Connector: Curved 44">
             <a:extLst>
               <a:ext uri="{FF2B5EF4-FFF2-40B4-BE49-F238E27FC236}">
-                <a16:creationId xmlns:a16="http://schemas.microsoft.com/office/drawing/2014/main" xmlns="" id="{326FFFD3-29E8-4568-9C85-C59AE4BE9FB7}"/>
+                <a16:creationId xmlns="" xmlns:a16="http://schemas.microsoft.com/office/drawing/2014/main" id="{326FFFD3-29E8-4568-9C85-C59AE4BE9FB7}"/>
               </a:ext>
             </a:extLst>
           </p:cNvPr>
@@ -3682,7 +3680,7 @@
           <p:cNvPr id="48" name="Rectangle 47">
             <a:extLst>
               <a:ext uri="{FF2B5EF4-FFF2-40B4-BE49-F238E27FC236}">
-                <a16:creationId xmlns:a16="http://schemas.microsoft.com/office/drawing/2014/main" xmlns="" id="{EE301681-6BDF-4FD2-9EC5-D20399824C03}"/>
+                <a16:creationId xmlns="" xmlns:a16="http://schemas.microsoft.com/office/drawing/2014/main" id="{EE301681-6BDF-4FD2-9EC5-D20399824C03}"/>
               </a:ext>
             </a:extLst>
           </p:cNvPr>
@@ -3741,7 +3739,7 @@
           <p:cNvPr id="49" name="Rectangle 48">
             <a:extLst>
               <a:ext uri="{FF2B5EF4-FFF2-40B4-BE49-F238E27FC236}">
-                <a16:creationId xmlns:a16="http://schemas.microsoft.com/office/drawing/2014/main" xmlns="" id="{A8AA121E-7888-4A5A-9BBF-0326D03B9E03}"/>
+                <a16:creationId xmlns="" xmlns:a16="http://schemas.microsoft.com/office/drawing/2014/main" id="{A8AA121E-7888-4A5A-9BBF-0326D03B9E03}"/>
               </a:ext>
             </a:extLst>
           </p:cNvPr>
@@ -3801,7 +3799,7 @@
           <p:cNvPr id="51" name="Rectangle 50">
             <a:extLst>
               <a:ext uri="{FF2B5EF4-FFF2-40B4-BE49-F238E27FC236}">
-                <a16:creationId xmlns:a16="http://schemas.microsoft.com/office/drawing/2014/main" xmlns="" id="{F5ADB6AC-2574-45A0-BBF2-72D3981B103D}"/>
+                <a16:creationId xmlns="" xmlns:a16="http://schemas.microsoft.com/office/drawing/2014/main" id="{F5ADB6AC-2574-45A0-BBF2-72D3981B103D}"/>
               </a:ext>
             </a:extLst>
           </p:cNvPr>
@@ -3862,7 +3860,7 @@
           <p:cNvPr id="52" name="Rectangle 51">
             <a:extLst>
               <a:ext uri="{FF2B5EF4-FFF2-40B4-BE49-F238E27FC236}">
-                <a16:creationId xmlns:a16="http://schemas.microsoft.com/office/drawing/2014/main" xmlns="" id="{D362DFB8-D8E0-4F0B-A61A-69A210D62CC7}"/>
+                <a16:creationId xmlns="" xmlns:a16="http://schemas.microsoft.com/office/drawing/2014/main" id="{D362DFB8-D8E0-4F0B-A61A-69A210D62CC7}"/>
               </a:ext>
             </a:extLst>
           </p:cNvPr>
@@ -3923,7 +3921,7 @@
           <p:cNvPr id="95" name="TextBox 94">
             <a:extLst>
               <a:ext uri="{FF2B5EF4-FFF2-40B4-BE49-F238E27FC236}">
-                <a16:creationId xmlns:a16="http://schemas.microsoft.com/office/drawing/2014/main" xmlns="" id="{946AB88C-9410-4E16-910D-9E11D567DD57}"/>
+                <a16:creationId xmlns="" xmlns:a16="http://schemas.microsoft.com/office/drawing/2014/main" id="{946AB88C-9410-4E16-910D-9E11D567DD57}"/>
               </a:ext>
             </a:extLst>
           </p:cNvPr>
@@ -3958,7 +3956,7 @@
           <p:cNvPr id="27" name="Rectangle 26">
             <a:extLst>
               <a:ext uri="{FF2B5EF4-FFF2-40B4-BE49-F238E27FC236}">
-                <a16:creationId xmlns:a16="http://schemas.microsoft.com/office/drawing/2014/main" xmlns="" id="{AAC83E29-BD97-4EEC-9AB8-EF2C15FBAF0B}"/>
+                <a16:creationId xmlns="" xmlns:a16="http://schemas.microsoft.com/office/drawing/2014/main" id="{AAC83E29-BD97-4EEC-9AB8-EF2C15FBAF0B}"/>
               </a:ext>
             </a:extLst>
           </p:cNvPr>
@@ -3997,7 +3995,7 @@
             <a:pPr algn="ctr"/>
             <a:r>
               <a:rPr lang="en-GB" dirty="0" err="1" smtClean="0"/>
-              <a:t>incode-quickstart</a:t>
+              <a:t>quickstart</a:t>
             </a:r>
             <a:r>
               <a:rPr lang="en-GB" dirty="0" smtClean="0"/>
@@ -4019,7 +4017,7 @@
           <p:cNvPr id="28" name="Connector: Curved 27">
             <a:extLst>
               <a:ext uri="{FF2B5EF4-FFF2-40B4-BE49-F238E27FC236}">
-                <a16:creationId xmlns:a16="http://schemas.microsoft.com/office/drawing/2014/main" xmlns="" id="{007CFC32-577B-44FD-9292-FCE2548F3D68}"/>
+                <a16:creationId xmlns="" xmlns:a16="http://schemas.microsoft.com/office/drawing/2014/main" id="{007CFC32-577B-44FD-9292-FCE2548F3D68}"/>
               </a:ext>
             </a:extLst>
           </p:cNvPr>
@@ -4065,7 +4063,7 @@
           <p:cNvPr id="35" name="Rectangle 34">
             <a:extLst>
               <a:ext uri="{FF2B5EF4-FFF2-40B4-BE49-F238E27FC236}">
-                <a16:creationId xmlns:a16="http://schemas.microsoft.com/office/drawing/2014/main" xmlns="" id="{F054E78D-5EDF-4692-8237-C86FD5FFFDF3}"/>
+                <a16:creationId xmlns="" xmlns:a16="http://schemas.microsoft.com/office/drawing/2014/main" id="{F054E78D-5EDF-4692-8237-C86FD5FFFDF3}"/>
               </a:ext>
             </a:extLst>
           </p:cNvPr>
@@ -4129,7 +4127,7 @@
           <p:cNvPr id="36" name="Connector: Curved 35">
             <a:extLst>
               <a:ext uri="{FF2B5EF4-FFF2-40B4-BE49-F238E27FC236}">
-                <a16:creationId xmlns:a16="http://schemas.microsoft.com/office/drawing/2014/main" xmlns="" id="{B7BC151F-D659-417F-A783-51938BE4BEA8}"/>
+                <a16:creationId xmlns="" xmlns:a16="http://schemas.microsoft.com/office/drawing/2014/main" id="{B7BC151F-D659-417F-A783-51938BE4BEA8}"/>
               </a:ext>
             </a:extLst>
           </p:cNvPr>
@@ -4173,7 +4171,7 @@
           <p:cNvPr id="40" name="TextBox 39">
             <a:extLst>
               <a:ext uri="{FF2B5EF4-FFF2-40B4-BE49-F238E27FC236}">
-                <a16:creationId xmlns:a16="http://schemas.microsoft.com/office/drawing/2014/main" xmlns="" id="{8104B7EB-F2A1-4398-B999-ECC472E7BCF3}"/>
+                <a16:creationId xmlns="" xmlns:a16="http://schemas.microsoft.com/office/drawing/2014/main" id="{8104B7EB-F2A1-4398-B999-ECC472E7BCF3}"/>
               </a:ext>
             </a:extLst>
           </p:cNvPr>
@@ -4215,7 +4213,7 @@
           <p:cNvPr id="17" name="Flowchart: Document 16">
             <a:extLst>
               <a:ext uri="{FF2B5EF4-FFF2-40B4-BE49-F238E27FC236}">
-                <a16:creationId xmlns:a16="http://schemas.microsoft.com/office/drawing/2014/main" xmlns="" id="{1BF166FF-B4DB-41E3-9A74-DC0DAC98390D}"/>
+                <a16:creationId xmlns="" xmlns:a16="http://schemas.microsoft.com/office/drawing/2014/main" id="{1BF166FF-B4DB-41E3-9A74-DC0DAC98390D}"/>
               </a:ext>
             </a:extLst>
           </p:cNvPr>
@@ -4262,7 +4260,7 @@
           <p:cNvPr id="42" name="Connector: Curved 41">
             <a:extLst>
               <a:ext uri="{FF2B5EF4-FFF2-40B4-BE49-F238E27FC236}">
-                <a16:creationId xmlns:a16="http://schemas.microsoft.com/office/drawing/2014/main" xmlns="" id="{71DA3FF6-075C-4197-9416-C83BC0D386E8}"/>
+                <a16:creationId xmlns="" xmlns:a16="http://schemas.microsoft.com/office/drawing/2014/main" id="{71DA3FF6-075C-4197-9416-C83BC0D386E8}"/>
               </a:ext>
             </a:extLst>
           </p:cNvPr>
@@ -4308,7 +4306,7 @@
           <p:cNvPr id="81" name="Connector: Curved 80">
             <a:extLst>
               <a:ext uri="{FF2B5EF4-FFF2-40B4-BE49-F238E27FC236}">
-                <a16:creationId xmlns:a16="http://schemas.microsoft.com/office/drawing/2014/main" xmlns="" id="{E0DBBBB3-E178-4C40-9E51-8AC6789AE499}"/>
+                <a16:creationId xmlns="" xmlns:a16="http://schemas.microsoft.com/office/drawing/2014/main" id="{E0DBBBB3-E178-4C40-9E51-8AC6789AE499}"/>
               </a:ext>
             </a:extLst>
           </p:cNvPr>
@@ -4352,7 +4350,7 @@
           <p:cNvPr id="83" name="TextBox 82">
             <a:extLst>
               <a:ext uri="{FF2B5EF4-FFF2-40B4-BE49-F238E27FC236}">
-                <a16:creationId xmlns:a16="http://schemas.microsoft.com/office/drawing/2014/main" xmlns="" id="{5F7004B3-D2B5-41DE-9626-D8782E719A5C}"/>
+                <a16:creationId xmlns="" xmlns:a16="http://schemas.microsoft.com/office/drawing/2014/main" id="{5F7004B3-D2B5-41DE-9626-D8782E719A5C}"/>
               </a:ext>
             </a:extLst>
           </p:cNvPr>
@@ -4394,7 +4392,7 @@
           <p:cNvPr id="84" name="TextBox 83">
             <a:extLst>
               <a:ext uri="{FF2B5EF4-FFF2-40B4-BE49-F238E27FC236}">
-                <a16:creationId xmlns:a16="http://schemas.microsoft.com/office/drawing/2014/main" xmlns="" id="{46342F55-5205-4C6F-81BD-4A1BFFAFE65C}"/>
+                <a16:creationId xmlns="" xmlns:a16="http://schemas.microsoft.com/office/drawing/2014/main" id="{46342F55-5205-4C6F-81BD-4A1BFFAFE65C}"/>
               </a:ext>
             </a:extLst>
           </p:cNvPr>
@@ -4459,7 +4457,7 @@
           <p:cNvPr id="16" name="Rectangle 15">
             <a:extLst>
               <a:ext uri="{FF2B5EF4-FFF2-40B4-BE49-F238E27FC236}">
-                <a16:creationId xmlns:a16="http://schemas.microsoft.com/office/drawing/2014/main" xmlns="" id="{6AD9D01B-0C3A-4335-8511-9E6E85987F54}"/>
+                <a16:creationId xmlns="" xmlns:a16="http://schemas.microsoft.com/office/drawing/2014/main" id="{6AD9D01B-0C3A-4335-8511-9E6E85987F54}"/>
               </a:ext>
             </a:extLst>
           </p:cNvPr>
@@ -4506,7 +4504,7 @@
           <p:cNvPr id="112" name="Rectangle 111">
             <a:extLst>
               <a:ext uri="{FF2B5EF4-FFF2-40B4-BE49-F238E27FC236}">
-                <a16:creationId xmlns:a16="http://schemas.microsoft.com/office/drawing/2014/main" xmlns="" id="{0A5AC652-E085-4895-8D11-8178B99CBC13}"/>
+                <a16:creationId xmlns="" xmlns:a16="http://schemas.microsoft.com/office/drawing/2014/main" id="{0A5AC652-E085-4895-8D11-8178B99CBC13}"/>
               </a:ext>
             </a:extLst>
           </p:cNvPr>
@@ -4563,7 +4561,7 @@
           <p:cNvPr id="4" name="Rectangle 3">
             <a:extLst>
               <a:ext uri="{FF2B5EF4-FFF2-40B4-BE49-F238E27FC236}">
-                <a16:creationId xmlns:a16="http://schemas.microsoft.com/office/drawing/2014/main" xmlns="" id="{69906B7B-9CED-4534-985F-1D44228CFBCA}"/>
+                <a16:creationId xmlns="" xmlns:a16="http://schemas.microsoft.com/office/drawing/2014/main" id="{69906B7B-9CED-4534-985F-1D44228CFBCA}"/>
               </a:ext>
             </a:extLst>
           </p:cNvPr>
@@ -4602,7 +4600,7 @@
             <a:pPr algn="ctr"/>
             <a:r>
               <a:rPr lang="en-GB" dirty="0" err="1" smtClean="0"/>
-              <a:t>incode-quickstart</a:t>
+              <a:t>quickstart</a:t>
             </a:r>
             <a:r>
               <a:rPr lang="en-GB" dirty="0" smtClean="0"/>
@@ -4625,7 +4623,7 @@
           <p:cNvPr id="10" name="Rectangle 9">
             <a:extLst>
               <a:ext uri="{FF2B5EF4-FFF2-40B4-BE49-F238E27FC236}">
-                <a16:creationId xmlns:a16="http://schemas.microsoft.com/office/drawing/2014/main" xmlns="" id="{4169747F-40A6-44FC-808C-7CF9794396D5}"/>
+                <a16:creationId xmlns="" xmlns:a16="http://schemas.microsoft.com/office/drawing/2014/main" id="{4169747F-40A6-44FC-808C-7CF9794396D5}"/>
               </a:ext>
             </a:extLst>
           </p:cNvPr>
@@ -4664,7 +4662,7 @@
             <a:pPr algn="ctr"/>
             <a:r>
               <a:rPr lang="en-GB" dirty="0" err="1" smtClean="0"/>
-              <a:t>incode-quickstart</a:t>
+              <a:t>quickstart</a:t>
             </a:r>
             <a:r>
               <a:rPr lang="en-GB" dirty="0" smtClean="0"/>
@@ -4686,7 +4684,7 @@
           <p:cNvPr id="12" name="Rectangle 11">
             <a:extLst>
               <a:ext uri="{FF2B5EF4-FFF2-40B4-BE49-F238E27FC236}">
-                <a16:creationId xmlns:a16="http://schemas.microsoft.com/office/drawing/2014/main" xmlns="" id="{38FE1AE1-DE48-4CCB-953B-288605D173C4}"/>
+                <a16:creationId xmlns="" xmlns:a16="http://schemas.microsoft.com/office/drawing/2014/main" id="{38FE1AE1-DE48-4CCB-953B-288605D173C4}"/>
               </a:ext>
             </a:extLst>
           </p:cNvPr>
@@ -4725,7 +4723,7 @@
             <a:pPr algn="ctr"/>
             <a:r>
               <a:rPr lang="en-GB" dirty="0" err="1" smtClean="0"/>
-              <a:t>incode-quickstart</a:t>
+              <a:t>quickstart</a:t>
             </a:r>
             <a:r>
               <a:rPr lang="en-GB" dirty="0" smtClean="0"/>
@@ -4752,7 +4750,7 @@
           <p:cNvPr id="14" name="Rectangle 13">
             <a:extLst>
               <a:ext uri="{FF2B5EF4-FFF2-40B4-BE49-F238E27FC236}">
-                <a16:creationId xmlns:a16="http://schemas.microsoft.com/office/drawing/2014/main" xmlns="" id="{960C9FCA-57C7-4E79-891E-523602F7DC61}"/>
+                <a16:creationId xmlns="" xmlns:a16="http://schemas.microsoft.com/office/drawing/2014/main" id="{960C9FCA-57C7-4E79-891E-523602F7DC61}"/>
               </a:ext>
             </a:extLst>
           </p:cNvPr>
@@ -4791,7 +4789,7 @@
             <a:pPr algn="ctr"/>
             <a:r>
               <a:rPr lang="en-GB" dirty="0" err="1" smtClean="0"/>
-              <a:t>incode-quickstart</a:t>
+              <a:t>quickstart</a:t>
             </a:r>
             <a:r>
               <a:rPr lang="en-GB" dirty="0" smtClean="0"/>
@@ -4813,7 +4811,7 @@
           <p:cNvPr id="15" name="Rectangle 14">
             <a:extLst>
               <a:ext uri="{FF2B5EF4-FFF2-40B4-BE49-F238E27FC236}">
-                <a16:creationId xmlns:a16="http://schemas.microsoft.com/office/drawing/2014/main" xmlns="" id="{6F667E87-8FD6-46A5-A43E-073FA2488E92}"/>
+                <a16:creationId xmlns="" xmlns:a16="http://schemas.microsoft.com/office/drawing/2014/main" id="{6F667E87-8FD6-46A5-A43E-073FA2488E92}"/>
               </a:ext>
             </a:extLst>
           </p:cNvPr>
@@ -4852,7 +4850,7 @@
             <a:pPr algn="ctr"/>
             <a:r>
               <a:rPr lang="en-GB" dirty="0" err="1" smtClean="0"/>
-              <a:t>incode-quickstart</a:t>
+              <a:t>quickstart</a:t>
             </a:r>
             <a:r>
               <a:rPr lang="en-GB" dirty="0" smtClean="0"/>
@@ -4875,7 +4873,7 @@
           <p:cNvPr id="18" name="Connector: Curved 17">
             <a:extLst>
               <a:ext uri="{FF2B5EF4-FFF2-40B4-BE49-F238E27FC236}">
-                <a16:creationId xmlns:a16="http://schemas.microsoft.com/office/drawing/2014/main" xmlns="" id="{235B6DF2-10F1-4264-944B-DE3DE4342160}"/>
+                <a16:creationId xmlns="" xmlns:a16="http://schemas.microsoft.com/office/drawing/2014/main" id="{235B6DF2-10F1-4264-944B-DE3DE4342160}"/>
               </a:ext>
             </a:extLst>
           </p:cNvPr>
@@ -4921,7 +4919,7 @@
           <p:cNvPr id="31" name="Connector: Curved 30">
             <a:extLst>
               <a:ext uri="{FF2B5EF4-FFF2-40B4-BE49-F238E27FC236}">
-                <a16:creationId xmlns:a16="http://schemas.microsoft.com/office/drawing/2014/main" xmlns="" id="{F8EE246A-6C60-4FA3-A5F7-5FD3742399F7}"/>
+                <a16:creationId xmlns="" xmlns:a16="http://schemas.microsoft.com/office/drawing/2014/main" id="{F8EE246A-6C60-4FA3-A5F7-5FD3742399F7}"/>
               </a:ext>
             </a:extLst>
           </p:cNvPr>
@@ -4967,7 +4965,7 @@
           <p:cNvPr id="45" name="Connector: Curved 44">
             <a:extLst>
               <a:ext uri="{FF2B5EF4-FFF2-40B4-BE49-F238E27FC236}">
-                <a16:creationId xmlns:a16="http://schemas.microsoft.com/office/drawing/2014/main" xmlns="" id="{326FFFD3-29E8-4568-9C85-C59AE4BE9FB7}"/>
+                <a16:creationId xmlns="" xmlns:a16="http://schemas.microsoft.com/office/drawing/2014/main" id="{326FFFD3-29E8-4568-9C85-C59AE4BE9FB7}"/>
               </a:ext>
             </a:extLst>
           </p:cNvPr>
@@ -5013,7 +5011,7 @@
           <p:cNvPr id="48" name="Rectangle 47">
             <a:extLst>
               <a:ext uri="{FF2B5EF4-FFF2-40B4-BE49-F238E27FC236}">
-                <a16:creationId xmlns:a16="http://schemas.microsoft.com/office/drawing/2014/main" xmlns="" id="{EE301681-6BDF-4FD2-9EC5-D20399824C03}"/>
+                <a16:creationId xmlns="" xmlns:a16="http://schemas.microsoft.com/office/drawing/2014/main" id="{EE301681-6BDF-4FD2-9EC5-D20399824C03}"/>
               </a:ext>
             </a:extLst>
           </p:cNvPr>
@@ -5072,7 +5070,7 @@
           <p:cNvPr id="49" name="Rectangle 48">
             <a:extLst>
               <a:ext uri="{FF2B5EF4-FFF2-40B4-BE49-F238E27FC236}">
-                <a16:creationId xmlns:a16="http://schemas.microsoft.com/office/drawing/2014/main" xmlns="" id="{A8AA121E-7888-4A5A-9BBF-0326D03B9E03}"/>
+                <a16:creationId xmlns="" xmlns:a16="http://schemas.microsoft.com/office/drawing/2014/main" id="{A8AA121E-7888-4A5A-9BBF-0326D03B9E03}"/>
               </a:ext>
             </a:extLst>
           </p:cNvPr>
@@ -5132,7 +5130,7 @@
           <p:cNvPr id="51" name="Rectangle 50">
             <a:extLst>
               <a:ext uri="{FF2B5EF4-FFF2-40B4-BE49-F238E27FC236}">
-                <a16:creationId xmlns:a16="http://schemas.microsoft.com/office/drawing/2014/main" xmlns="" id="{F5ADB6AC-2574-45A0-BBF2-72D3981B103D}"/>
+                <a16:creationId xmlns="" xmlns:a16="http://schemas.microsoft.com/office/drawing/2014/main" id="{F5ADB6AC-2574-45A0-BBF2-72D3981B103D}"/>
               </a:ext>
             </a:extLst>
           </p:cNvPr>
@@ -5193,7 +5191,7 @@
           <p:cNvPr id="52" name="Rectangle 51">
             <a:extLst>
               <a:ext uri="{FF2B5EF4-FFF2-40B4-BE49-F238E27FC236}">
-                <a16:creationId xmlns:a16="http://schemas.microsoft.com/office/drawing/2014/main" xmlns="" id="{D362DFB8-D8E0-4F0B-A61A-69A210D62CC7}"/>
+                <a16:creationId xmlns="" xmlns:a16="http://schemas.microsoft.com/office/drawing/2014/main" id="{D362DFB8-D8E0-4F0B-A61A-69A210D62CC7}"/>
               </a:ext>
             </a:extLst>
           </p:cNvPr>
@@ -5254,7 +5252,7 @@
           <p:cNvPr id="54" name="Rectangle 53">
             <a:extLst>
               <a:ext uri="{FF2B5EF4-FFF2-40B4-BE49-F238E27FC236}">
-                <a16:creationId xmlns:a16="http://schemas.microsoft.com/office/drawing/2014/main" xmlns="" id="{9E80E87D-1602-437A-BDED-ACE256305F52}"/>
+                <a16:creationId xmlns="" xmlns:a16="http://schemas.microsoft.com/office/drawing/2014/main" id="{9E80E87D-1602-437A-BDED-ACE256305F52}"/>
               </a:ext>
             </a:extLst>
           </p:cNvPr>
@@ -5318,7 +5316,7 @@
           <p:cNvPr id="95" name="TextBox 94">
             <a:extLst>
               <a:ext uri="{FF2B5EF4-FFF2-40B4-BE49-F238E27FC236}">
-                <a16:creationId xmlns:a16="http://schemas.microsoft.com/office/drawing/2014/main" xmlns="" id="{946AB88C-9410-4E16-910D-9E11D567DD57}"/>
+                <a16:creationId xmlns="" xmlns:a16="http://schemas.microsoft.com/office/drawing/2014/main" id="{946AB88C-9410-4E16-910D-9E11D567DD57}"/>
               </a:ext>
             </a:extLst>
           </p:cNvPr>
@@ -5353,7 +5351,7 @@
           <p:cNvPr id="27" name="Rectangle 26">
             <a:extLst>
               <a:ext uri="{FF2B5EF4-FFF2-40B4-BE49-F238E27FC236}">
-                <a16:creationId xmlns:a16="http://schemas.microsoft.com/office/drawing/2014/main" xmlns="" id="{AAC83E29-BD97-4EEC-9AB8-EF2C15FBAF0B}"/>
+                <a16:creationId xmlns="" xmlns:a16="http://schemas.microsoft.com/office/drawing/2014/main" id="{AAC83E29-BD97-4EEC-9AB8-EF2C15FBAF0B}"/>
               </a:ext>
             </a:extLst>
           </p:cNvPr>
@@ -5392,7 +5390,7 @@
             <a:pPr algn="ctr"/>
             <a:r>
               <a:rPr lang="en-GB" dirty="0" err="1" smtClean="0"/>
-              <a:t>incode-quickstart</a:t>
+              <a:t>quickstart</a:t>
             </a:r>
             <a:r>
               <a:rPr lang="en-GB" dirty="0" smtClean="0"/>
@@ -5414,7 +5412,7 @@
           <p:cNvPr id="28" name="Connector: Curved 27">
             <a:extLst>
               <a:ext uri="{FF2B5EF4-FFF2-40B4-BE49-F238E27FC236}">
-                <a16:creationId xmlns:a16="http://schemas.microsoft.com/office/drawing/2014/main" xmlns="" id="{007CFC32-577B-44FD-9292-FCE2548F3D68}"/>
+                <a16:creationId xmlns="" xmlns:a16="http://schemas.microsoft.com/office/drawing/2014/main" id="{007CFC32-577B-44FD-9292-FCE2548F3D68}"/>
               </a:ext>
             </a:extLst>
           </p:cNvPr>
@@ -5460,7 +5458,7 @@
           <p:cNvPr id="35" name="Rectangle 34">
             <a:extLst>
               <a:ext uri="{FF2B5EF4-FFF2-40B4-BE49-F238E27FC236}">
-                <a16:creationId xmlns:a16="http://schemas.microsoft.com/office/drawing/2014/main" xmlns="" id="{F054E78D-5EDF-4692-8237-C86FD5FFFDF3}"/>
+                <a16:creationId xmlns="" xmlns:a16="http://schemas.microsoft.com/office/drawing/2014/main" id="{F054E78D-5EDF-4692-8237-C86FD5FFFDF3}"/>
               </a:ext>
             </a:extLst>
           </p:cNvPr>
@@ -5524,7 +5522,7 @@
           <p:cNvPr id="36" name="Connector: Curved 35">
             <a:extLst>
               <a:ext uri="{FF2B5EF4-FFF2-40B4-BE49-F238E27FC236}">
-                <a16:creationId xmlns:a16="http://schemas.microsoft.com/office/drawing/2014/main" xmlns="" id="{B7BC151F-D659-417F-A783-51938BE4BEA8}"/>
+                <a16:creationId xmlns="" xmlns:a16="http://schemas.microsoft.com/office/drawing/2014/main" id="{B7BC151F-D659-417F-A783-51938BE4BEA8}"/>
               </a:ext>
             </a:extLst>
           </p:cNvPr>
@@ -5568,7 +5566,7 @@
           <p:cNvPr id="40" name="TextBox 39">
             <a:extLst>
               <a:ext uri="{FF2B5EF4-FFF2-40B4-BE49-F238E27FC236}">
-                <a16:creationId xmlns:a16="http://schemas.microsoft.com/office/drawing/2014/main" xmlns="" id="{8104B7EB-F2A1-4398-B999-ECC472E7BCF3}"/>
+                <a16:creationId xmlns="" xmlns:a16="http://schemas.microsoft.com/office/drawing/2014/main" id="{8104B7EB-F2A1-4398-B999-ECC472E7BCF3}"/>
               </a:ext>
             </a:extLst>
           </p:cNvPr>
@@ -5610,7 +5608,7 @@
           <p:cNvPr id="17" name="Flowchart: Document 16">
             <a:extLst>
               <a:ext uri="{FF2B5EF4-FFF2-40B4-BE49-F238E27FC236}">
-                <a16:creationId xmlns:a16="http://schemas.microsoft.com/office/drawing/2014/main" xmlns="" id="{1BF166FF-B4DB-41E3-9A74-DC0DAC98390D}"/>
+                <a16:creationId xmlns="" xmlns:a16="http://schemas.microsoft.com/office/drawing/2014/main" id="{1BF166FF-B4DB-41E3-9A74-DC0DAC98390D}"/>
               </a:ext>
             </a:extLst>
           </p:cNvPr>
@@ -5657,7 +5655,7 @@
           <p:cNvPr id="42" name="Connector: Curved 41">
             <a:extLst>
               <a:ext uri="{FF2B5EF4-FFF2-40B4-BE49-F238E27FC236}">
-                <a16:creationId xmlns:a16="http://schemas.microsoft.com/office/drawing/2014/main" xmlns="" id="{71DA3FF6-075C-4197-9416-C83BC0D386E8}"/>
+                <a16:creationId xmlns="" xmlns:a16="http://schemas.microsoft.com/office/drawing/2014/main" id="{71DA3FF6-075C-4197-9416-C83BC0D386E8}"/>
               </a:ext>
             </a:extLst>
           </p:cNvPr>
@@ -5701,7 +5699,7 @@
           <p:cNvPr id="73" name="Connector: Curved 72">
             <a:extLst>
               <a:ext uri="{FF2B5EF4-FFF2-40B4-BE49-F238E27FC236}">
-                <a16:creationId xmlns:a16="http://schemas.microsoft.com/office/drawing/2014/main" xmlns="" id="{BDCFE337-ECA9-4F4B-894B-5B9210753B6A}"/>
+                <a16:creationId xmlns="" xmlns:a16="http://schemas.microsoft.com/office/drawing/2014/main" id="{BDCFE337-ECA9-4F4B-894B-5B9210753B6A}"/>
               </a:ext>
             </a:extLst>
           </p:cNvPr>
@@ -5745,7 +5743,7 @@
           <p:cNvPr id="81" name="Connector: Curved 80">
             <a:extLst>
               <a:ext uri="{FF2B5EF4-FFF2-40B4-BE49-F238E27FC236}">
-                <a16:creationId xmlns:a16="http://schemas.microsoft.com/office/drawing/2014/main" xmlns="" id="{E0DBBBB3-E178-4C40-9E51-8AC6789AE499}"/>
+                <a16:creationId xmlns="" xmlns:a16="http://schemas.microsoft.com/office/drawing/2014/main" id="{E0DBBBB3-E178-4C40-9E51-8AC6789AE499}"/>
               </a:ext>
             </a:extLst>
           </p:cNvPr>
@@ -5789,7 +5787,7 @@
           <p:cNvPr id="83" name="TextBox 82">
             <a:extLst>
               <a:ext uri="{FF2B5EF4-FFF2-40B4-BE49-F238E27FC236}">
-                <a16:creationId xmlns:a16="http://schemas.microsoft.com/office/drawing/2014/main" xmlns="" id="{5F7004B3-D2B5-41DE-9626-D8782E719A5C}"/>
+                <a16:creationId xmlns="" xmlns:a16="http://schemas.microsoft.com/office/drawing/2014/main" id="{5F7004B3-D2B5-41DE-9626-D8782E719A5C}"/>
               </a:ext>
             </a:extLst>
           </p:cNvPr>
@@ -5831,7 +5829,7 @@
           <p:cNvPr id="84" name="TextBox 83">
             <a:extLst>
               <a:ext uri="{FF2B5EF4-FFF2-40B4-BE49-F238E27FC236}">
-                <a16:creationId xmlns:a16="http://schemas.microsoft.com/office/drawing/2014/main" xmlns="" id="{46342F55-5205-4C6F-81BD-4A1BFFAFE65C}"/>
+                <a16:creationId xmlns="" xmlns:a16="http://schemas.microsoft.com/office/drawing/2014/main" id="{46342F55-5205-4C6F-81BD-4A1BFFAFE65C}"/>
               </a:ext>
             </a:extLst>
           </p:cNvPr>
@@ -5866,7 +5864,7 @@
           <p:cNvPr id="86" name="TextBox 85">
             <a:extLst>
               <a:ext uri="{FF2B5EF4-FFF2-40B4-BE49-F238E27FC236}">
-                <a16:creationId xmlns:a16="http://schemas.microsoft.com/office/drawing/2014/main" xmlns="" id="{3F73D5FF-B89C-4BF6-9D26-63687EA8AE9D}"/>
+                <a16:creationId xmlns="" xmlns:a16="http://schemas.microsoft.com/office/drawing/2014/main" id="{3F73D5FF-B89C-4BF6-9D26-63687EA8AE9D}"/>
               </a:ext>
             </a:extLst>
           </p:cNvPr>
@@ -5916,7 +5914,7 @@
           <p:cNvPr id="41" name="Connector: Curved 40">
             <a:extLst>
               <a:ext uri="{FF2B5EF4-FFF2-40B4-BE49-F238E27FC236}">
-                <a16:creationId xmlns:a16="http://schemas.microsoft.com/office/drawing/2014/main" xmlns="" id="{69136D57-9160-416D-B3F9-878F1C369BCD}"/>
+                <a16:creationId xmlns="" xmlns:a16="http://schemas.microsoft.com/office/drawing/2014/main" id="{69136D57-9160-416D-B3F9-878F1C369BCD}"/>
               </a:ext>
             </a:extLst>
           </p:cNvPr>
@@ -5960,7 +5958,7 @@
           <p:cNvPr id="106" name="Connector: Curved 105">
             <a:extLst>
               <a:ext uri="{FF2B5EF4-FFF2-40B4-BE49-F238E27FC236}">
-                <a16:creationId xmlns:a16="http://schemas.microsoft.com/office/drawing/2014/main" xmlns="" id="{38519E07-9814-45DE-8F54-B74E8EFEB8F7}"/>
+                <a16:creationId xmlns="" xmlns:a16="http://schemas.microsoft.com/office/drawing/2014/main" id="{38519E07-9814-45DE-8F54-B74E8EFEB8F7}"/>
               </a:ext>
             </a:extLst>
           </p:cNvPr>
@@ -6004,7 +6002,7 @@
           <p:cNvPr id="46" name="TextBox 45">
             <a:extLst>
               <a:ext uri="{FF2B5EF4-FFF2-40B4-BE49-F238E27FC236}">
-                <a16:creationId xmlns:a16="http://schemas.microsoft.com/office/drawing/2014/main" xmlns="" id="{D7630F3E-F103-4873-9F6A-6A9F01A8DE6C}"/>
+                <a16:creationId xmlns="" xmlns:a16="http://schemas.microsoft.com/office/drawing/2014/main" id="{D7630F3E-F103-4873-9F6A-6A9F01A8DE6C}"/>
               </a:ext>
             </a:extLst>
           </p:cNvPr>
@@ -6069,7 +6067,7 @@
           <p:cNvPr id="16" name="Rectangle 15">
             <a:extLst>
               <a:ext uri="{FF2B5EF4-FFF2-40B4-BE49-F238E27FC236}">
-                <a16:creationId xmlns:a16="http://schemas.microsoft.com/office/drawing/2014/main" xmlns="" id="{6AD9D01B-0C3A-4335-8511-9E6E85987F54}"/>
+                <a16:creationId xmlns="" xmlns:a16="http://schemas.microsoft.com/office/drawing/2014/main" id="{6AD9D01B-0C3A-4335-8511-9E6E85987F54}"/>
               </a:ext>
             </a:extLst>
           </p:cNvPr>
@@ -6116,7 +6114,7 @@
           <p:cNvPr id="112" name="Rectangle 111">
             <a:extLst>
               <a:ext uri="{FF2B5EF4-FFF2-40B4-BE49-F238E27FC236}">
-                <a16:creationId xmlns:a16="http://schemas.microsoft.com/office/drawing/2014/main" xmlns="" id="{0A5AC652-E085-4895-8D11-8178B99CBC13}"/>
+                <a16:creationId xmlns="" xmlns:a16="http://schemas.microsoft.com/office/drawing/2014/main" id="{0A5AC652-E085-4895-8D11-8178B99CBC13}"/>
               </a:ext>
             </a:extLst>
           </p:cNvPr>
@@ -6173,7 +6171,7 @@
           <p:cNvPr id="4" name="Rectangle 3">
             <a:extLst>
               <a:ext uri="{FF2B5EF4-FFF2-40B4-BE49-F238E27FC236}">
-                <a16:creationId xmlns:a16="http://schemas.microsoft.com/office/drawing/2014/main" xmlns="" id="{69906B7B-9CED-4534-985F-1D44228CFBCA}"/>
+                <a16:creationId xmlns="" xmlns:a16="http://schemas.microsoft.com/office/drawing/2014/main" id="{69906B7B-9CED-4534-985F-1D44228CFBCA}"/>
               </a:ext>
             </a:extLst>
           </p:cNvPr>
@@ -6212,7 +6210,7 @@
             <a:pPr algn="ctr"/>
             <a:r>
               <a:rPr lang="en-GB" dirty="0" err="1" smtClean="0"/>
-              <a:t>incode-quickstart</a:t>
+              <a:t>quickstart</a:t>
             </a:r>
             <a:r>
               <a:rPr lang="en-GB" dirty="0" smtClean="0"/>
@@ -6235,7 +6233,7 @@
           <p:cNvPr id="7" name="Rectangle 6">
             <a:extLst>
               <a:ext uri="{FF2B5EF4-FFF2-40B4-BE49-F238E27FC236}">
-                <a16:creationId xmlns:a16="http://schemas.microsoft.com/office/drawing/2014/main" xmlns="" id="{21A9F216-A1BF-4F01-B06E-3451A3FA6115}"/>
+                <a16:creationId xmlns="" xmlns:a16="http://schemas.microsoft.com/office/drawing/2014/main" id="{21A9F216-A1BF-4F01-B06E-3451A3FA6115}"/>
               </a:ext>
             </a:extLst>
           </p:cNvPr>
@@ -6292,7 +6290,7 @@
           <p:cNvPr id="9" name="Rectangle 8">
             <a:extLst>
               <a:ext uri="{FF2B5EF4-FFF2-40B4-BE49-F238E27FC236}">
-                <a16:creationId xmlns:a16="http://schemas.microsoft.com/office/drawing/2014/main" xmlns="" id="{422E47CE-443D-45D5-93D0-68C19F813735}"/>
+                <a16:creationId xmlns="" xmlns:a16="http://schemas.microsoft.com/office/drawing/2014/main" id="{422E47CE-443D-45D5-93D0-68C19F813735}"/>
               </a:ext>
             </a:extLst>
           </p:cNvPr>
@@ -6331,7 +6329,7 @@
             <a:pPr algn="ctr"/>
             <a:r>
               <a:rPr lang="en-GB" dirty="0" err="1" smtClean="0"/>
-              <a:t>incode-quickstart</a:t>
+              <a:t>quickstart</a:t>
             </a:r>
             <a:r>
               <a:rPr lang="en-GB" dirty="0" smtClean="0"/>
@@ -6358,7 +6356,7 @@
           <p:cNvPr id="10" name="Rectangle 9">
             <a:extLst>
               <a:ext uri="{FF2B5EF4-FFF2-40B4-BE49-F238E27FC236}">
-                <a16:creationId xmlns:a16="http://schemas.microsoft.com/office/drawing/2014/main" xmlns="" id="{4169747F-40A6-44FC-808C-7CF9794396D5}"/>
+                <a16:creationId xmlns="" xmlns:a16="http://schemas.microsoft.com/office/drawing/2014/main" id="{4169747F-40A6-44FC-808C-7CF9794396D5}"/>
               </a:ext>
             </a:extLst>
           </p:cNvPr>
@@ -6397,7 +6395,7 @@
             <a:pPr algn="ctr"/>
             <a:r>
               <a:rPr lang="en-GB" dirty="0" err="1" smtClean="0"/>
-              <a:t>incode-quickstart</a:t>
+              <a:t>quickstart</a:t>
             </a:r>
             <a:r>
               <a:rPr lang="en-GB" dirty="0" smtClean="0"/>
@@ -6419,7 +6417,7 @@
           <p:cNvPr id="11" name="Rectangle 10">
             <a:extLst>
               <a:ext uri="{FF2B5EF4-FFF2-40B4-BE49-F238E27FC236}">
-                <a16:creationId xmlns:a16="http://schemas.microsoft.com/office/drawing/2014/main" xmlns="" id="{68D4EC8E-C04A-4C4B-85A1-8B6796BB3F5B}"/>
+                <a16:creationId xmlns="" xmlns:a16="http://schemas.microsoft.com/office/drawing/2014/main" id="{68D4EC8E-C04A-4C4B-85A1-8B6796BB3F5B}"/>
               </a:ext>
             </a:extLst>
           </p:cNvPr>
@@ -6458,7 +6456,7 @@
             <a:pPr algn="ctr"/>
             <a:r>
               <a:rPr lang="en-GB" dirty="0" err="1" smtClean="0"/>
-              <a:t>incode-quickstart</a:t>
+              <a:t>quickstart</a:t>
             </a:r>
             <a:r>
               <a:rPr lang="en-GB" dirty="0" smtClean="0"/>
@@ -6485,7 +6483,7 @@
           <p:cNvPr id="12" name="Rectangle 11">
             <a:extLst>
               <a:ext uri="{FF2B5EF4-FFF2-40B4-BE49-F238E27FC236}">
-                <a16:creationId xmlns:a16="http://schemas.microsoft.com/office/drawing/2014/main" xmlns="" id="{38FE1AE1-DE48-4CCB-953B-288605D173C4}"/>
+                <a16:creationId xmlns="" xmlns:a16="http://schemas.microsoft.com/office/drawing/2014/main" id="{38FE1AE1-DE48-4CCB-953B-288605D173C4}"/>
               </a:ext>
             </a:extLst>
           </p:cNvPr>
@@ -6524,7 +6522,7 @@
             <a:pPr algn="ctr"/>
             <a:r>
               <a:rPr lang="en-GB" dirty="0" err="1" smtClean="0"/>
-              <a:t>incode-quickstart</a:t>
+              <a:t>quickstart</a:t>
             </a:r>
             <a:r>
               <a:rPr lang="en-GB" dirty="0" smtClean="0"/>
@@ -6551,7 +6549,7 @@
           <p:cNvPr id="14" name="Rectangle 13">
             <a:extLst>
               <a:ext uri="{FF2B5EF4-FFF2-40B4-BE49-F238E27FC236}">
-                <a16:creationId xmlns:a16="http://schemas.microsoft.com/office/drawing/2014/main" xmlns="" id="{960C9FCA-57C7-4E79-891E-523602F7DC61}"/>
+                <a16:creationId xmlns="" xmlns:a16="http://schemas.microsoft.com/office/drawing/2014/main" id="{960C9FCA-57C7-4E79-891E-523602F7DC61}"/>
               </a:ext>
             </a:extLst>
           </p:cNvPr>
@@ -6590,7 +6588,7 @@
             <a:pPr algn="ctr"/>
             <a:r>
               <a:rPr lang="en-GB" dirty="0" err="1" smtClean="0"/>
-              <a:t>incode-quickstart</a:t>
+              <a:t>quickstart</a:t>
             </a:r>
             <a:r>
               <a:rPr lang="en-GB" dirty="0" smtClean="0"/>
@@ -6612,7 +6610,7 @@
           <p:cNvPr id="15" name="Rectangle 14">
             <a:extLst>
               <a:ext uri="{FF2B5EF4-FFF2-40B4-BE49-F238E27FC236}">
-                <a16:creationId xmlns:a16="http://schemas.microsoft.com/office/drawing/2014/main" xmlns="" id="{6F667E87-8FD6-46A5-A43E-073FA2488E92}"/>
+                <a16:creationId xmlns="" xmlns:a16="http://schemas.microsoft.com/office/drawing/2014/main" id="{6F667E87-8FD6-46A5-A43E-073FA2488E92}"/>
               </a:ext>
             </a:extLst>
           </p:cNvPr>
@@ -6651,7 +6649,7 @@
             <a:pPr algn="ctr"/>
             <a:r>
               <a:rPr lang="en-GB" dirty="0" err="1" smtClean="0"/>
-              <a:t>incode-quickstart</a:t>
+              <a:t>quickstart</a:t>
             </a:r>
             <a:r>
               <a:rPr lang="en-GB" dirty="0" smtClean="0"/>
@@ -6674,7 +6672,7 @@
           <p:cNvPr id="18" name="Connector: Curved 17">
             <a:extLst>
               <a:ext uri="{FF2B5EF4-FFF2-40B4-BE49-F238E27FC236}">
-                <a16:creationId xmlns:a16="http://schemas.microsoft.com/office/drawing/2014/main" xmlns="" id="{235B6DF2-10F1-4264-944B-DE3DE4342160}"/>
+                <a16:creationId xmlns="" xmlns:a16="http://schemas.microsoft.com/office/drawing/2014/main" id="{235B6DF2-10F1-4264-944B-DE3DE4342160}"/>
               </a:ext>
             </a:extLst>
           </p:cNvPr>
@@ -6720,7 +6718,7 @@
           <p:cNvPr id="19" name="Connector: Curved 18">
             <a:extLst>
               <a:ext uri="{FF2B5EF4-FFF2-40B4-BE49-F238E27FC236}">
-                <a16:creationId xmlns:a16="http://schemas.microsoft.com/office/drawing/2014/main" xmlns="" id="{2FBC79EF-5E35-4E05-8803-3AF73A28C92F}"/>
+                <a16:creationId xmlns="" xmlns:a16="http://schemas.microsoft.com/office/drawing/2014/main" id="{2FBC79EF-5E35-4E05-8803-3AF73A28C92F}"/>
               </a:ext>
             </a:extLst>
           </p:cNvPr>
@@ -6764,7 +6762,7 @@
           <p:cNvPr id="24" name="Connector: Curved 23">
             <a:extLst>
               <a:ext uri="{FF2B5EF4-FFF2-40B4-BE49-F238E27FC236}">
-                <a16:creationId xmlns:a16="http://schemas.microsoft.com/office/drawing/2014/main" xmlns="" id="{BE6E8495-EAF9-47A3-977B-5D2C8D412DD5}"/>
+                <a16:creationId xmlns="" xmlns:a16="http://schemas.microsoft.com/office/drawing/2014/main" id="{BE6E8495-EAF9-47A3-977B-5D2C8D412DD5}"/>
               </a:ext>
             </a:extLst>
           </p:cNvPr>
@@ -6808,7 +6806,7 @@
           <p:cNvPr id="31" name="Connector: Curved 30">
             <a:extLst>
               <a:ext uri="{FF2B5EF4-FFF2-40B4-BE49-F238E27FC236}">
-                <a16:creationId xmlns:a16="http://schemas.microsoft.com/office/drawing/2014/main" xmlns="" id="{F8EE246A-6C60-4FA3-A5F7-5FD3742399F7}"/>
+                <a16:creationId xmlns="" xmlns:a16="http://schemas.microsoft.com/office/drawing/2014/main" id="{F8EE246A-6C60-4FA3-A5F7-5FD3742399F7}"/>
               </a:ext>
             </a:extLst>
           </p:cNvPr>
@@ -6854,7 +6852,7 @@
           <p:cNvPr id="34" name="Connector: Curved 33">
             <a:extLst>
               <a:ext uri="{FF2B5EF4-FFF2-40B4-BE49-F238E27FC236}">
-                <a16:creationId xmlns:a16="http://schemas.microsoft.com/office/drawing/2014/main" xmlns="" id="{18F2C29F-2227-4AA4-8F29-568F54DCAE2B}"/>
+                <a16:creationId xmlns="" xmlns:a16="http://schemas.microsoft.com/office/drawing/2014/main" id="{18F2C29F-2227-4AA4-8F29-568F54DCAE2B}"/>
               </a:ext>
             </a:extLst>
           </p:cNvPr>
@@ -6900,7 +6898,7 @@
           <p:cNvPr id="38" name="Connector: Curved 37">
             <a:extLst>
               <a:ext uri="{FF2B5EF4-FFF2-40B4-BE49-F238E27FC236}">
-                <a16:creationId xmlns:a16="http://schemas.microsoft.com/office/drawing/2014/main" xmlns="" id="{B7ACC004-2CE9-4C14-9EB0-56CB05770D71}"/>
+                <a16:creationId xmlns="" xmlns:a16="http://schemas.microsoft.com/office/drawing/2014/main" id="{B7ACC004-2CE9-4C14-9EB0-56CB05770D71}"/>
               </a:ext>
             </a:extLst>
           </p:cNvPr>
@@ -6944,7 +6942,7 @@
           <p:cNvPr id="45" name="Connector: Curved 44">
             <a:extLst>
               <a:ext uri="{FF2B5EF4-FFF2-40B4-BE49-F238E27FC236}">
-                <a16:creationId xmlns:a16="http://schemas.microsoft.com/office/drawing/2014/main" xmlns="" id="{326FFFD3-29E8-4568-9C85-C59AE4BE9FB7}"/>
+                <a16:creationId xmlns="" xmlns:a16="http://schemas.microsoft.com/office/drawing/2014/main" id="{326FFFD3-29E8-4568-9C85-C59AE4BE9FB7}"/>
               </a:ext>
             </a:extLst>
           </p:cNvPr>
@@ -6990,7 +6988,7 @@
           <p:cNvPr id="48" name="Rectangle 47">
             <a:extLst>
               <a:ext uri="{FF2B5EF4-FFF2-40B4-BE49-F238E27FC236}">
-                <a16:creationId xmlns:a16="http://schemas.microsoft.com/office/drawing/2014/main" xmlns="" id="{EE301681-6BDF-4FD2-9EC5-D20399824C03}"/>
+                <a16:creationId xmlns="" xmlns:a16="http://schemas.microsoft.com/office/drawing/2014/main" id="{EE301681-6BDF-4FD2-9EC5-D20399824C03}"/>
               </a:ext>
             </a:extLst>
           </p:cNvPr>
@@ -7049,7 +7047,7 @@
           <p:cNvPr id="49" name="Rectangle 48">
             <a:extLst>
               <a:ext uri="{FF2B5EF4-FFF2-40B4-BE49-F238E27FC236}">
-                <a16:creationId xmlns:a16="http://schemas.microsoft.com/office/drawing/2014/main" xmlns="" id="{A8AA121E-7888-4A5A-9BBF-0326D03B9E03}"/>
+                <a16:creationId xmlns="" xmlns:a16="http://schemas.microsoft.com/office/drawing/2014/main" id="{A8AA121E-7888-4A5A-9BBF-0326D03B9E03}"/>
               </a:ext>
             </a:extLst>
           </p:cNvPr>
@@ -7109,7 +7107,7 @@
           <p:cNvPr id="51" name="Rectangle 50">
             <a:extLst>
               <a:ext uri="{FF2B5EF4-FFF2-40B4-BE49-F238E27FC236}">
-                <a16:creationId xmlns:a16="http://schemas.microsoft.com/office/drawing/2014/main" xmlns="" id="{F5ADB6AC-2574-45A0-BBF2-72D3981B103D}"/>
+                <a16:creationId xmlns="" xmlns:a16="http://schemas.microsoft.com/office/drawing/2014/main" id="{F5ADB6AC-2574-45A0-BBF2-72D3981B103D}"/>
               </a:ext>
             </a:extLst>
           </p:cNvPr>
@@ -7170,7 +7168,7 @@
           <p:cNvPr id="52" name="Rectangle 51">
             <a:extLst>
               <a:ext uri="{FF2B5EF4-FFF2-40B4-BE49-F238E27FC236}">
-                <a16:creationId xmlns:a16="http://schemas.microsoft.com/office/drawing/2014/main" xmlns="" id="{D362DFB8-D8E0-4F0B-A61A-69A210D62CC7}"/>
+                <a16:creationId xmlns="" xmlns:a16="http://schemas.microsoft.com/office/drawing/2014/main" id="{D362DFB8-D8E0-4F0B-A61A-69A210D62CC7}"/>
               </a:ext>
             </a:extLst>
           </p:cNvPr>
@@ -7231,7 +7229,7 @@
           <p:cNvPr id="54" name="Rectangle 53">
             <a:extLst>
               <a:ext uri="{FF2B5EF4-FFF2-40B4-BE49-F238E27FC236}">
-                <a16:creationId xmlns:a16="http://schemas.microsoft.com/office/drawing/2014/main" xmlns="" id="{9E80E87D-1602-437A-BDED-ACE256305F52}"/>
+                <a16:creationId xmlns="" xmlns:a16="http://schemas.microsoft.com/office/drawing/2014/main" id="{9E80E87D-1602-437A-BDED-ACE256305F52}"/>
               </a:ext>
             </a:extLst>
           </p:cNvPr>
@@ -7295,7 +7293,7 @@
           <p:cNvPr id="66" name="TextBox 65">
             <a:extLst>
               <a:ext uri="{FF2B5EF4-FFF2-40B4-BE49-F238E27FC236}">
-                <a16:creationId xmlns:a16="http://schemas.microsoft.com/office/drawing/2014/main" xmlns="" id="{DC55C7B9-8370-4BA5-8D4E-4632D29BB355}"/>
+                <a16:creationId xmlns="" xmlns:a16="http://schemas.microsoft.com/office/drawing/2014/main" id="{DC55C7B9-8370-4BA5-8D4E-4632D29BB355}"/>
               </a:ext>
             </a:extLst>
           </p:cNvPr>
@@ -7330,7 +7328,7 @@
           <p:cNvPr id="95" name="TextBox 94">
             <a:extLst>
               <a:ext uri="{FF2B5EF4-FFF2-40B4-BE49-F238E27FC236}">
-                <a16:creationId xmlns:a16="http://schemas.microsoft.com/office/drawing/2014/main" xmlns="" id="{946AB88C-9410-4E16-910D-9E11D567DD57}"/>
+                <a16:creationId xmlns="" xmlns:a16="http://schemas.microsoft.com/office/drawing/2014/main" id="{946AB88C-9410-4E16-910D-9E11D567DD57}"/>
               </a:ext>
             </a:extLst>
           </p:cNvPr>
@@ -7365,7 +7363,7 @@
           <p:cNvPr id="27" name="Rectangle 26">
             <a:extLst>
               <a:ext uri="{FF2B5EF4-FFF2-40B4-BE49-F238E27FC236}">
-                <a16:creationId xmlns:a16="http://schemas.microsoft.com/office/drawing/2014/main" xmlns="" id="{AAC83E29-BD97-4EEC-9AB8-EF2C15FBAF0B}"/>
+                <a16:creationId xmlns="" xmlns:a16="http://schemas.microsoft.com/office/drawing/2014/main" id="{AAC83E29-BD97-4EEC-9AB8-EF2C15FBAF0B}"/>
               </a:ext>
             </a:extLst>
           </p:cNvPr>
@@ -7404,7 +7402,7 @@
             <a:pPr algn="ctr"/>
             <a:r>
               <a:rPr lang="en-GB" dirty="0" err="1" smtClean="0"/>
-              <a:t>incode-quickstart</a:t>
+              <a:t>quickstart</a:t>
             </a:r>
             <a:r>
               <a:rPr lang="en-GB" dirty="0" smtClean="0"/>
@@ -7426,7 +7424,7 @@
           <p:cNvPr id="28" name="Connector: Curved 27">
             <a:extLst>
               <a:ext uri="{FF2B5EF4-FFF2-40B4-BE49-F238E27FC236}">
-                <a16:creationId xmlns:a16="http://schemas.microsoft.com/office/drawing/2014/main" xmlns="" id="{007CFC32-577B-44FD-9292-FCE2548F3D68}"/>
+                <a16:creationId xmlns="" xmlns:a16="http://schemas.microsoft.com/office/drawing/2014/main" id="{007CFC32-577B-44FD-9292-FCE2548F3D68}"/>
               </a:ext>
             </a:extLst>
           </p:cNvPr>
@@ -7472,7 +7470,7 @@
           <p:cNvPr id="32" name="Connector: Curved 31">
             <a:extLst>
               <a:ext uri="{FF2B5EF4-FFF2-40B4-BE49-F238E27FC236}">
-                <a16:creationId xmlns:a16="http://schemas.microsoft.com/office/drawing/2014/main" xmlns="" id="{49133326-9AF8-4286-8C9B-2EB5BA79270C}"/>
+                <a16:creationId xmlns="" xmlns:a16="http://schemas.microsoft.com/office/drawing/2014/main" id="{49133326-9AF8-4286-8C9B-2EB5BA79270C}"/>
               </a:ext>
             </a:extLst>
           </p:cNvPr>
@@ -7516,7 +7514,7 @@
           <p:cNvPr id="35" name="Rectangle 34">
             <a:extLst>
               <a:ext uri="{FF2B5EF4-FFF2-40B4-BE49-F238E27FC236}">
-                <a16:creationId xmlns:a16="http://schemas.microsoft.com/office/drawing/2014/main" xmlns="" id="{F054E78D-5EDF-4692-8237-C86FD5FFFDF3}"/>
+                <a16:creationId xmlns="" xmlns:a16="http://schemas.microsoft.com/office/drawing/2014/main" id="{F054E78D-5EDF-4692-8237-C86FD5FFFDF3}"/>
               </a:ext>
             </a:extLst>
           </p:cNvPr>
@@ -7580,7 +7578,7 @@
           <p:cNvPr id="36" name="Connector: Curved 35">
             <a:extLst>
               <a:ext uri="{FF2B5EF4-FFF2-40B4-BE49-F238E27FC236}">
-                <a16:creationId xmlns:a16="http://schemas.microsoft.com/office/drawing/2014/main" xmlns="" id="{B7BC151F-D659-417F-A783-51938BE4BEA8}"/>
+                <a16:creationId xmlns="" xmlns:a16="http://schemas.microsoft.com/office/drawing/2014/main" id="{B7BC151F-D659-417F-A783-51938BE4BEA8}"/>
               </a:ext>
             </a:extLst>
           </p:cNvPr>
@@ -7624,7 +7622,7 @@
           <p:cNvPr id="40" name="TextBox 39">
             <a:extLst>
               <a:ext uri="{FF2B5EF4-FFF2-40B4-BE49-F238E27FC236}">
-                <a16:creationId xmlns:a16="http://schemas.microsoft.com/office/drawing/2014/main" xmlns="" id="{8104B7EB-F2A1-4398-B999-ECC472E7BCF3}"/>
+                <a16:creationId xmlns="" xmlns:a16="http://schemas.microsoft.com/office/drawing/2014/main" id="{8104B7EB-F2A1-4398-B999-ECC472E7BCF3}"/>
               </a:ext>
             </a:extLst>
           </p:cNvPr>
@@ -7666,7 +7664,7 @@
           <p:cNvPr id="17" name="Flowchart: Document 16">
             <a:extLst>
               <a:ext uri="{FF2B5EF4-FFF2-40B4-BE49-F238E27FC236}">
-                <a16:creationId xmlns:a16="http://schemas.microsoft.com/office/drawing/2014/main" xmlns="" id="{1BF166FF-B4DB-41E3-9A74-DC0DAC98390D}"/>
+                <a16:creationId xmlns="" xmlns:a16="http://schemas.microsoft.com/office/drawing/2014/main" id="{1BF166FF-B4DB-41E3-9A74-DC0DAC98390D}"/>
               </a:ext>
             </a:extLst>
           </p:cNvPr>
@@ -7713,7 +7711,7 @@
           <p:cNvPr id="42" name="Connector: Curved 41">
             <a:extLst>
               <a:ext uri="{FF2B5EF4-FFF2-40B4-BE49-F238E27FC236}">
-                <a16:creationId xmlns:a16="http://schemas.microsoft.com/office/drawing/2014/main" xmlns="" id="{71DA3FF6-075C-4197-9416-C83BC0D386E8}"/>
+                <a16:creationId xmlns="" xmlns:a16="http://schemas.microsoft.com/office/drawing/2014/main" id="{71DA3FF6-075C-4197-9416-C83BC0D386E8}"/>
               </a:ext>
             </a:extLst>
           </p:cNvPr>
@@ -7757,7 +7755,7 @@
           <p:cNvPr id="73" name="Connector: Curved 72">
             <a:extLst>
               <a:ext uri="{FF2B5EF4-FFF2-40B4-BE49-F238E27FC236}">
-                <a16:creationId xmlns:a16="http://schemas.microsoft.com/office/drawing/2014/main" xmlns="" id="{BDCFE337-ECA9-4F4B-894B-5B9210753B6A}"/>
+                <a16:creationId xmlns="" xmlns:a16="http://schemas.microsoft.com/office/drawing/2014/main" id="{BDCFE337-ECA9-4F4B-894B-5B9210753B6A}"/>
               </a:ext>
             </a:extLst>
           </p:cNvPr>
@@ -7801,7 +7799,7 @@
           <p:cNvPr id="81" name="Connector: Curved 80">
             <a:extLst>
               <a:ext uri="{FF2B5EF4-FFF2-40B4-BE49-F238E27FC236}">
-                <a16:creationId xmlns:a16="http://schemas.microsoft.com/office/drawing/2014/main" xmlns="" id="{E0DBBBB3-E178-4C40-9E51-8AC6789AE499}"/>
+                <a16:creationId xmlns="" xmlns:a16="http://schemas.microsoft.com/office/drawing/2014/main" id="{E0DBBBB3-E178-4C40-9E51-8AC6789AE499}"/>
               </a:ext>
             </a:extLst>
           </p:cNvPr>
@@ -7845,7 +7843,7 @@
           <p:cNvPr id="83" name="TextBox 82">
             <a:extLst>
               <a:ext uri="{FF2B5EF4-FFF2-40B4-BE49-F238E27FC236}">
-                <a16:creationId xmlns:a16="http://schemas.microsoft.com/office/drawing/2014/main" xmlns="" id="{5F7004B3-D2B5-41DE-9626-D8782E719A5C}"/>
+                <a16:creationId xmlns="" xmlns:a16="http://schemas.microsoft.com/office/drawing/2014/main" id="{5F7004B3-D2B5-41DE-9626-D8782E719A5C}"/>
               </a:ext>
             </a:extLst>
           </p:cNvPr>
@@ -7887,7 +7885,7 @@
           <p:cNvPr id="84" name="TextBox 83">
             <a:extLst>
               <a:ext uri="{FF2B5EF4-FFF2-40B4-BE49-F238E27FC236}">
-                <a16:creationId xmlns:a16="http://schemas.microsoft.com/office/drawing/2014/main" xmlns="" id="{46342F55-5205-4C6F-81BD-4A1BFFAFE65C}"/>
+                <a16:creationId xmlns="" xmlns:a16="http://schemas.microsoft.com/office/drawing/2014/main" id="{46342F55-5205-4C6F-81BD-4A1BFFAFE65C}"/>
               </a:ext>
             </a:extLst>
           </p:cNvPr>
@@ -7922,7 +7920,7 @@
           <p:cNvPr id="86" name="TextBox 85">
             <a:extLst>
               <a:ext uri="{FF2B5EF4-FFF2-40B4-BE49-F238E27FC236}">
-                <a16:creationId xmlns:a16="http://schemas.microsoft.com/office/drawing/2014/main" xmlns="" id="{3F73D5FF-B89C-4BF6-9D26-63687EA8AE9D}"/>
+                <a16:creationId xmlns="" xmlns:a16="http://schemas.microsoft.com/office/drawing/2014/main" id="{3F73D5FF-B89C-4BF6-9D26-63687EA8AE9D}"/>
               </a:ext>
             </a:extLst>
           </p:cNvPr>
@@ -7972,7 +7970,7 @@
           <p:cNvPr id="41" name="Connector: Curved 40">
             <a:extLst>
               <a:ext uri="{FF2B5EF4-FFF2-40B4-BE49-F238E27FC236}">
-                <a16:creationId xmlns:a16="http://schemas.microsoft.com/office/drawing/2014/main" xmlns="" id="{69136D57-9160-416D-B3F9-878F1C369BCD}"/>
+                <a16:creationId xmlns="" xmlns:a16="http://schemas.microsoft.com/office/drawing/2014/main" id="{69136D57-9160-416D-B3F9-878F1C369BCD}"/>
               </a:ext>
             </a:extLst>
           </p:cNvPr>
@@ -8016,7 +8014,7 @@
           <p:cNvPr id="106" name="Connector: Curved 105">
             <a:extLst>
               <a:ext uri="{FF2B5EF4-FFF2-40B4-BE49-F238E27FC236}">
-                <a16:creationId xmlns:a16="http://schemas.microsoft.com/office/drawing/2014/main" xmlns="" id="{38519E07-9814-45DE-8F54-B74E8EFEB8F7}"/>
+                <a16:creationId xmlns="" xmlns:a16="http://schemas.microsoft.com/office/drawing/2014/main" id="{38519E07-9814-45DE-8F54-B74E8EFEB8F7}"/>
               </a:ext>
             </a:extLst>
           </p:cNvPr>
@@ -8060,7 +8058,7 @@
           <p:cNvPr id="110" name="TextBox 109">
             <a:extLst>
               <a:ext uri="{FF2B5EF4-FFF2-40B4-BE49-F238E27FC236}">
-                <a16:creationId xmlns:a16="http://schemas.microsoft.com/office/drawing/2014/main" xmlns="" id="{8856B0F9-F83E-45D3-8CAF-995CA4A37218}"/>
+                <a16:creationId xmlns="" xmlns:a16="http://schemas.microsoft.com/office/drawing/2014/main" id="{8856B0F9-F83E-45D3-8CAF-995CA4A37218}"/>
               </a:ext>
             </a:extLst>
           </p:cNvPr>
@@ -8095,7 +8093,7 @@
           <p:cNvPr id="46" name="TextBox 45">
             <a:extLst>
               <a:ext uri="{FF2B5EF4-FFF2-40B4-BE49-F238E27FC236}">
-                <a16:creationId xmlns:a16="http://schemas.microsoft.com/office/drawing/2014/main" xmlns="" id="{D7630F3E-F103-4873-9F6A-6A9F01A8DE6C}"/>
+                <a16:creationId xmlns="" xmlns:a16="http://schemas.microsoft.com/office/drawing/2014/main" id="{D7630F3E-F103-4873-9F6A-6A9F01A8DE6C}"/>
               </a:ext>
             </a:extLst>
           </p:cNvPr>
@@ -8427,7 +8425,7 @@
   <a:extraClrSchemeLst/>
   <a:extLst>
     <a:ext uri="{05A4C25C-085E-4340-85A3-A5531E510DB2}">
-      <thm15:themeFamily xmlns:thm15="http://schemas.microsoft.com/office/thememl/2012/main" xmlns="" name="Office Theme" id="{62F939B6-93AF-4DB8-9C6B-D6C7DFDC589F}" vid="{4A3C46E8-61CC-4603-A589-7422A47A8E4A}"/>
+      <thm15:themeFamily xmlns="" xmlns:thm15="http://schemas.microsoft.com/office/thememl/2012/main" name="Office Theme" id="{62F939B6-93AF-4DB8-9C6B-D6C7DFDC589F}" vid="{4A3C46E8-61CC-4603-A589-7422A47A8E4A}"/>
     </a:ext>
   </a:extLst>
 </a:theme>
